--- a/CPlusPlus/04_essential_cpp_classes.pptx
+++ b/CPlusPlus/04_essential_cpp_classes.pptx
@@ -4,9 +4,18 @@
   <p:sldMasterIdLst>
     <p:sldMasterId id="2147483660" r:id="rId1"/>
   </p:sldMasterIdLst>
+  <p:notesMasterIdLst>
+    <p:notesMasterId r:id="rId10"/>
+  </p:notesMasterIdLst>
   <p:sldIdLst>
     <p:sldId id="257" r:id="rId2"/>
     <p:sldId id="258" r:id="rId3"/>
+    <p:sldId id="259" r:id="rId4"/>
+    <p:sldId id="260" r:id="rId5"/>
+    <p:sldId id="261" r:id="rId6"/>
+    <p:sldId id="262" r:id="rId7"/>
+    <p:sldId id="263" r:id="rId8"/>
+    <p:sldId id="264" r:id="rId9"/>
   </p:sldIdLst>
   <p:sldSz cx="9144000" cy="6858000" type="screen4x3"/>
   <p:notesSz cx="6858000" cy="9144000"/>
@@ -105,7 +114,530 @@
       </a:defRPr>
     </a:lvl9pPr>
   </p:defaultTextStyle>
+  <p:extLst>
+    <p:ext uri="{EFAFB233-063F-42B5-8137-9DF3F51BA10A}">
+      <p15:sldGuideLst xmlns:p15="http://schemas.microsoft.com/office/powerpoint/2012/main"/>
+    </p:ext>
+  </p:extLst>
 </p:presentation>
+</file>
+
+<file path=ppt/notesMasters/notesMaster1.xml><?xml version="1.0" encoding="utf-8"?>
+<p:notesMaster xmlns:a="http://schemas.openxmlformats.org/drawingml/2006/main" xmlns:r="http://schemas.openxmlformats.org/officeDocument/2006/relationships" xmlns:p="http://schemas.openxmlformats.org/presentationml/2006/main">
+  <p:cSld>
+    <p:bg>
+      <p:bgRef idx="1001">
+        <a:schemeClr val="bg1"/>
+      </p:bgRef>
+    </p:bg>
+    <p:spTree>
+      <p:nvGrpSpPr>
+        <p:cNvPr id="1" name=""/>
+        <p:cNvGrpSpPr/>
+        <p:nvPr/>
+      </p:nvGrpSpPr>
+      <p:grpSpPr>
+        <a:xfrm>
+          <a:off x="0" y="0"/>
+          <a:ext cx="0" cy="0"/>
+          <a:chOff x="0" y="0"/>
+          <a:chExt cx="0" cy="0"/>
+        </a:xfrm>
+      </p:grpSpPr>
+      <p:sp>
+        <p:nvSpPr>
+          <p:cNvPr id="2" name="Header Placeholder 1"/>
+          <p:cNvSpPr>
+            <a:spLocks noGrp="1"/>
+          </p:cNvSpPr>
+          <p:nvPr>
+            <p:ph type="hdr" sz="quarter"/>
+          </p:nvPr>
+        </p:nvSpPr>
+        <p:spPr>
+          <a:xfrm>
+            <a:off x="0" y="0"/>
+            <a:ext cx="2971800" cy="458788"/>
+          </a:xfrm>
+          <a:prstGeom prst="rect">
+            <a:avLst/>
+          </a:prstGeom>
+        </p:spPr>
+        <p:txBody>
+          <a:bodyPr vert="horz" lIns="91440" tIns="45720" rIns="91440" bIns="45720" rtlCol="0"/>
+          <a:lstStyle>
+            <a:lvl1pPr algn="l">
+              <a:defRPr sz="1200"/>
+            </a:lvl1pPr>
+          </a:lstStyle>
+          <a:p>
+            <a:endParaRPr lang="en-US"/>
+          </a:p>
+        </p:txBody>
+      </p:sp>
+      <p:sp>
+        <p:nvSpPr>
+          <p:cNvPr id="3" name="Date Placeholder 2"/>
+          <p:cNvSpPr>
+            <a:spLocks noGrp="1"/>
+          </p:cNvSpPr>
+          <p:nvPr>
+            <p:ph type="dt" idx="1"/>
+          </p:nvPr>
+        </p:nvSpPr>
+        <p:spPr>
+          <a:xfrm>
+            <a:off x="3884613" y="0"/>
+            <a:ext cx="2971800" cy="458788"/>
+          </a:xfrm>
+          <a:prstGeom prst="rect">
+            <a:avLst/>
+          </a:prstGeom>
+        </p:spPr>
+        <p:txBody>
+          <a:bodyPr vert="horz" lIns="91440" tIns="45720" rIns="91440" bIns="45720" rtlCol="0"/>
+          <a:lstStyle>
+            <a:lvl1pPr algn="r">
+              <a:defRPr sz="1200"/>
+            </a:lvl1pPr>
+          </a:lstStyle>
+          <a:p>
+            <a:fld id="{79B8B1BA-E8A9-48CD-886E-2AED8C4BE354}" type="datetimeFigureOut">
+              <a:rPr lang="en-US" smtClean="0"/>
+              <a:t>2017-02-28</a:t>
+            </a:fld>
+            <a:endParaRPr lang="en-US"/>
+          </a:p>
+        </p:txBody>
+      </p:sp>
+      <p:sp>
+        <p:nvSpPr>
+          <p:cNvPr id="4" name="Slide Image Placeholder 3"/>
+          <p:cNvSpPr>
+            <a:spLocks noGrp="1" noRot="1" noChangeAspect="1"/>
+          </p:cNvSpPr>
+          <p:nvPr>
+            <p:ph type="sldImg" idx="2"/>
+          </p:nvPr>
+        </p:nvSpPr>
+        <p:spPr>
+          <a:xfrm>
+            <a:off x="1371600" y="1143000"/>
+            <a:ext cx="4114800" cy="3086100"/>
+          </a:xfrm>
+          <a:prstGeom prst="rect">
+            <a:avLst/>
+          </a:prstGeom>
+          <a:noFill/>
+          <a:ln w="12700">
+            <a:solidFill>
+              <a:prstClr val="black"/>
+            </a:solidFill>
+          </a:ln>
+        </p:spPr>
+        <p:txBody>
+          <a:bodyPr vert="horz" lIns="91440" tIns="45720" rIns="91440" bIns="45720" rtlCol="0" anchor="ctr"/>
+          <a:lstStyle/>
+          <a:p>
+            <a:endParaRPr lang="en-US"/>
+          </a:p>
+        </p:txBody>
+      </p:sp>
+      <p:sp>
+        <p:nvSpPr>
+          <p:cNvPr id="5" name="Notes Placeholder 4"/>
+          <p:cNvSpPr>
+            <a:spLocks noGrp="1"/>
+          </p:cNvSpPr>
+          <p:nvPr>
+            <p:ph type="body" sz="quarter" idx="3"/>
+          </p:nvPr>
+        </p:nvSpPr>
+        <p:spPr>
+          <a:xfrm>
+            <a:off x="685800" y="4400550"/>
+            <a:ext cx="5486400" cy="3600450"/>
+          </a:xfrm>
+          <a:prstGeom prst="rect">
+            <a:avLst/>
+          </a:prstGeom>
+        </p:spPr>
+        <p:txBody>
+          <a:bodyPr vert="horz" lIns="91440" tIns="45720" rIns="91440" bIns="45720" rtlCol="0"/>
+          <a:lstStyle/>
+          <a:p>
+            <a:pPr lvl="0"/>
+            <a:r>
+              <a:rPr lang="en-US" smtClean="0"/>
+              <a:t>Click to edit Master text styles</a:t>
+            </a:r>
+          </a:p>
+          <a:p>
+            <a:pPr lvl="1"/>
+            <a:r>
+              <a:rPr lang="en-US" smtClean="0"/>
+              <a:t>Second level</a:t>
+            </a:r>
+          </a:p>
+          <a:p>
+            <a:pPr lvl="2"/>
+            <a:r>
+              <a:rPr lang="en-US" smtClean="0"/>
+              <a:t>Third level</a:t>
+            </a:r>
+          </a:p>
+          <a:p>
+            <a:pPr lvl="3"/>
+            <a:r>
+              <a:rPr lang="en-US" smtClean="0"/>
+              <a:t>Fourth level</a:t>
+            </a:r>
+          </a:p>
+          <a:p>
+            <a:pPr lvl="4"/>
+            <a:r>
+              <a:rPr lang="en-US" smtClean="0"/>
+              <a:t>Fifth level</a:t>
+            </a:r>
+            <a:endParaRPr lang="en-US"/>
+          </a:p>
+        </p:txBody>
+      </p:sp>
+      <p:sp>
+        <p:nvSpPr>
+          <p:cNvPr id="6" name="Footer Placeholder 5"/>
+          <p:cNvSpPr>
+            <a:spLocks noGrp="1"/>
+          </p:cNvSpPr>
+          <p:nvPr>
+            <p:ph type="ftr" sz="quarter" idx="4"/>
+          </p:nvPr>
+        </p:nvSpPr>
+        <p:spPr>
+          <a:xfrm>
+            <a:off x="0" y="8685213"/>
+            <a:ext cx="2971800" cy="458787"/>
+          </a:xfrm>
+          <a:prstGeom prst="rect">
+            <a:avLst/>
+          </a:prstGeom>
+        </p:spPr>
+        <p:txBody>
+          <a:bodyPr vert="horz" lIns="91440" tIns="45720" rIns="91440" bIns="45720" rtlCol="0" anchor="b"/>
+          <a:lstStyle>
+            <a:lvl1pPr algn="l">
+              <a:defRPr sz="1200"/>
+            </a:lvl1pPr>
+          </a:lstStyle>
+          <a:p>
+            <a:endParaRPr lang="en-US"/>
+          </a:p>
+        </p:txBody>
+      </p:sp>
+      <p:sp>
+        <p:nvSpPr>
+          <p:cNvPr id="7" name="Slide Number Placeholder 6"/>
+          <p:cNvSpPr>
+            <a:spLocks noGrp="1"/>
+          </p:cNvSpPr>
+          <p:nvPr>
+            <p:ph type="sldNum" sz="quarter" idx="5"/>
+          </p:nvPr>
+        </p:nvSpPr>
+        <p:spPr>
+          <a:xfrm>
+            <a:off x="3884613" y="8685213"/>
+            <a:ext cx="2971800" cy="458787"/>
+          </a:xfrm>
+          <a:prstGeom prst="rect">
+            <a:avLst/>
+          </a:prstGeom>
+        </p:spPr>
+        <p:txBody>
+          <a:bodyPr vert="horz" lIns="91440" tIns="45720" rIns="91440" bIns="45720" rtlCol="0" anchor="b"/>
+          <a:lstStyle>
+            <a:lvl1pPr algn="r">
+              <a:defRPr sz="1200"/>
+            </a:lvl1pPr>
+          </a:lstStyle>
+          <a:p>
+            <a:fld id="{DD739FFE-5AD4-4F7E-A3C2-C69313493348}" type="slidenum">
+              <a:rPr lang="en-US" smtClean="0"/>
+              <a:t>‹#›</a:t>
+            </a:fld>
+            <a:endParaRPr lang="en-US"/>
+          </a:p>
+        </p:txBody>
+      </p:sp>
+    </p:spTree>
+    <p:extLst>
+      <p:ext uri="{BB962C8B-B14F-4D97-AF65-F5344CB8AC3E}">
+        <p14:creationId xmlns:p14="http://schemas.microsoft.com/office/powerpoint/2010/main" val="684317688"/>
+      </p:ext>
+    </p:extLst>
+  </p:cSld>
+  <p:clrMap bg1="lt1" tx1="dk1" bg2="lt2" tx2="dk2" accent1="accent1" accent2="accent2" accent3="accent3" accent4="accent4" accent5="accent5" accent6="accent6" hlink="hlink" folHlink="folHlink"/>
+  <p:notesStyle>
+    <a:lvl1pPr marL="0" algn="l" defTabSz="914400" rtl="0" eaLnBrk="1" latinLnBrk="0" hangingPunct="1">
+      <a:defRPr sz="1200" kern="1200">
+        <a:solidFill>
+          <a:schemeClr val="tx1"/>
+        </a:solidFill>
+        <a:latin typeface="+mn-lt"/>
+        <a:ea typeface="+mn-ea"/>
+        <a:cs typeface="+mn-cs"/>
+      </a:defRPr>
+    </a:lvl1pPr>
+    <a:lvl2pPr marL="457200" algn="l" defTabSz="914400" rtl="0" eaLnBrk="1" latinLnBrk="0" hangingPunct="1">
+      <a:defRPr sz="1200" kern="1200">
+        <a:solidFill>
+          <a:schemeClr val="tx1"/>
+        </a:solidFill>
+        <a:latin typeface="+mn-lt"/>
+        <a:ea typeface="+mn-ea"/>
+        <a:cs typeface="+mn-cs"/>
+      </a:defRPr>
+    </a:lvl2pPr>
+    <a:lvl3pPr marL="914400" algn="l" defTabSz="914400" rtl="0" eaLnBrk="1" latinLnBrk="0" hangingPunct="1">
+      <a:defRPr sz="1200" kern="1200">
+        <a:solidFill>
+          <a:schemeClr val="tx1"/>
+        </a:solidFill>
+        <a:latin typeface="+mn-lt"/>
+        <a:ea typeface="+mn-ea"/>
+        <a:cs typeface="+mn-cs"/>
+      </a:defRPr>
+    </a:lvl3pPr>
+    <a:lvl4pPr marL="1371600" algn="l" defTabSz="914400" rtl="0" eaLnBrk="1" latinLnBrk="0" hangingPunct="1">
+      <a:defRPr sz="1200" kern="1200">
+        <a:solidFill>
+          <a:schemeClr val="tx1"/>
+        </a:solidFill>
+        <a:latin typeface="+mn-lt"/>
+        <a:ea typeface="+mn-ea"/>
+        <a:cs typeface="+mn-cs"/>
+      </a:defRPr>
+    </a:lvl4pPr>
+    <a:lvl5pPr marL="1828800" algn="l" defTabSz="914400" rtl="0" eaLnBrk="1" latinLnBrk="0" hangingPunct="1">
+      <a:defRPr sz="1200" kern="1200">
+        <a:solidFill>
+          <a:schemeClr val="tx1"/>
+        </a:solidFill>
+        <a:latin typeface="+mn-lt"/>
+        <a:ea typeface="+mn-ea"/>
+        <a:cs typeface="+mn-cs"/>
+      </a:defRPr>
+    </a:lvl5pPr>
+    <a:lvl6pPr marL="2286000" algn="l" defTabSz="914400" rtl="0" eaLnBrk="1" latinLnBrk="0" hangingPunct="1">
+      <a:defRPr sz="1200" kern="1200">
+        <a:solidFill>
+          <a:schemeClr val="tx1"/>
+        </a:solidFill>
+        <a:latin typeface="+mn-lt"/>
+        <a:ea typeface="+mn-ea"/>
+        <a:cs typeface="+mn-cs"/>
+      </a:defRPr>
+    </a:lvl6pPr>
+    <a:lvl7pPr marL="2743200" algn="l" defTabSz="914400" rtl="0" eaLnBrk="1" latinLnBrk="0" hangingPunct="1">
+      <a:defRPr sz="1200" kern="1200">
+        <a:solidFill>
+          <a:schemeClr val="tx1"/>
+        </a:solidFill>
+        <a:latin typeface="+mn-lt"/>
+        <a:ea typeface="+mn-ea"/>
+        <a:cs typeface="+mn-cs"/>
+      </a:defRPr>
+    </a:lvl7pPr>
+    <a:lvl8pPr marL="3200400" algn="l" defTabSz="914400" rtl="0" eaLnBrk="1" latinLnBrk="0" hangingPunct="1">
+      <a:defRPr sz="1200" kern="1200">
+        <a:solidFill>
+          <a:schemeClr val="tx1"/>
+        </a:solidFill>
+        <a:latin typeface="+mn-lt"/>
+        <a:ea typeface="+mn-ea"/>
+        <a:cs typeface="+mn-cs"/>
+      </a:defRPr>
+    </a:lvl8pPr>
+    <a:lvl9pPr marL="3657600" algn="l" defTabSz="914400" rtl="0" eaLnBrk="1" latinLnBrk="0" hangingPunct="1">
+      <a:defRPr sz="1200" kern="1200">
+        <a:solidFill>
+          <a:schemeClr val="tx1"/>
+        </a:solidFill>
+        <a:latin typeface="+mn-lt"/>
+        <a:ea typeface="+mn-ea"/>
+        <a:cs typeface="+mn-cs"/>
+      </a:defRPr>
+    </a:lvl9pPr>
+  </p:notesStyle>
+</p:notesMaster>
+</file>
+
+<file path=ppt/notesSlides/notesSlide1.xml><?xml version="1.0" encoding="utf-8"?>
+<p:notes xmlns:a="http://schemas.openxmlformats.org/drawingml/2006/main" xmlns:r="http://schemas.openxmlformats.org/officeDocument/2006/relationships" xmlns:p="http://schemas.openxmlformats.org/presentationml/2006/main">
+  <p:cSld>
+    <p:spTree>
+      <p:nvGrpSpPr>
+        <p:cNvPr id="1" name=""/>
+        <p:cNvGrpSpPr/>
+        <p:nvPr/>
+      </p:nvGrpSpPr>
+      <p:grpSpPr>
+        <a:xfrm>
+          <a:off x="0" y="0"/>
+          <a:ext cx="0" cy="0"/>
+          <a:chOff x="0" y="0"/>
+          <a:chExt cx="0" cy="0"/>
+        </a:xfrm>
+      </p:grpSpPr>
+      <p:sp>
+        <p:nvSpPr>
+          <p:cNvPr id="2" name="Slide Image Placeholder 1"/>
+          <p:cNvSpPr>
+            <a:spLocks noGrp="1" noRot="1" noChangeAspect="1"/>
+          </p:cNvSpPr>
+          <p:nvPr>
+            <p:ph type="sldImg"/>
+          </p:nvPr>
+        </p:nvSpPr>
+        <p:spPr/>
+      </p:sp>
+      <p:sp>
+        <p:nvSpPr>
+          <p:cNvPr id="3" name="Notes Placeholder 2"/>
+          <p:cNvSpPr>
+            <a:spLocks noGrp="1"/>
+          </p:cNvSpPr>
+          <p:nvPr>
+            <p:ph type="body" idx="1"/>
+          </p:nvPr>
+        </p:nvSpPr>
+        <p:spPr/>
+        <p:txBody>
+          <a:bodyPr/>
+          <a:lstStyle/>
+          <a:p>
+            <a:endParaRPr lang="en-US"/>
+          </a:p>
+        </p:txBody>
+      </p:sp>
+      <p:sp>
+        <p:nvSpPr>
+          <p:cNvPr id="4" name="Slide Number Placeholder 3"/>
+          <p:cNvSpPr>
+            <a:spLocks noGrp="1"/>
+          </p:cNvSpPr>
+          <p:nvPr>
+            <p:ph type="sldNum" sz="quarter" idx="10"/>
+          </p:nvPr>
+        </p:nvSpPr>
+        <p:spPr/>
+        <p:txBody>
+          <a:bodyPr/>
+          <a:lstStyle/>
+          <a:p>
+            <a:fld id="{DD739FFE-5AD4-4F7E-A3C2-C69313493348}" type="slidenum">
+              <a:rPr lang="en-US" smtClean="0"/>
+              <a:t>4</a:t>
+            </a:fld>
+            <a:endParaRPr lang="en-US"/>
+          </a:p>
+        </p:txBody>
+      </p:sp>
+    </p:spTree>
+    <p:extLst>
+      <p:ext uri="{BB962C8B-B14F-4D97-AF65-F5344CB8AC3E}">
+        <p14:creationId xmlns:p14="http://schemas.microsoft.com/office/powerpoint/2010/main" val="628863220"/>
+      </p:ext>
+    </p:extLst>
+  </p:cSld>
+  <p:clrMapOvr>
+    <a:masterClrMapping/>
+  </p:clrMapOvr>
+</p:notes>
+</file>
+
+<file path=ppt/notesSlides/notesSlide2.xml><?xml version="1.0" encoding="utf-8"?>
+<p:notes xmlns:a="http://schemas.openxmlformats.org/drawingml/2006/main" xmlns:r="http://schemas.openxmlformats.org/officeDocument/2006/relationships" xmlns:p="http://schemas.openxmlformats.org/presentationml/2006/main">
+  <p:cSld>
+    <p:spTree>
+      <p:nvGrpSpPr>
+        <p:cNvPr id="1" name=""/>
+        <p:cNvGrpSpPr/>
+        <p:nvPr/>
+      </p:nvGrpSpPr>
+      <p:grpSpPr>
+        <a:xfrm>
+          <a:off x="0" y="0"/>
+          <a:ext cx="0" cy="0"/>
+          <a:chOff x="0" y="0"/>
+          <a:chExt cx="0" cy="0"/>
+        </a:xfrm>
+      </p:grpSpPr>
+      <p:sp>
+        <p:nvSpPr>
+          <p:cNvPr id="2" name="Slide Image Placeholder 1"/>
+          <p:cNvSpPr>
+            <a:spLocks noGrp="1" noRot="1" noChangeAspect="1"/>
+          </p:cNvSpPr>
+          <p:nvPr>
+            <p:ph type="sldImg"/>
+          </p:nvPr>
+        </p:nvSpPr>
+        <p:spPr/>
+      </p:sp>
+      <p:sp>
+        <p:nvSpPr>
+          <p:cNvPr id="3" name="Notes Placeholder 2"/>
+          <p:cNvSpPr>
+            <a:spLocks noGrp="1"/>
+          </p:cNvSpPr>
+          <p:nvPr>
+            <p:ph type="body" idx="1"/>
+          </p:nvPr>
+        </p:nvSpPr>
+        <p:spPr/>
+        <p:txBody>
+          <a:bodyPr/>
+          <a:lstStyle/>
+          <a:p>
+            <a:endParaRPr lang="en-US"/>
+          </a:p>
+        </p:txBody>
+      </p:sp>
+      <p:sp>
+        <p:nvSpPr>
+          <p:cNvPr id="4" name="Slide Number Placeholder 3"/>
+          <p:cNvSpPr>
+            <a:spLocks noGrp="1"/>
+          </p:cNvSpPr>
+          <p:nvPr>
+            <p:ph type="sldNum" sz="quarter" idx="10"/>
+          </p:nvPr>
+        </p:nvSpPr>
+        <p:spPr/>
+        <p:txBody>
+          <a:bodyPr/>
+          <a:lstStyle/>
+          <a:p>
+            <a:fld id="{DD739FFE-5AD4-4F7E-A3C2-C69313493348}" type="slidenum">
+              <a:rPr lang="en-US" smtClean="0"/>
+              <a:t>6</a:t>
+            </a:fld>
+            <a:endParaRPr lang="en-US"/>
+          </a:p>
+        </p:txBody>
+      </p:sp>
+    </p:spTree>
+    <p:extLst>
+      <p:ext uri="{BB962C8B-B14F-4D97-AF65-F5344CB8AC3E}">
+        <p14:creationId xmlns:p14="http://schemas.microsoft.com/office/powerpoint/2010/main" val="2213960620"/>
+      </p:ext>
+    </p:extLst>
+  </p:cSld>
+  <p:clrMapOvr>
+    <a:masterClrMapping/>
+  </p:clrMapOvr>
+</p:notes>
 </file>
 
 <file path=ppt/slideLayouts/slideLayout1.xml><?xml version="1.0" encoding="utf-8"?>
@@ -237,9 +769,9 @@
           <a:bodyPr/>
           <a:lstStyle/>
           <a:p>
-            <a:fld id="{A5BBC202-6DBD-4FA0-9531-9C3F5E427D1A}" type="datetimeFigureOut">
-              <a:rPr lang="en-US" smtClean="0"/>
-              <a:t>2017-02-24</a:t>
+            <a:fld id="{ABE0EDF4-4C0E-4772-84AE-1357C6001391}" type="datetime1">
+              <a:rPr lang="en-US" smtClean="0"/>
+              <a:t>2017-02-28</a:t>
             </a:fld>
             <a:endParaRPr lang="en-US"/>
           </a:p>
@@ -407,9 +939,9 @@
           <a:bodyPr/>
           <a:lstStyle/>
           <a:p>
-            <a:fld id="{A5BBC202-6DBD-4FA0-9531-9C3F5E427D1A}" type="datetimeFigureOut">
-              <a:rPr lang="en-US" smtClean="0"/>
-              <a:t>2017-02-24</a:t>
+            <a:fld id="{88C05809-344B-440B-9F88-C5B18C79382B}" type="datetime1">
+              <a:rPr lang="en-US" smtClean="0"/>
+              <a:t>2017-02-28</a:t>
             </a:fld>
             <a:endParaRPr lang="en-US"/>
           </a:p>
@@ -587,9 +1119,9 @@
           <a:bodyPr/>
           <a:lstStyle/>
           <a:p>
-            <a:fld id="{A5BBC202-6DBD-4FA0-9531-9C3F5E427D1A}" type="datetimeFigureOut">
-              <a:rPr lang="en-US" smtClean="0"/>
-              <a:t>2017-02-24</a:t>
+            <a:fld id="{90F74260-95EE-4CD2-908E-53F4ED138E6A}" type="datetime1">
+              <a:rPr lang="en-US" smtClean="0"/>
+              <a:t>2017-02-28</a:t>
             </a:fld>
             <a:endParaRPr lang="en-US"/>
           </a:p>
@@ -757,9 +1289,9 @@
           <a:bodyPr/>
           <a:lstStyle/>
           <a:p>
-            <a:fld id="{A5BBC202-6DBD-4FA0-9531-9C3F5E427D1A}" type="datetimeFigureOut">
-              <a:rPr lang="en-US" smtClean="0"/>
-              <a:t>2017-02-24</a:t>
+            <a:fld id="{1E3FA7D4-BD38-43A8-9130-CCA4F61A0EF1}" type="datetime1">
+              <a:rPr lang="en-US" smtClean="0"/>
+              <a:t>2017-02-28</a:t>
             </a:fld>
             <a:endParaRPr lang="en-US"/>
           </a:p>
@@ -1001,9 +1533,9 @@
           <a:bodyPr/>
           <a:lstStyle/>
           <a:p>
-            <a:fld id="{A5BBC202-6DBD-4FA0-9531-9C3F5E427D1A}" type="datetimeFigureOut">
-              <a:rPr lang="en-US" smtClean="0"/>
-              <a:t>2017-02-24</a:t>
+            <a:fld id="{096F3732-D81D-4EEE-A6C0-1A86B50EC6E7}" type="datetime1">
+              <a:rPr lang="en-US" smtClean="0"/>
+              <a:t>2017-02-28</a:t>
             </a:fld>
             <a:endParaRPr lang="en-US"/>
           </a:p>
@@ -1233,9 +1765,9 @@
           <a:bodyPr/>
           <a:lstStyle/>
           <a:p>
-            <a:fld id="{A5BBC202-6DBD-4FA0-9531-9C3F5E427D1A}" type="datetimeFigureOut">
-              <a:rPr lang="en-US" smtClean="0"/>
-              <a:t>2017-02-24</a:t>
+            <a:fld id="{08790459-F51D-4E85-A354-E358228D776E}" type="datetime1">
+              <a:rPr lang="en-US" smtClean="0"/>
+              <a:t>2017-02-28</a:t>
             </a:fld>
             <a:endParaRPr lang="en-US"/>
           </a:p>
@@ -1600,9 +2132,9 @@
           <a:bodyPr/>
           <a:lstStyle/>
           <a:p>
-            <a:fld id="{A5BBC202-6DBD-4FA0-9531-9C3F5E427D1A}" type="datetimeFigureOut">
-              <a:rPr lang="en-US" smtClean="0"/>
-              <a:t>2017-02-24</a:t>
+            <a:fld id="{B95FD88B-5497-4442-BF08-DF52AECDDAFE}" type="datetime1">
+              <a:rPr lang="en-US" smtClean="0"/>
+              <a:t>2017-02-28</a:t>
             </a:fld>
             <a:endParaRPr lang="en-US"/>
           </a:p>
@@ -1718,9 +2250,9 @@
           <a:bodyPr/>
           <a:lstStyle/>
           <a:p>
-            <a:fld id="{A5BBC202-6DBD-4FA0-9531-9C3F5E427D1A}" type="datetimeFigureOut">
-              <a:rPr lang="en-US" smtClean="0"/>
-              <a:t>2017-02-24</a:t>
+            <a:fld id="{CF2C86E3-CF93-475C-AE85-C652B2D2F9B5}" type="datetime1">
+              <a:rPr lang="en-US" smtClean="0"/>
+              <a:t>2017-02-28</a:t>
             </a:fld>
             <a:endParaRPr lang="en-US"/>
           </a:p>
@@ -1813,9 +2345,9 @@
           <a:bodyPr/>
           <a:lstStyle/>
           <a:p>
-            <a:fld id="{A5BBC202-6DBD-4FA0-9531-9C3F5E427D1A}" type="datetimeFigureOut">
-              <a:rPr lang="en-US" smtClean="0"/>
-              <a:t>2017-02-24</a:t>
+            <a:fld id="{F7F6E503-4705-4A51-BD29-968EA406E3C8}" type="datetime1">
+              <a:rPr lang="en-US" smtClean="0"/>
+              <a:t>2017-02-28</a:t>
             </a:fld>
             <a:endParaRPr lang="en-US"/>
           </a:p>
@@ -2090,9 +2622,9 @@
           <a:bodyPr/>
           <a:lstStyle/>
           <a:p>
-            <a:fld id="{A5BBC202-6DBD-4FA0-9531-9C3F5E427D1A}" type="datetimeFigureOut">
-              <a:rPr lang="en-US" smtClean="0"/>
-              <a:t>2017-02-24</a:t>
+            <a:fld id="{AF0FBBBB-E740-40DF-A365-D9B13EA44EB5}" type="datetime1">
+              <a:rPr lang="en-US" smtClean="0"/>
+              <a:t>2017-02-28</a:t>
             </a:fld>
             <a:endParaRPr lang="en-US"/>
           </a:p>
@@ -2347,9 +2879,9 @@
           <a:bodyPr/>
           <a:lstStyle/>
           <a:p>
-            <a:fld id="{A5BBC202-6DBD-4FA0-9531-9C3F5E427D1A}" type="datetimeFigureOut">
-              <a:rPr lang="en-US" smtClean="0"/>
-              <a:t>2017-02-24</a:t>
+            <a:fld id="{72BE145B-3D39-424D-9562-97A98B9610A2}" type="datetime1">
+              <a:rPr lang="en-US" smtClean="0"/>
+              <a:t>2017-02-28</a:t>
             </a:fld>
             <a:endParaRPr lang="en-US"/>
           </a:p>
@@ -2560,9 +3092,9 @@
             </a:lvl1pPr>
           </a:lstStyle>
           <a:p>
-            <a:fld id="{A5BBC202-6DBD-4FA0-9531-9C3F5E427D1A}" type="datetimeFigureOut">
-              <a:rPr lang="en-US" smtClean="0"/>
-              <a:t>2017-02-24</a:t>
+            <a:fld id="{623F5BA7-E58A-4B83-91F8-3B23CADD8CED}" type="datetime1">
+              <a:rPr lang="en-US" smtClean="0"/>
+              <a:t>2017-02-28</a:t>
             </a:fld>
             <a:endParaRPr lang="en-US"/>
           </a:p>
@@ -2667,6 +3199,7 @@
     <p:sldLayoutId id="2147483670" r:id="rId10"/>
     <p:sldLayoutId id="2147483671" r:id="rId11"/>
   </p:sldLayoutIdLst>
+  <p:hf hdr="0" ftr="0" dt="0"/>
   <p:txStyles>
     <p:titleStyle>
       <a:lvl1pPr algn="l" defTabSz="914400" rtl="0" eaLnBrk="1" latinLnBrk="0" hangingPunct="1">
@@ -3323,6 +3856,4254 @@
 </p:sld>
 </file>
 
+<file path=ppt/slides/slide3.xml><?xml version="1.0" encoding="utf-8"?>
+<p:sld xmlns:a="http://schemas.openxmlformats.org/drawingml/2006/main" xmlns:r="http://schemas.openxmlformats.org/officeDocument/2006/relationships" xmlns:p="http://schemas.openxmlformats.org/presentationml/2006/main">
+  <p:cSld>
+    <p:spTree>
+      <p:nvGrpSpPr>
+        <p:cNvPr id="1" name=""/>
+        <p:cNvGrpSpPr/>
+        <p:nvPr/>
+      </p:nvGrpSpPr>
+      <p:grpSpPr>
+        <a:xfrm>
+          <a:off x="0" y="0"/>
+          <a:ext cx="0" cy="0"/>
+          <a:chOff x="0" y="0"/>
+          <a:chExt cx="0" cy="0"/>
+        </a:xfrm>
+      </p:grpSpPr>
+      <p:sp>
+        <p:nvSpPr>
+          <p:cNvPr id="2" name="Title 1"/>
+          <p:cNvSpPr>
+            <a:spLocks noGrp="1"/>
+          </p:cNvSpPr>
+          <p:nvPr>
+            <p:ph type="title"/>
+          </p:nvPr>
+        </p:nvSpPr>
+        <p:spPr/>
+        <p:txBody>
+          <a:bodyPr/>
+          <a:lstStyle/>
+          <a:p>
+            <a:r>
+              <a:rPr lang="en-US" dirty="0" smtClean="0"/>
+              <a:t>Original class</a:t>
+            </a:r>
+            <a:endParaRPr lang="en-US" dirty="0"/>
+          </a:p>
+        </p:txBody>
+      </p:sp>
+      <p:grpSp>
+        <p:nvGrpSpPr>
+          <p:cNvPr id="4" name="Group 3"/>
+          <p:cNvGrpSpPr/>
+          <p:nvPr/>
+        </p:nvGrpSpPr>
+        <p:grpSpPr>
+          <a:xfrm>
+            <a:off x="628650" y="1690689"/>
+            <a:ext cx="6961853" cy="3046988"/>
+            <a:chOff x="628650" y="1690689"/>
+            <a:chExt cx="6961853" cy="3046988"/>
+          </a:xfrm>
+        </p:grpSpPr>
+        <p:sp>
+          <p:nvSpPr>
+            <p:cNvPr id="5" name="TextBox 4"/>
+            <p:cNvSpPr txBox="1"/>
+            <p:nvPr/>
+          </p:nvSpPr>
+          <p:spPr>
+            <a:xfrm>
+              <a:off x="628650" y="1690689"/>
+              <a:ext cx="6961853" cy="3046988"/>
+            </a:xfrm>
+            <a:prstGeom prst="rect">
+              <a:avLst/>
+            </a:prstGeom>
+            <a:solidFill>
+              <a:schemeClr val="bg1">
+                <a:lumMod val="75000"/>
+              </a:schemeClr>
+            </a:solidFill>
+          </p:spPr>
+          <p:txBody>
+            <a:bodyPr wrap="square" rtlCol="0">
+              <a:spAutoFit/>
+            </a:bodyPr>
+            <a:lstStyle/>
+            <a:p>
+              <a:r>
+                <a:rPr lang="nn-NO" sz="1600" dirty="0" smtClean="0">
+                  <a:latin typeface="Courier New" pitchFamily="49" charset="0"/>
+                  <a:cs typeface="Courier New" pitchFamily="49" charset="0"/>
+                </a:rPr>
+                <a:t>class </a:t>
+              </a:r>
+              <a:r>
+                <a:rPr lang="nn-NO" sz="1600" dirty="0" smtClean="0">
+                  <a:latin typeface="Courier New" pitchFamily="49" charset="0"/>
+                  <a:cs typeface="Courier New" pitchFamily="49" charset="0"/>
+                </a:rPr>
+                <a:t>StaticParticle </a:t>
+              </a:r>
+              <a:r>
+                <a:rPr lang="nn-NO" sz="1600" dirty="0">
+                  <a:latin typeface="Courier New" pitchFamily="49" charset="0"/>
+                  <a:cs typeface="Courier New" pitchFamily="49" charset="0"/>
+                </a:rPr>
+                <a:t>{</a:t>
+              </a:r>
+            </a:p>
+            <a:p>
+              <a:r>
+                <a:rPr lang="nn-NO" sz="1600" dirty="0">
+                  <a:latin typeface="Courier New" pitchFamily="49" charset="0"/>
+                  <a:cs typeface="Courier New" pitchFamily="49" charset="0"/>
+                </a:rPr>
+                <a:t>    private:</a:t>
+              </a:r>
+            </a:p>
+            <a:p>
+              <a:r>
+                <a:rPr lang="nn-NO" sz="1600" dirty="0">
+                  <a:latin typeface="Courier New" pitchFamily="49" charset="0"/>
+                  <a:cs typeface="Courier New" pitchFamily="49" charset="0"/>
+                </a:rPr>
+                <a:t>        double _x, _</a:t>
+              </a:r>
+              <a:r>
+                <a:rPr lang="nn-NO" sz="1600" dirty="0" smtClean="0">
+                  <a:latin typeface="Courier New" pitchFamily="49" charset="0"/>
+                  <a:cs typeface="Courier New" pitchFamily="49" charset="0"/>
+                </a:rPr>
+                <a:t>y, </a:t>
+              </a:r>
+              <a:r>
+                <a:rPr lang="nn-NO" sz="1600" dirty="0">
+                  <a:latin typeface="Courier New" pitchFamily="49" charset="0"/>
+                  <a:cs typeface="Courier New" pitchFamily="49" charset="0"/>
+                </a:rPr>
+                <a:t>_mass;</a:t>
+              </a:r>
+            </a:p>
+            <a:p>
+              <a:r>
+                <a:rPr lang="nn-NO" sz="1600" dirty="0">
+                  <a:latin typeface="Courier New" pitchFamily="49" charset="0"/>
+                  <a:cs typeface="Courier New" pitchFamily="49" charset="0"/>
+                </a:rPr>
+                <a:t>    public:</a:t>
+              </a:r>
+            </a:p>
+            <a:p>
+              <a:r>
+                <a:rPr lang="nn-NO" sz="1600" dirty="0">
+                  <a:latin typeface="Courier New" pitchFamily="49" charset="0"/>
+                  <a:cs typeface="Courier New" pitchFamily="49" charset="0"/>
+                </a:rPr>
+                <a:t>        </a:t>
+              </a:r>
+              <a:r>
+                <a:rPr lang="nn-NO" sz="1600" dirty="0" smtClean="0">
+                  <a:latin typeface="Courier New" pitchFamily="49" charset="0"/>
+                  <a:cs typeface="Courier New" pitchFamily="49" charset="0"/>
+                </a:rPr>
+                <a:t>StaticParticle(double </a:t>
+              </a:r>
+              <a:r>
+                <a:rPr lang="nn-NO" sz="1600" dirty="0" smtClean="0">
+                  <a:latin typeface="Courier New" pitchFamily="49" charset="0"/>
+                  <a:cs typeface="Courier New" pitchFamily="49" charset="0"/>
+                </a:rPr>
+                <a:t>x, double y</a:t>
+              </a:r>
+              <a:r>
+                <a:rPr lang="nn-NO" sz="1600" dirty="0" smtClean="0">
+                  <a:latin typeface="Courier New" pitchFamily="49" charset="0"/>
+                  <a:cs typeface="Courier New" pitchFamily="49" charset="0"/>
+                </a:rPr>
+                <a:t>,</a:t>
+              </a:r>
+            </a:p>
+            <a:p>
+              <a:r>
+                <a:rPr lang="nn-NO" sz="1600" dirty="0">
+                  <a:latin typeface="Courier New" pitchFamily="49" charset="0"/>
+                  <a:cs typeface="Courier New" pitchFamily="49" charset="0"/>
+                </a:rPr>
+                <a:t> </a:t>
+              </a:r>
+              <a:r>
+                <a:rPr lang="nn-NO" sz="1600" dirty="0" smtClean="0">
+                  <a:latin typeface="Courier New" pitchFamily="49" charset="0"/>
+                  <a:cs typeface="Courier New" pitchFamily="49" charset="0"/>
+                </a:rPr>
+                <a:t>                     </a:t>
+              </a:r>
+              <a:r>
+                <a:rPr lang="nn-NO" sz="1600" dirty="0" smtClean="0">
+                  <a:latin typeface="Courier New" pitchFamily="49" charset="0"/>
+                  <a:cs typeface="Courier New" pitchFamily="49" charset="0"/>
+                </a:rPr>
+                <a:t> </a:t>
+              </a:r>
+              <a:r>
+                <a:rPr lang="nn-NO" sz="1600" dirty="0" smtClean="0">
+                  <a:latin typeface="Courier New" pitchFamily="49" charset="0"/>
+                  <a:cs typeface="Courier New" pitchFamily="49" charset="0"/>
+                </a:rPr>
+                <a:t>double mass) </a:t>
+              </a:r>
+              <a:r>
+                <a:rPr lang="nn-NO" sz="1600" dirty="0">
+                  <a:latin typeface="Courier New" pitchFamily="49" charset="0"/>
+                  <a:cs typeface="Courier New" pitchFamily="49" charset="0"/>
+                </a:rPr>
+                <a:t>:</a:t>
+              </a:r>
+            </a:p>
+            <a:p>
+              <a:r>
+                <a:rPr lang="nn-NO" sz="1600" dirty="0">
+                  <a:latin typeface="Courier New" pitchFamily="49" charset="0"/>
+                  <a:cs typeface="Courier New" pitchFamily="49" charset="0"/>
+                </a:rPr>
+                <a:t>            _x </a:t>
+              </a:r>
+              <a:r>
+                <a:rPr lang="nn-NO" sz="1600" dirty="0" smtClean="0">
+                  <a:latin typeface="Courier New" pitchFamily="49" charset="0"/>
+                  <a:cs typeface="Courier New" pitchFamily="49" charset="0"/>
+                </a:rPr>
+                <a:t>{x}, _y {y}, </a:t>
+              </a:r>
+              <a:r>
+                <a:rPr lang="nn-NO" sz="1600" dirty="0" smtClean="0">
+                  <a:latin typeface="Courier New" pitchFamily="49" charset="0"/>
+                  <a:cs typeface="Courier New" pitchFamily="49" charset="0"/>
+                </a:rPr>
+                <a:t>_</a:t>
+              </a:r>
+              <a:r>
+                <a:rPr lang="nn-NO" sz="1600" dirty="0">
+                  <a:latin typeface="Courier New" pitchFamily="49" charset="0"/>
+                  <a:cs typeface="Courier New" pitchFamily="49" charset="0"/>
+                </a:rPr>
+                <a:t>mass {</a:t>
+              </a:r>
+              <a:r>
+                <a:rPr lang="nn-NO" sz="1600" dirty="0" smtClean="0">
+                  <a:latin typeface="Courier New" pitchFamily="49" charset="0"/>
+                  <a:cs typeface="Courier New" pitchFamily="49" charset="0"/>
+                </a:rPr>
+                <a:t>mass} </a:t>
+              </a:r>
+              <a:r>
+                <a:rPr lang="nn-NO" sz="1600" dirty="0">
+                  <a:latin typeface="Courier New" pitchFamily="49" charset="0"/>
+                  <a:cs typeface="Courier New" pitchFamily="49" charset="0"/>
+                </a:rPr>
+                <a:t>{};</a:t>
+              </a:r>
+            </a:p>
+            <a:p>
+              <a:r>
+                <a:rPr lang="nn-NO" sz="1600" dirty="0">
+                  <a:latin typeface="Courier New" pitchFamily="49" charset="0"/>
+                  <a:cs typeface="Courier New" pitchFamily="49" charset="0"/>
+                </a:rPr>
+                <a:t>        double x() const { return _x; </a:t>
+              </a:r>
+              <a:r>
+                <a:rPr lang="nn-NO" sz="1600" dirty="0" smtClean="0">
+                  <a:latin typeface="Courier New" pitchFamily="49" charset="0"/>
+                  <a:cs typeface="Courier New" pitchFamily="49" charset="0"/>
+                </a:rPr>
+                <a:t>};</a:t>
+              </a:r>
+            </a:p>
+            <a:p>
+              <a:r>
+                <a:rPr lang="nn-NO" sz="1600" dirty="0" smtClean="0">
+                  <a:latin typeface="Courier New" pitchFamily="49" charset="0"/>
+                  <a:cs typeface="Courier New" pitchFamily="49" charset="0"/>
+                </a:rPr>
+                <a:t>        </a:t>
+              </a:r>
+              <a:r>
+                <a:rPr lang="nn-NO" sz="1600" dirty="0">
+                  <a:latin typeface="Courier New" pitchFamily="49" charset="0"/>
+                  <a:cs typeface="Courier New" pitchFamily="49" charset="0"/>
+                </a:rPr>
+                <a:t>double </a:t>
+              </a:r>
+              <a:r>
+                <a:rPr lang="nn-NO" sz="1600" dirty="0" smtClean="0">
+                  <a:latin typeface="Courier New" pitchFamily="49" charset="0"/>
+                  <a:cs typeface="Courier New" pitchFamily="49" charset="0"/>
+                </a:rPr>
+                <a:t>y() </a:t>
+              </a:r>
+              <a:r>
+                <a:rPr lang="nn-NO" sz="1600" dirty="0">
+                  <a:latin typeface="Courier New" pitchFamily="49" charset="0"/>
+                  <a:cs typeface="Courier New" pitchFamily="49" charset="0"/>
+                </a:rPr>
+                <a:t>const { return </a:t>
+              </a:r>
+              <a:r>
+                <a:rPr lang="nn-NO" sz="1600" dirty="0" smtClean="0">
+                  <a:latin typeface="Courier New" pitchFamily="49" charset="0"/>
+                  <a:cs typeface="Courier New" pitchFamily="49" charset="0"/>
+                </a:rPr>
+                <a:t>_y; </a:t>
+              </a:r>
+              <a:r>
+                <a:rPr lang="nn-NO" sz="1600" dirty="0">
+                  <a:latin typeface="Courier New" pitchFamily="49" charset="0"/>
+                  <a:cs typeface="Courier New" pitchFamily="49" charset="0"/>
+                </a:rPr>
+                <a:t>};</a:t>
+              </a:r>
+            </a:p>
+            <a:p>
+              <a:r>
+                <a:rPr lang="nn-NO" sz="1600" dirty="0" smtClean="0">
+                  <a:latin typeface="Courier New" pitchFamily="49" charset="0"/>
+                  <a:cs typeface="Courier New" pitchFamily="49" charset="0"/>
+                </a:rPr>
+                <a:t>        double </a:t>
+              </a:r>
+              <a:r>
+                <a:rPr lang="nn-NO" sz="1600" dirty="0">
+                  <a:latin typeface="Courier New" pitchFamily="49" charset="0"/>
+                  <a:cs typeface="Courier New" pitchFamily="49" charset="0"/>
+                </a:rPr>
+                <a:t>mass() const {return _mass; }</a:t>
+              </a:r>
+            </a:p>
+            <a:p>
+              <a:r>
+                <a:rPr lang="nn-NO" sz="1600" dirty="0" smtClean="0">
+                  <a:latin typeface="Courier New" pitchFamily="49" charset="0"/>
+                  <a:cs typeface="Courier New" pitchFamily="49" charset="0"/>
+                </a:rPr>
+                <a:t>        double </a:t>
+              </a:r>
+              <a:r>
+                <a:rPr lang="nn-NO" sz="1600" dirty="0">
+                  <a:latin typeface="Courier New" pitchFamily="49" charset="0"/>
+                  <a:cs typeface="Courier New" pitchFamily="49" charset="0"/>
+                </a:rPr>
+                <a:t>dist(const </a:t>
+              </a:r>
+              <a:r>
+                <a:rPr lang="nn-NO" sz="1600" dirty="0" smtClean="0">
+                  <a:latin typeface="Courier New" pitchFamily="49" charset="0"/>
+                  <a:cs typeface="Courier New" pitchFamily="49" charset="0"/>
+                </a:rPr>
+                <a:t>StaticParticle</a:t>
+              </a:r>
+              <a:r>
+                <a:rPr lang="nn-NO" sz="1600" dirty="0">
+                  <a:latin typeface="Courier New" pitchFamily="49" charset="0"/>
+                  <a:cs typeface="Courier New" pitchFamily="49" charset="0"/>
+                </a:rPr>
+                <a:t>&amp; other) const;</a:t>
+              </a:r>
+            </a:p>
+            <a:p>
+              <a:r>
+                <a:rPr lang="nn-NO" sz="1600" dirty="0" smtClean="0">
+                  <a:latin typeface="Courier New" pitchFamily="49" charset="0"/>
+                  <a:cs typeface="Courier New" pitchFamily="49" charset="0"/>
+                </a:rPr>
+                <a:t>};</a:t>
+              </a:r>
+              <a:endParaRPr lang="nn-NO" sz="1600" dirty="0">
+                <a:latin typeface="Courier New" pitchFamily="49" charset="0"/>
+                <a:cs typeface="Courier New" pitchFamily="49" charset="0"/>
+              </a:endParaRPr>
+            </a:p>
+          </p:txBody>
+        </p:sp>
+        <p:sp>
+          <p:nvSpPr>
+            <p:cNvPr id="6" name="TextBox 5"/>
+            <p:cNvSpPr txBox="1"/>
+            <p:nvPr/>
+          </p:nvSpPr>
+          <p:spPr>
+            <a:xfrm>
+              <a:off x="5825276" y="1701758"/>
+              <a:ext cx="1765227" cy="276999"/>
+            </a:xfrm>
+            <a:prstGeom prst="rect">
+              <a:avLst/>
+            </a:prstGeom>
+            <a:solidFill>
+              <a:schemeClr val="bg1"/>
+            </a:solidFill>
+            <a:ln>
+              <a:solidFill>
+                <a:schemeClr val="tx1"/>
+              </a:solidFill>
+            </a:ln>
+          </p:spPr>
+          <p:txBody>
+            <a:bodyPr wrap="none" rtlCol="0">
+              <a:spAutoFit/>
+            </a:bodyPr>
+            <a:lstStyle/>
+            <a:p>
+              <a:r>
+                <a:rPr lang="en-US" sz="1200" dirty="0" err="1" smtClean="0">
+                  <a:latin typeface="Courier New" panose="02070309020205020404" pitchFamily="49" charset="0"/>
+                  <a:cs typeface="Courier New" panose="02070309020205020404" pitchFamily="49" charset="0"/>
+                </a:rPr>
+                <a:t>static_particle.h</a:t>
+              </a:r>
+              <a:endParaRPr lang="en-US" sz="1200" dirty="0">
+                <a:latin typeface="Courier New" panose="02070309020205020404" pitchFamily="49" charset="0"/>
+                <a:cs typeface="Courier New" panose="02070309020205020404" pitchFamily="49" charset="0"/>
+              </a:endParaRPr>
+            </a:p>
+          </p:txBody>
+        </p:sp>
+      </p:grpSp>
+      <p:sp>
+        <p:nvSpPr>
+          <p:cNvPr id="7" name="Slide Number Placeholder 6"/>
+          <p:cNvSpPr>
+            <a:spLocks noGrp="1"/>
+          </p:cNvSpPr>
+          <p:nvPr>
+            <p:ph type="sldNum" sz="quarter" idx="12"/>
+          </p:nvPr>
+        </p:nvSpPr>
+        <p:spPr/>
+        <p:txBody>
+          <a:bodyPr/>
+          <a:lstStyle/>
+          <a:p>
+            <a:fld id="{9CEF4966-5219-4577-B301-14467D565841}" type="slidenum">
+              <a:rPr lang="en-US" smtClean="0"/>
+              <a:t>3</a:t>
+            </a:fld>
+            <a:endParaRPr lang="en-US"/>
+          </a:p>
+        </p:txBody>
+      </p:sp>
+    </p:spTree>
+    <p:extLst>
+      <p:ext uri="{BB962C8B-B14F-4D97-AF65-F5344CB8AC3E}">
+        <p14:creationId xmlns:p14="http://schemas.microsoft.com/office/powerpoint/2010/main" val="2934192452"/>
+      </p:ext>
+    </p:extLst>
+  </p:cSld>
+  <p:clrMapOvr>
+    <a:masterClrMapping/>
+  </p:clrMapOvr>
+  <p:timing>
+    <p:tnLst>
+      <p:par>
+        <p:cTn id="1" dur="indefinite" restart="never" nodeType="tmRoot"/>
+      </p:par>
+    </p:tnLst>
+  </p:timing>
+</p:sld>
+</file>
+
+<file path=ppt/slides/slide4.xml><?xml version="1.0" encoding="utf-8"?>
+<p:sld xmlns:a="http://schemas.openxmlformats.org/drawingml/2006/main" xmlns:r="http://schemas.openxmlformats.org/officeDocument/2006/relationships" xmlns:p="http://schemas.openxmlformats.org/presentationml/2006/main">
+  <p:cSld>
+    <p:spTree>
+      <p:nvGrpSpPr>
+        <p:cNvPr id="1" name=""/>
+        <p:cNvGrpSpPr/>
+        <p:nvPr/>
+      </p:nvGrpSpPr>
+      <p:grpSpPr>
+        <a:xfrm>
+          <a:off x="0" y="0"/>
+          <a:ext cx="0" cy="0"/>
+          <a:chOff x="0" y="0"/>
+          <a:chExt cx="0" cy="0"/>
+        </a:xfrm>
+      </p:grpSpPr>
+      <p:sp>
+        <p:nvSpPr>
+          <p:cNvPr id="2" name="Title 1"/>
+          <p:cNvSpPr>
+            <a:spLocks noGrp="1"/>
+          </p:cNvSpPr>
+          <p:nvPr>
+            <p:ph type="title"/>
+          </p:nvPr>
+        </p:nvSpPr>
+        <p:spPr/>
+        <p:txBody>
+          <a:bodyPr/>
+          <a:lstStyle/>
+          <a:p>
+            <a:r>
+              <a:rPr lang="en-US" dirty="0" smtClean="0"/>
+              <a:t>Extending functionality</a:t>
+            </a:r>
+            <a:endParaRPr lang="en-US" dirty="0"/>
+          </a:p>
+        </p:txBody>
+      </p:sp>
+      <p:sp>
+        <p:nvSpPr>
+          <p:cNvPr id="3" name="Content Placeholder 2"/>
+          <p:cNvSpPr>
+            <a:spLocks noGrp="1"/>
+          </p:cNvSpPr>
+          <p:nvPr>
+            <p:ph idx="1"/>
+          </p:nvPr>
+        </p:nvSpPr>
+        <p:spPr/>
+        <p:txBody>
+          <a:bodyPr/>
+          <a:lstStyle/>
+          <a:p>
+            <a:r>
+              <a:rPr lang="en-US" dirty="0" smtClean="0"/>
+              <a:t>Particles with velocity</a:t>
+            </a:r>
+            <a:endParaRPr lang="en-US" dirty="0"/>
+          </a:p>
+        </p:txBody>
+      </p:sp>
+      <p:grpSp>
+        <p:nvGrpSpPr>
+          <p:cNvPr id="4" name="Group 3"/>
+          <p:cNvGrpSpPr/>
+          <p:nvPr/>
+        </p:nvGrpSpPr>
+        <p:grpSpPr>
+          <a:xfrm>
+            <a:off x="628650" y="2418281"/>
+            <a:ext cx="6961853" cy="4278094"/>
+            <a:chOff x="628650" y="1690689"/>
+            <a:chExt cx="6961853" cy="4278094"/>
+          </a:xfrm>
+        </p:grpSpPr>
+        <p:sp>
+          <p:nvSpPr>
+            <p:cNvPr id="5" name="TextBox 4"/>
+            <p:cNvSpPr txBox="1"/>
+            <p:nvPr/>
+          </p:nvSpPr>
+          <p:spPr>
+            <a:xfrm>
+              <a:off x="628650" y="1690689"/>
+              <a:ext cx="6961853" cy="4278094"/>
+            </a:xfrm>
+            <a:prstGeom prst="rect">
+              <a:avLst/>
+            </a:prstGeom>
+            <a:solidFill>
+              <a:schemeClr val="bg1">
+                <a:lumMod val="75000"/>
+              </a:schemeClr>
+            </a:solidFill>
+          </p:spPr>
+          <p:txBody>
+            <a:bodyPr wrap="square" rtlCol="0">
+              <a:spAutoFit/>
+            </a:bodyPr>
+            <a:lstStyle/>
+            <a:p>
+              <a:r>
+                <a:rPr lang="nn-NO" sz="1600" dirty="0" smtClean="0">
+                  <a:latin typeface="Courier New" pitchFamily="49" charset="0"/>
+                  <a:cs typeface="Courier New" pitchFamily="49" charset="0"/>
+                </a:rPr>
+                <a:t>class </a:t>
+              </a:r>
+              <a:r>
+                <a:rPr lang="nn-NO" sz="1600" b="1" dirty="0" smtClean="0">
+                  <a:solidFill>
+                    <a:srgbClr val="C00000"/>
+                  </a:solidFill>
+                  <a:latin typeface="Courier New" pitchFamily="49" charset="0"/>
+                  <a:cs typeface="Courier New" pitchFamily="49" charset="0"/>
+                </a:rPr>
+                <a:t>Particle</a:t>
+              </a:r>
+              <a:r>
+                <a:rPr lang="nn-NO" sz="1600" dirty="0" smtClean="0">
+                  <a:latin typeface="Courier New" pitchFamily="49" charset="0"/>
+                  <a:cs typeface="Courier New" pitchFamily="49" charset="0"/>
+                </a:rPr>
+                <a:t> </a:t>
+              </a:r>
+              <a:r>
+                <a:rPr lang="nn-NO" sz="1600" dirty="0">
+                  <a:latin typeface="Courier New" pitchFamily="49" charset="0"/>
+                  <a:cs typeface="Courier New" pitchFamily="49" charset="0"/>
+                </a:rPr>
+                <a:t>{</a:t>
+              </a:r>
+            </a:p>
+            <a:p>
+              <a:r>
+                <a:rPr lang="nn-NO" sz="1600" dirty="0">
+                  <a:latin typeface="Courier New" pitchFamily="49" charset="0"/>
+                  <a:cs typeface="Courier New" pitchFamily="49" charset="0"/>
+                </a:rPr>
+                <a:t>    private:</a:t>
+              </a:r>
+            </a:p>
+            <a:p>
+              <a:r>
+                <a:rPr lang="nn-NO" sz="1600" dirty="0">
+                  <a:latin typeface="Courier New" pitchFamily="49" charset="0"/>
+                  <a:cs typeface="Courier New" pitchFamily="49" charset="0"/>
+                </a:rPr>
+                <a:t>        double _x, _</a:t>
+              </a:r>
+              <a:r>
+                <a:rPr lang="nn-NO" sz="1600" dirty="0" smtClean="0">
+                  <a:latin typeface="Courier New" pitchFamily="49" charset="0"/>
+                  <a:cs typeface="Courier New" pitchFamily="49" charset="0"/>
+                </a:rPr>
+                <a:t>y</a:t>
+              </a:r>
+              <a:r>
+                <a:rPr lang="nn-NO" sz="1600" b="1" dirty="0" smtClean="0">
+                  <a:solidFill>
+                    <a:srgbClr val="C00000"/>
+                  </a:solidFill>
+                  <a:latin typeface="Courier New" pitchFamily="49" charset="0"/>
+                  <a:cs typeface="Courier New" pitchFamily="49" charset="0"/>
+                </a:rPr>
+                <a:t>, _v_x, _v_y</a:t>
+              </a:r>
+              <a:r>
+                <a:rPr lang="nn-NO" sz="1600" dirty="0" smtClean="0">
+                  <a:latin typeface="Courier New" pitchFamily="49" charset="0"/>
+                  <a:cs typeface="Courier New" pitchFamily="49" charset="0"/>
+                </a:rPr>
+                <a:t>, _</a:t>
+              </a:r>
+              <a:r>
+                <a:rPr lang="nn-NO" sz="1600" dirty="0">
+                  <a:latin typeface="Courier New" pitchFamily="49" charset="0"/>
+                  <a:cs typeface="Courier New" pitchFamily="49" charset="0"/>
+                </a:rPr>
+                <a:t>mass;</a:t>
+              </a:r>
+            </a:p>
+            <a:p>
+              <a:r>
+                <a:rPr lang="nn-NO" sz="1600" dirty="0">
+                  <a:latin typeface="Courier New" pitchFamily="49" charset="0"/>
+                  <a:cs typeface="Courier New" pitchFamily="49" charset="0"/>
+                </a:rPr>
+                <a:t>    public:</a:t>
+              </a:r>
+            </a:p>
+            <a:p>
+              <a:r>
+                <a:rPr lang="nn-NO" sz="1600" dirty="0">
+                  <a:latin typeface="Courier New" pitchFamily="49" charset="0"/>
+                  <a:cs typeface="Courier New" pitchFamily="49" charset="0"/>
+                </a:rPr>
+                <a:t>        </a:t>
+              </a:r>
+              <a:r>
+                <a:rPr lang="nn-NO" sz="1600" b="1" dirty="0" smtClean="0">
+                  <a:solidFill>
+                    <a:srgbClr val="C00000"/>
+                  </a:solidFill>
+                  <a:latin typeface="Courier New" pitchFamily="49" charset="0"/>
+                  <a:cs typeface="Courier New" pitchFamily="49" charset="0"/>
+                </a:rPr>
+                <a:t>Particle</a:t>
+              </a:r>
+              <a:r>
+                <a:rPr lang="nn-NO" sz="1600" dirty="0" smtClean="0">
+                  <a:latin typeface="Courier New" pitchFamily="49" charset="0"/>
+                  <a:cs typeface="Courier New" pitchFamily="49" charset="0"/>
+                </a:rPr>
+                <a:t>(double </a:t>
+              </a:r>
+              <a:r>
+                <a:rPr lang="nn-NO" sz="1600" dirty="0" smtClean="0">
+                  <a:latin typeface="Courier New" pitchFamily="49" charset="0"/>
+                  <a:cs typeface="Courier New" pitchFamily="49" charset="0"/>
+                </a:rPr>
+                <a:t>x, double y</a:t>
+              </a:r>
+              <a:r>
+                <a:rPr lang="nn-NO" sz="1600" dirty="0" smtClean="0">
+                  <a:latin typeface="Courier New" pitchFamily="49" charset="0"/>
+                  <a:cs typeface="Courier New" pitchFamily="49" charset="0"/>
+                </a:rPr>
+                <a:t>,</a:t>
+              </a:r>
+            </a:p>
+            <a:p>
+              <a:r>
+                <a:rPr lang="nn-NO" sz="1600" dirty="0">
+                  <a:latin typeface="Courier New" pitchFamily="49" charset="0"/>
+                  <a:cs typeface="Courier New" pitchFamily="49" charset="0"/>
+                </a:rPr>
+                <a:t> </a:t>
+              </a:r>
+              <a:r>
+                <a:rPr lang="nn-NO" sz="1600" dirty="0" smtClean="0">
+                  <a:latin typeface="Courier New" pitchFamily="49" charset="0"/>
+                  <a:cs typeface="Courier New" pitchFamily="49" charset="0"/>
+                </a:rPr>
+                <a:t>                </a:t>
+              </a:r>
+              <a:r>
+                <a:rPr lang="nn-NO" sz="1600" b="1" dirty="0" smtClean="0">
+                  <a:solidFill>
+                    <a:srgbClr val="C00000"/>
+                  </a:solidFill>
+                  <a:latin typeface="Courier New" pitchFamily="49" charset="0"/>
+                  <a:cs typeface="Courier New" pitchFamily="49" charset="0"/>
+                </a:rPr>
+                <a:t>double v_x, double v_y,</a:t>
+              </a:r>
+              <a:r>
+                <a:rPr lang="nn-NO" sz="1600" dirty="0" smtClean="0">
+                  <a:latin typeface="Courier New" pitchFamily="49" charset="0"/>
+                  <a:cs typeface="Courier New" pitchFamily="49" charset="0"/>
+                </a:rPr>
+                <a:t/>
+              </a:r>
+              <a:br>
+                <a:rPr lang="nn-NO" sz="1600" dirty="0" smtClean="0">
+                  <a:latin typeface="Courier New" pitchFamily="49" charset="0"/>
+                  <a:cs typeface="Courier New" pitchFamily="49" charset="0"/>
+                </a:rPr>
+              </a:br>
+              <a:r>
+                <a:rPr lang="nn-NO" sz="1600" dirty="0" smtClean="0">
+                  <a:latin typeface="Courier New" pitchFamily="49" charset="0"/>
+                  <a:cs typeface="Courier New" pitchFamily="49" charset="0"/>
+                </a:rPr>
+                <a:t>      </a:t>
+              </a:r>
+              <a:r>
+                <a:rPr lang="nn-NO" sz="1600" dirty="0" smtClean="0">
+                  <a:latin typeface="Courier New" pitchFamily="49" charset="0"/>
+                  <a:cs typeface="Courier New" pitchFamily="49" charset="0"/>
+                </a:rPr>
+                <a:t>           double </a:t>
+              </a:r>
+              <a:r>
+                <a:rPr lang="nn-NO" sz="1600" dirty="0" smtClean="0">
+                  <a:latin typeface="Courier New" pitchFamily="49" charset="0"/>
+                  <a:cs typeface="Courier New" pitchFamily="49" charset="0"/>
+                </a:rPr>
+                <a:t>mass) </a:t>
+              </a:r>
+              <a:r>
+                <a:rPr lang="nn-NO" sz="1600" dirty="0">
+                  <a:latin typeface="Courier New" pitchFamily="49" charset="0"/>
+                  <a:cs typeface="Courier New" pitchFamily="49" charset="0"/>
+                </a:rPr>
+                <a:t>:</a:t>
+              </a:r>
+            </a:p>
+            <a:p>
+              <a:r>
+                <a:rPr lang="nn-NO" sz="1600" dirty="0">
+                  <a:latin typeface="Courier New" pitchFamily="49" charset="0"/>
+                  <a:cs typeface="Courier New" pitchFamily="49" charset="0"/>
+                </a:rPr>
+                <a:t>            _x </a:t>
+              </a:r>
+              <a:r>
+                <a:rPr lang="nn-NO" sz="1600" dirty="0" smtClean="0">
+                  <a:latin typeface="Courier New" pitchFamily="49" charset="0"/>
+                  <a:cs typeface="Courier New" pitchFamily="49" charset="0"/>
+                </a:rPr>
+                <a:t>{x}, _y {y}, </a:t>
+              </a:r>
+              <a:r>
+                <a:rPr lang="nn-NO" sz="1600" b="1" dirty="0" smtClean="0">
+                  <a:solidFill>
+                    <a:srgbClr val="C00000"/>
+                  </a:solidFill>
+                  <a:latin typeface="Courier New" pitchFamily="49" charset="0"/>
+                  <a:cs typeface="Courier New" pitchFamily="49" charset="0"/>
+                </a:rPr>
+                <a:t>_v_x {v_x}, _v_y {v_y},</a:t>
+              </a:r>
+            </a:p>
+            <a:p>
+              <a:r>
+                <a:rPr lang="nn-NO" sz="1600" dirty="0">
+                  <a:latin typeface="Courier New" pitchFamily="49" charset="0"/>
+                  <a:cs typeface="Courier New" pitchFamily="49" charset="0"/>
+                </a:rPr>
+                <a:t> </a:t>
+              </a:r>
+              <a:r>
+                <a:rPr lang="nn-NO" sz="1600" dirty="0" smtClean="0">
+                  <a:latin typeface="Courier New" pitchFamily="49" charset="0"/>
+                  <a:cs typeface="Courier New" pitchFamily="49" charset="0"/>
+                </a:rPr>
+                <a:t>           </a:t>
+              </a:r>
+              <a:r>
+                <a:rPr lang="nn-NO" sz="1600" dirty="0" smtClean="0">
+                  <a:latin typeface="Courier New" pitchFamily="49" charset="0"/>
+                  <a:cs typeface="Courier New" pitchFamily="49" charset="0"/>
+                </a:rPr>
+                <a:t>_mass </a:t>
+              </a:r>
+              <a:r>
+                <a:rPr lang="nn-NO" sz="1600" dirty="0">
+                  <a:latin typeface="Courier New" pitchFamily="49" charset="0"/>
+                  <a:cs typeface="Courier New" pitchFamily="49" charset="0"/>
+                </a:rPr>
+                <a:t>{</a:t>
+              </a:r>
+              <a:r>
+                <a:rPr lang="nn-NO" sz="1600" dirty="0" smtClean="0">
+                  <a:latin typeface="Courier New" pitchFamily="49" charset="0"/>
+                  <a:cs typeface="Courier New" pitchFamily="49" charset="0"/>
+                </a:rPr>
+                <a:t>mass} </a:t>
+              </a:r>
+              <a:r>
+                <a:rPr lang="nn-NO" sz="1600" dirty="0">
+                  <a:latin typeface="Courier New" pitchFamily="49" charset="0"/>
+                  <a:cs typeface="Courier New" pitchFamily="49" charset="0"/>
+                </a:rPr>
+                <a:t>{};</a:t>
+              </a:r>
+            </a:p>
+            <a:p>
+              <a:r>
+                <a:rPr lang="nn-NO" sz="1600" dirty="0">
+                  <a:latin typeface="Courier New" pitchFamily="49" charset="0"/>
+                  <a:cs typeface="Courier New" pitchFamily="49" charset="0"/>
+                </a:rPr>
+                <a:t>        double x() const { return _x; </a:t>
+              </a:r>
+              <a:r>
+                <a:rPr lang="nn-NO" sz="1600" dirty="0" smtClean="0">
+                  <a:latin typeface="Courier New" pitchFamily="49" charset="0"/>
+                  <a:cs typeface="Courier New" pitchFamily="49" charset="0"/>
+                </a:rPr>
+                <a:t>};</a:t>
+              </a:r>
+            </a:p>
+            <a:p>
+              <a:r>
+                <a:rPr lang="nn-NO" sz="1600" dirty="0" smtClean="0">
+                  <a:latin typeface="Courier New" pitchFamily="49" charset="0"/>
+                  <a:cs typeface="Courier New" pitchFamily="49" charset="0"/>
+                </a:rPr>
+                <a:t>        </a:t>
+              </a:r>
+              <a:r>
+                <a:rPr lang="nn-NO" sz="1600" dirty="0">
+                  <a:latin typeface="Courier New" pitchFamily="49" charset="0"/>
+                  <a:cs typeface="Courier New" pitchFamily="49" charset="0"/>
+                </a:rPr>
+                <a:t>double </a:t>
+              </a:r>
+              <a:r>
+                <a:rPr lang="nn-NO" sz="1600" dirty="0" smtClean="0">
+                  <a:latin typeface="Courier New" pitchFamily="49" charset="0"/>
+                  <a:cs typeface="Courier New" pitchFamily="49" charset="0"/>
+                </a:rPr>
+                <a:t>y() </a:t>
+              </a:r>
+              <a:r>
+                <a:rPr lang="nn-NO" sz="1600" dirty="0">
+                  <a:latin typeface="Courier New" pitchFamily="49" charset="0"/>
+                  <a:cs typeface="Courier New" pitchFamily="49" charset="0"/>
+                </a:rPr>
+                <a:t>const { return </a:t>
+              </a:r>
+              <a:r>
+                <a:rPr lang="nn-NO" sz="1600" dirty="0" smtClean="0">
+                  <a:latin typeface="Courier New" pitchFamily="49" charset="0"/>
+                  <a:cs typeface="Courier New" pitchFamily="49" charset="0"/>
+                </a:rPr>
+                <a:t>_y; </a:t>
+              </a:r>
+              <a:r>
+                <a:rPr lang="nn-NO" sz="1600" dirty="0" smtClean="0">
+                  <a:latin typeface="Courier New" pitchFamily="49" charset="0"/>
+                  <a:cs typeface="Courier New" pitchFamily="49" charset="0"/>
+                </a:rPr>
+                <a:t>};</a:t>
+              </a:r>
+            </a:p>
+            <a:p>
+              <a:r>
+                <a:rPr lang="nn-NO" sz="1600" dirty="0">
+                  <a:latin typeface="Courier New" pitchFamily="49" charset="0"/>
+                  <a:cs typeface="Courier New" pitchFamily="49" charset="0"/>
+                </a:rPr>
+                <a:t> </a:t>
+              </a:r>
+              <a:r>
+                <a:rPr lang="nn-NO" sz="1600" dirty="0" smtClean="0">
+                  <a:latin typeface="Courier New" pitchFamily="49" charset="0"/>
+                  <a:cs typeface="Courier New" pitchFamily="49" charset="0"/>
+                </a:rPr>
+                <a:t>       </a:t>
+              </a:r>
+              <a:r>
+                <a:rPr lang="nn-NO" sz="1600" b="1" dirty="0" smtClean="0">
+                  <a:solidFill>
+                    <a:srgbClr val="C00000"/>
+                  </a:solidFill>
+                  <a:latin typeface="Courier New" pitchFamily="49" charset="0"/>
+                  <a:cs typeface="Courier New" pitchFamily="49" charset="0"/>
+                </a:rPr>
+                <a:t>double v_x() const { return _v_x; };</a:t>
+              </a:r>
+            </a:p>
+            <a:p>
+              <a:r>
+                <a:rPr lang="nn-NO" sz="1600" dirty="0">
+                  <a:latin typeface="Courier New" pitchFamily="49" charset="0"/>
+                  <a:cs typeface="Courier New" pitchFamily="49" charset="0"/>
+                </a:rPr>
+                <a:t> </a:t>
+              </a:r>
+              <a:r>
+                <a:rPr lang="nn-NO" sz="1600" dirty="0" smtClean="0">
+                  <a:latin typeface="Courier New" pitchFamily="49" charset="0"/>
+                  <a:cs typeface="Courier New" pitchFamily="49" charset="0"/>
+                </a:rPr>
+                <a:t>       </a:t>
+              </a:r>
+              <a:r>
+                <a:rPr lang="nn-NO" sz="1600" b="1" dirty="0" smtClean="0">
+                  <a:solidFill>
+                    <a:srgbClr val="C00000"/>
+                  </a:solidFill>
+                  <a:latin typeface="Courier New" pitchFamily="49" charset="0"/>
+                  <a:cs typeface="Courier New" pitchFamily="49" charset="0"/>
+                </a:rPr>
+                <a:t>double v_y() const { return _v_y; };</a:t>
+              </a:r>
+              <a:endParaRPr lang="nn-NO" sz="1600" b="1" dirty="0">
+                <a:solidFill>
+                  <a:srgbClr val="C00000"/>
+                </a:solidFill>
+                <a:latin typeface="Courier New" pitchFamily="49" charset="0"/>
+                <a:cs typeface="Courier New" pitchFamily="49" charset="0"/>
+              </a:endParaRPr>
+            </a:p>
+            <a:p>
+              <a:r>
+                <a:rPr lang="nn-NO" sz="1600" dirty="0" smtClean="0">
+                  <a:latin typeface="Courier New" pitchFamily="49" charset="0"/>
+                  <a:cs typeface="Courier New" pitchFamily="49" charset="0"/>
+                </a:rPr>
+                <a:t>        double </a:t>
+              </a:r>
+              <a:r>
+                <a:rPr lang="nn-NO" sz="1600" dirty="0">
+                  <a:latin typeface="Courier New" pitchFamily="49" charset="0"/>
+                  <a:cs typeface="Courier New" pitchFamily="49" charset="0"/>
+                </a:rPr>
+                <a:t>mass() const {return _mass; </a:t>
+              </a:r>
+              <a:r>
+                <a:rPr lang="nn-NO" sz="1600" dirty="0" smtClean="0">
+                  <a:latin typeface="Courier New" pitchFamily="49" charset="0"/>
+                  <a:cs typeface="Courier New" pitchFamily="49" charset="0"/>
+                </a:rPr>
+                <a:t>}</a:t>
+              </a:r>
+            </a:p>
+            <a:p>
+              <a:r>
+                <a:rPr lang="nn-NO" sz="1600" dirty="0">
+                  <a:latin typeface="Courier New" pitchFamily="49" charset="0"/>
+                  <a:cs typeface="Courier New" pitchFamily="49" charset="0"/>
+                </a:rPr>
+                <a:t> </a:t>
+              </a:r>
+              <a:r>
+                <a:rPr lang="nn-NO" sz="1600" dirty="0" smtClean="0">
+                  <a:latin typeface="Courier New" pitchFamily="49" charset="0"/>
+                  <a:cs typeface="Courier New" pitchFamily="49" charset="0"/>
+                </a:rPr>
+                <a:t>       </a:t>
+              </a:r>
+              <a:r>
+                <a:rPr lang="nn-NO" sz="1600" b="1" dirty="0" smtClean="0">
+                  <a:solidFill>
+                    <a:srgbClr val="C00000"/>
+                  </a:solidFill>
+                  <a:latin typeface="Courier New" pitchFamily="49" charset="0"/>
+                  <a:cs typeface="Courier New" pitchFamily="49" charset="0"/>
+                </a:rPr>
+                <a:t>void move(double delta_t);</a:t>
+              </a:r>
+              <a:endParaRPr lang="nn-NO" sz="1600" b="1" dirty="0">
+                <a:solidFill>
+                  <a:srgbClr val="C00000"/>
+                </a:solidFill>
+                <a:latin typeface="Courier New" pitchFamily="49" charset="0"/>
+                <a:cs typeface="Courier New" pitchFamily="49" charset="0"/>
+              </a:endParaRPr>
+            </a:p>
+            <a:p>
+              <a:r>
+                <a:rPr lang="nn-NO" sz="1600" dirty="0" smtClean="0">
+                  <a:latin typeface="Courier New" pitchFamily="49" charset="0"/>
+                  <a:cs typeface="Courier New" pitchFamily="49" charset="0"/>
+                </a:rPr>
+                <a:t>        double </a:t>
+              </a:r>
+              <a:r>
+                <a:rPr lang="nn-NO" sz="1600" dirty="0">
+                  <a:latin typeface="Courier New" pitchFamily="49" charset="0"/>
+                  <a:cs typeface="Courier New" pitchFamily="49" charset="0"/>
+                </a:rPr>
+                <a:t>dist(const </a:t>
+              </a:r>
+              <a:r>
+                <a:rPr lang="nn-NO" sz="1600" dirty="0" smtClean="0">
+                  <a:latin typeface="Courier New" pitchFamily="49" charset="0"/>
+                  <a:cs typeface="Courier New" pitchFamily="49" charset="0"/>
+                </a:rPr>
+                <a:t>Particle</a:t>
+              </a:r>
+              <a:r>
+                <a:rPr lang="nn-NO" sz="1600" dirty="0">
+                  <a:latin typeface="Courier New" pitchFamily="49" charset="0"/>
+                  <a:cs typeface="Courier New" pitchFamily="49" charset="0"/>
+                </a:rPr>
+                <a:t>&amp; other) const;</a:t>
+              </a:r>
+            </a:p>
+            <a:p>
+              <a:r>
+                <a:rPr lang="nn-NO" sz="1600" dirty="0" smtClean="0">
+                  <a:latin typeface="Courier New" pitchFamily="49" charset="0"/>
+                  <a:cs typeface="Courier New" pitchFamily="49" charset="0"/>
+                </a:rPr>
+                <a:t>};</a:t>
+              </a:r>
+              <a:endParaRPr lang="nn-NO" sz="1600" dirty="0">
+                <a:latin typeface="Courier New" pitchFamily="49" charset="0"/>
+                <a:cs typeface="Courier New" pitchFamily="49" charset="0"/>
+              </a:endParaRPr>
+            </a:p>
+          </p:txBody>
+        </p:sp>
+        <p:sp>
+          <p:nvSpPr>
+            <p:cNvPr id="6" name="TextBox 5"/>
+            <p:cNvSpPr txBox="1"/>
+            <p:nvPr/>
+          </p:nvSpPr>
+          <p:spPr>
+            <a:xfrm>
+              <a:off x="6476095" y="1690689"/>
+              <a:ext cx="1114408" cy="276999"/>
+            </a:xfrm>
+            <a:prstGeom prst="rect">
+              <a:avLst/>
+            </a:prstGeom>
+            <a:solidFill>
+              <a:schemeClr val="bg1"/>
+            </a:solidFill>
+            <a:ln>
+              <a:solidFill>
+                <a:schemeClr val="tx1"/>
+              </a:solidFill>
+            </a:ln>
+          </p:spPr>
+          <p:txBody>
+            <a:bodyPr wrap="none" rtlCol="0">
+              <a:spAutoFit/>
+            </a:bodyPr>
+            <a:lstStyle/>
+            <a:p>
+              <a:r>
+                <a:rPr lang="en-US" sz="1200" dirty="0" err="1" smtClean="0">
+                  <a:latin typeface="Courier New" panose="02070309020205020404" pitchFamily="49" charset="0"/>
+                  <a:cs typeface="Courier New" panose="02070309020205020404" pitchFamily="49" charset="0"/>
+                </a:rPr>
+                <a:t>particle.h</a:t>
+              </a:r>
+              <a:endParaRPr lang="en-US" sz="1200" dirty="0">
+                <a:latin typeface="Courier New" panose="02070309020205020404" pitchFamily="49" charset="0"/>
+                <a:cs typeface="Courier New" panose="02070309020205020404" pitchFamily="49" charset="0"/>
+              </a:endParaRPr>
+            </a:p>
+          </p:txBody>
+        </p:sp>
+      </p:grpSp>
+      <p:sp>
+        <p:nvSpPr>
+          <p:cNvPr id="7" name="Slide Number Placeholder 6"/>
+          <p:cNvSpPr>
+            <a:spLocks noGrp="1"/>
+          </p:cNvSpPr>
+          <p:nvPr>
+            <p:ph type="sldNum" sz="quarter" idx="12"/>
+          </p:nvPr>
+        </p:nvSpPr>
+        <p:spPr/>
+        <p:txBody>
+          <a:bodyPr/>
+          <a:lstStyle/>
+          <a:p>
+            <a:fld id="{9CEF4966-5219-4577-B301-14467D565841}" type="slidenum">
+              <a:rPr lang="en-US" smtClean="0"/>
+              <a:t>4</a:t>
+            </a:fld>
+            <a:endParaRPr lang="en-US"/>
+          </a:p>
+        </p:txBody>
+      </p:sp>
+      <p:sp>
+        <p:nvSpPr>
+          <p:cNvPr id="8" name="TextBox 7"/>
+          <p:cNvSpPr txBox="1"/>
+          <p:nvPr/>
+        </p:nvSpPr>
+        <p:spPr>
+          <a:xfrm>
+            <a:off x="6568255" y="3200698"/>
+            <a:ext cx="1484671" cy="461665"/>
+          </a:xfrm>
+          <a:prstGeom prst="rect">
+            <a:avLst/>
+          </a:prstGeom>
+          <a:solidFill>
+            <a:schemeClr val="bg1"/>
+          </a:solidFill>
+          <a:ln>
+            <a:solidFill>
+              <a:schemeClr val="tx1"/>
+            </a:solidFill>
+          </a:ln>
+        </p:spPr>
+        <p:txBody>
+          <a:bodyPr wrap="square" rtlCol="0">
+            <a:spAutoFit/>
+          </a:bodyPr>
+          <a:lstStyle/>
+          <a:p>
+            <a:r>
+              <a:rPr lang="en-US" sz="2400" b="1" dirty="0" smtClean="0">
+                <a:solidFill>
+                  <a:srgbClr val="C00000"/>
+                </a:solidFill>
+              </a:rPr>
+              <a:t>red</a:t>
+            </a:r>
+            <a:r>
+              <a:rPr lang="en-US" sz="2400" dirty="0" smtClean="0"/>
+              <a:t> = new</a:t>
+            </a:r>
+            <a:endParaRPr lang="en-US" sz="2400" dirty="0"/>
+          </a:p>
+        </p:txBody>
+      </p:sp>
+    </p:spTree>
+    <p:extLst>
+      <p:ext uri="{BB962C8B-B14F-4D97-AF65-F5344CB8AC3E}">
+        <p14:creationId xmlns:p14="http://schemas.microsoft.com/office/powerpoint/2010/main" val="692815453"/>
+      </p:ext>
+    </p:extLst>
+  </p:cSld>
+  <p:clrMapOvr>
+    <a:masterClrMapping/>
+  </p:clrMapOvr>
+  <p:timing>
+    <p:tnLst>
+      <p:par>
+        <p:cTn id="1" dur="indefinite" restart="never" nodeType="tmRoot"/>
+      </p:par>
+    </p:tnLst>
+  </p:timing>
+</p:sld>
+</file>
+
+<file path=ppt/slides/slide5.xml><?xml version="1.0" encoding="utf-8"?>
+<p:sld xmlns:a="http://schemas.openxmlformats.org/drawingml/2006/main" xmlns:r="http://schemas.openxmlformats.org/officeDocument/2006/relationships" xmlns:p="http://schemas.openxmlformats.org/presentationml/2006/main">
+  <p:cSld>
+    <p:spTree>
+      <p:nvGrpSpPr>
+        <p:cNvPr id="1" name=""/>
+        <p:cNvGrpSpPr/>
+        <p:nvPr/>
+      </p:nvGrpSpPr>
+      <p:grpSpPr>
+        <a:xfrm>
+          <a:off x="0" y="0"/>
+          <a:ext cx="0" cy="0"/>
+          <a:chOff x="0" y="0"/>
+          <a:chExt cx="0" cy="0"/>
+        </a:xfrm>
+      </p:grpSpPr>
+      <p:sp>
+        <p:nvSpPr>
+          <p:cNvPr id="2" name="Title 1"/>
+          <p:cNvSpPr>
+            <a:spLocks noGrp="1"/>
+          </p:cNvSpPr>
+          <p:nvPr>
+            <p:ph type="title"/>
+          </p:nvPr>
+        </p:nvSpPr>
+        <p:spPr/>
+        <p:txBody>
+          <a:bodyPr/>
+          <a:lstStyle/>
+          <a:p>
+            <a:r>
+              <a:rPr lang="en-US" dirty="0" smtClean="0"/>
+              <a:t>Copy/paste? Bad idea!</a:t>
+            </a:r>
+            <a:endParaRPr lang="en-US" dirty="0"/>
+          </a:p>
+        </p:txBody>
+      </p:sp>
+      <p:sp>
+        <p:nvSpPr>
+          <p:cNvPr id="3" name="Content Placeholder 2"/>
+          <p:cNvSpPr>
+            <a:spLocks noGrp="1"/>
+          </p:cNvSpPr>
+          <p:nvPr>
+            <p:ph idx="1"/>
+          </p:nvPr>
+        </p:nvSpPr>
+        <p:spPr/>
+        <p:txBody>
+          <a:bodyPr/>
+          <a:lstStyle/>
+          <a:p>
+            <a:r>
+              <a:rPr lang="en-US" dirty="0" smtClean="0"/>
+              <a:t>Difficult to maintain</a:t>
+            </a:r>
+          </a:p>
+          <a:p>
+            <a:pPr lvl="1"/>
+            <a:r>
+              <a:rPr lang="en-US" dirty="0" smtClean="0"/>
+              <a:t>bug fixing in many versions</a:t>
+            </a:r>
+          </a:p>
+          <a:p>
+            <a:pPr lvl="1"/>
+            <a:r>
+              <a:rPr lang="en-US" dirty="0" smtClean="0"/>
+              <a:t>new functionality might break older code</a:t>
+            </a:r>
+          </a:p>
+          <a:p>
+            <a:r>
+              <a:rPr lang="en-US" dirty="0" smtClean="0"/>
+              <a:t>Better: extend through inheritance</a:t>
+            </a:r>
+          </a:p>
+          <a:p>
+            <a:pPr lvl="1"/>
+            <a:r>
+              <a:rPr lang="en-US" dirty="0" smtClean="0"/>
+              <a:t>child can do what parent can</a:t>
+            </a:r>
+          </a:p>
+          <a:p>
+            <a:pPr lvl="1"/>
+            <a:r>
+              <a:rPr lang="en-US" dirty="0" smtClean="0"/>
+              <a:t>child can override parents behavior</a:t>
+            </a:r>
+          </a:p>
+          <a:p>
+            <a:pPr lvl="1"/>
+            <a:r>
+              <a:rPr lang="en-US" dirty="0" smtClean="0"/>
+              <a:t>child can do more than parent can</a:t>
+            </a:r>
+          </a:p>
+          <a:p>
+            <a:r>
+              <a:rPr lang="en-US" dirty="0" smtClean="0"/>
+              <a:t>Terminology</a:t>
+            </a:r>
+          </a:p>
+          <a:p>
+            <a:pPr lvl="1"/>
+            <a:r>
+              <a:rPr lang="en-US" dirty="0" smtClean="0"/>
+              <a:t>parent class = base class</a:t>
+            </a:r>
+          </a:p>
+          <a:p>
+            <a:pPr lvl="1"/>
+            <a:r>
+              <a:rPr lang="en-US" dirty="0" smtClean="0"/>
+              <a:t>child class = derived class</a:t>
+            </a:r>
+            <a:endParaRPr lang="en-US" dirty="0"/>
+          </a:p>
+        </p:txBody>
+      </p:sp>
+      <p:sp>
+        <p:nvSpPr>
+          <p:cNvPr id="4" name="Slide Number Placeholder 3"/>
+          <p:cNvSpPr>
+            <a:spLocks noGrp="1"/>
+          </p:cNvSpPr>
+          <p:nvPr>
+            <p:ph type="sldNum" sz="quarter" idx="12"/>
+          </p:nvPr>
+        </p:nvSpPr>
+        <p:spPr/>
+        <p:txBody>
+          <a:bodyPr/>
+          <a:lstStyle/>
+          <a:p>
+            <a:fld id="{9CEF4966-5219-4577-B301-14467D565841}" type="slidenum">
+              <a:rPr lang="en-US" smtClean="0"/>
+              <a:t>5</a:t>
+            </a:fld>
+            <a:endParaRPr lang="en-US"/>
+          </a:p>
+        </p:txBody>
+      </p:sp>
+    </p:spTree>
+    <p:extLst>
+      <p:ext uri="{BB962C8B-B14F-4D97-AF65-F5344CB8AC3E}">
+        <p14:creationId xmlns:p14="http://schemas.microsoft.com/office/powerpoint/2010/main" val="4131195571"/>
+      </p:ext>
+    </p:extLst>
+  </p:cSld>
+  <p:clrMapOvr>
+    <a:masterClrMapping/>
+  </p:clrMapOvr>
+  <p:timing>
+    <p:tnLst>
+      <p:par>
+        <p:cTn id="1" dur="indefinite" restart="never" nodeType="tmRoot">
+          <p:childTnLst>
+            <p:seq concurrent="1" nextAc="seek">
+              <p:cTn id="2" dur="indefinite" nodeType="mainSeq">
+                <p:childTnLst>
+                  <p:par>
+                    <p:cTn id="3" fill="hold">
+                      <p:stCondLst>
+                        <p:cond delay="indefinite"/>
+                        <p:cond evt="onBegin" delay="0">
+                          <p:tn val="2"/>
+                        </p:cond>
+                      </p:stCondLst>
+                      <p:childTnLst>
+                        <p:par>
+                          <p:cTn id="4" fill="hold">
+                            <p:stCondLst>
+                              <p:cond delay="0"/>
+                            </p:stCondLst>
+                            <p:childTnLst>
+                              <p:par>
+                                <p:cTn id="5" presetID="1" presetClass="entr" presetSubtype="0" fill="hold" grpId="0" nodeType="withEffect">
+                                  <p:stCondLst>
+                                    <p:cond delay="0"/>
+                                  </p:stCondLst>
+                                  <p:childTnLst>
+                                    <p:set>
+                                      <p:cBhvr>
+                                        <p:cTn id="6" dur="1" fill="hold">
+                                          <p:stCondLst>
+                                            <p:cond delay="0"/>
+                                          </p:stCondLst>
+                                        </p:cTn>
+                                        <p:tgtEl>
+                                          <p:spTgt spid="3">
+                                            <p:txEl>
+                                              <p:pRg st="0" end="0"/>
+                                            </p:txEl>
+                                          </p:spTgt>
+                                        </p:tgtEl>
+                                        <p:attrNameLst>
+                                          <p:attrName>style.visibility</p:attrName>
+                                        </p:attrNameLst>
+                                      </p:cBhvr>
+                                      <p:to>
+                                        <p:strVal val="visible"/>
+                                      </p:to>
+                                    </p:set>
+                                  </p:childTnLst>
+                                </p:cTn>
+                              </p:par>
+                              <p:par>
+                                <p:cTn id="7" presetID="1" presetClass="entr" presetSubtype="0" fill="hold" grpId="0" nodeType="withEffect">
+                                  <p:stCondLst>
+                                    <p:cond delay="0"/>
+                                  </p:stCondLst>
+                                  <p:childTnLst>
+                                    <p:set>
+                                      <p:cBhvr>
+                                        <p:cTn id="8" dur="1" fill="hold">
+                                          <p:stCondLst>
+                                            <p:cond delay="0"/>
+                                          </p:stCondLst>
+                                        </p:cTn>
+                                        <p:tgtEl>
+                                          <p:spTgt spid="3">
+                                            <p:txEl>
+                                              <p:pRg st="1" end="1"/>
+                                            </p:txEl>
+                                          </p:spTgt>
+                                        </p:tgtEl>
+                                        <p:attrNameLst>
+                                          <p:attrName>style.visibility</p:attrName>
+                                        </p:attrNameLst>
+                                      </p:cBhvr>
+                                      <p:to>
+                                        <p:strVal val="visible"/>
+                                      </p:to>
+                                    </p:set>
+                                  </p:childTnLst>
+                                </p:cTn>
+                              </p:par>
+                              <p:par>
+                                <p:cTn id="9" presetID="1" presetClass="entr" presetSubtype="0" fill="hold" grpId="0" nodeType="withEffect">
+                                  <p:stCondLst>
+                                    <p:cond delay="0"/>
+                                  </p:stCondLst>
+                                  <p:childTnLst>
+                                    <p:set>
+                                      <p:cBhvr>
+                                        <p:cTn id="10" dur="1" fill="hold">
+                                          <p:stCondLst>
+                                            <p:cond delay="0"/>
+                                          </p:stCondLst>
+                                        </p:cTn>
+                                        <p:tgtEl>
+                                          <p:spTgt spid="3">
+                                            <p:txEl>
+                                              <p:pRg st="2" end="2"/>
+                                            </p:txEl>
+                                          </p:spTgt>
+                                        </p:tgtEl>
+                                        <p:attrNameLst>
+                                          <p:attrName>style.visibility</p:attrName>
+                                        </p:attrNameLst>
+                                      </p:cBhvr>
+                                      <p:to>
+                                        <p:strVal val="visible"/>
+                                      </p:to>
+                                    </p:set>
+                                  </p:childTnLst>
+                                </p:cTn>
+                              </p:par>
+                            </p:childTnLst>
+                          </p:cTn>
+                        </p:par>
+                      </p:childTnLst>
+                    </p:cTn>
+                  </p:par>
+                  <p:par>
+                    <p:cTn id="11" fill="hold">
+                      <p:stCondLst>
+                        <p:cond delay="indefinite"/>
+                      </p:stCondLst>
+                      <p:childTnLst>
+                        <p:par>
+                          <p:cTn id="12" fill="hold">
+                            <p:stCondLst>
+                              <p:cond delay="0"/>
+                            </p:stCondLst>
+                            <p:childTnLst>
+                              <p:par>
+                                <p:cTn id="13" presetID="1" presetClass="entr" presetSubtype="0" fill="hold" grpId="0" nodeType="clickEffect">
+                                  <p:stCondLst>
+                                    <p:cond delay="0"/>
+                                  </p:stCondLst>
+                                  <p:childTnLst>
+                                    <p:set>
+                                      <p:cBhvr>
+                                        <p:cTn id="14" dur="1" fill="hold">
+                                          <p:stCondLst>
+                                            <p:cond delay="0"/>
+                                          </p:stCondLst>
+                                        </p:cTn>
+                                        <p:tgtEl>
+                                          <p:spTgt spid="3">
+                                            <p:txEl>
+                                              <p:pRg st="3" end="3"/>
+                                            </p:txEl>
+                                          </p:spTgt>
+                                        </p:tgtEl>
+                                        <p:attrNameLst>
+                                          <p:attrName>style.visibility</p:attrName>
+                                        </p:attrNameLst>
+                                      </p:cBhvr>
+                                      <p:to>
+                                        <p:strVal val="visible"/>
+                                      </p:to>
+                                    </p:set>
+                                  </p:childTnLst>
+                                </p:cTn>
+                              </p:par>
+                              <p:par>
+                                <p:cTn id="15" presetID="1" presetClass="entr" presetSubtype="0" fill="hold" grpId="0" nodeType="withEffect">
+                                  <p:stCondLst>
+                                    <p:cond delay="0"/>
+                                  </p:stCondLst>
+                                  <p:childTnLst>
+                                    <p:set>
+                                      <p:cBhvr>
+                                        <p:cTn id="16" dur="1" fill="hold">
+                                          <p:stCondLst>
+                                            <p:cond delay="0"/>
+                                          </p:stCondLst>
+                                        </p:cTn>
+                                        <p:tgtEl>
+                                          <p:spTgt spid="3">
+                                            <p:txEl>
+                                              <p:pRg st="4" end="4"/>
+                                            </p:txEl>
+                                          </p:spTgt>
+                                        </p:tgtEl>
+                                        <p:attrNameLst>
+                                          <p:attrName>style.visibility</p:attrName>
+                                        </p:attrNameLst>
+                                      </p:cBhvr>
+                                      <p:to>
+                                        <p:strVal val="visible"/>
+                                      </p:to>
+                                    </p:set>
+                                  </p:childTnLst>
+                                </p:cTn>
+                              </p:par>
+                              <p:par>
+                                <p:cTn id="17" presetID="1" presetClass="entr" presetSubtype="0" fill="hold" grpId="0" nodeType="withEffect">
+                                  <p:stCondLst>
+                                    <p:cond delay="0"/>
+                                  </p:stCondLst>
+                                  <p:childTnLst>
+                                    <p:set>
+                                      <p:cBhvr>
+                                        <p:cTn id="18" dur="1" fill="hold">
+                                          <p:stCondLst>
+                                            <p:cond delay="0"/>
+                                          </p:stCondLst>
+                                        </p:cTn>
+                                        <p:tgtEl>
+                                          <p:spTgt spid="3">
+                                            <p:txEl>
+                                              <p:pRg st="5" end="5"/>
+                                            </p:txEl>
+                                          </p:spTgt>
+                                        </p:tgtEl>
+                                        <p:attrNameLst>
+                                          <p:attrName>style.visibility</p:attrName>
+                                        </p:attrNameLst>
+                                      </p:cBhvr>
+                                      <p:to>
+                                        <p:strVal val="visible"/>
+                                      </p:to>
+                                    </p:set>
+                                  </p:childTnLst>
+                                </p:cTn>
+                              </p:par>
+                              <p:par>
+                                <p:cTn id="19" presetID="1" presetClass="entr" presetSubtype="0" fill="hold" grpId="0" nodeType="withEffect">
+                                  <p:stCondLst>
+                                    <p:cond delay="0"/>
+                                  </p:stCondLst>
+                                  <p:childTnLst>
+                                    <p:set>
+                                      <p:cBhvr>
+                                        <p:cTn id="20" dur="1" fill="hold">
+                                          <p:stCondLst>
+                                            <p:cond delay="0"/>
+                                          </p:stCondLst>
+                                        </p:cTn>
+                                        <p:tgtEl>
+                                          <p:spTgt spid="3">
+                                            <p:txEl>
+                                              <p:pRg st="6" end="6"/>
+                                            </p:txEl>
+                                          </p:spTgt>
+                                        </p:tgtEl>
+                                        <p:attrNameLst>
+                                          <p:attrName>style.visibility</p:attrName>
+                                        </p:attrNameLst>
+                                      </p:cBhvr>
+                                      <p:to>
+                                        <p:strVal val="visible"/>
+                                      </p:to>
+                                    </p:set>
+                                  </p:childTnLst>
+                                </p:cTn>
+                              </p:par>
+                            </p:childTnLst>
+                          </p:cTn>
+                        </p:par>
+                      </p:childTnLst>
+                    </p:cTn>
+                  </p:par>
+                  <p:par>
+                    <p:cTn id="21" fill="hold">
+                      <p:stCondLst>
+                        <p:cond delay="indefinite"/>
+                      </p:stCondLst>
+                      <p:childTnLst>
+                        <p:par>
+                          <p:cTn id="22" fill="hold">
+                            <p:stCondLst>
+                              <p:cond delay="0"/>
+                            </p:stCondLst>
+                            <p:childTnLst>
+                              <p:par>
+                                <p:cTn id="23" presetID="1" presetClass="entr" presetSubtype="0" fill="hold" grpId="0" nodeType="clickEffect">
+                                  <p:stCondLst>
+                                    <p:cond delay="0"/>
+                                  </p:stCondLst>
+                                  <p:childTnLst>
+                                    <p:set>
+                                      <p:cBhvr>
+                                        <p:cTn id="24" dur="1" fill="hold">
+                                          <p:stCondLst>
+                                            <p:cond delay="0"/>
+                                          </p:stCondLst>
+                                        </p:cTn>
+                                        <p:tgtEl>
+                                          <p:spTgt spid="3">
+                                            <p:txEl>
+                                              <p:pRg st="7" end="7"/>
+                                            </p:txEl>
+                                          </p:spTgt>
+                                        </p:tgtEl>
+                                        <p:attrNameLst>
+                                          <p:attrName>style.visibility</p:attrName>
+                                        </p:attrNameLst>
+                                      </p:cBhvr>
+                                      <p:to>
+                                        <p:strVal val="visible"/>
+                                      </p:to>
+                                    </p:set>
+                                  </p:childTnLst>
+                                </p:cTn>
+                              </p:par>
+                              <p:par>
+                                <p:cTn id="25" presetID="1" presetClass="entr" presetSubtype="0" fill="hold" grpId="0" nodeType="withEffect">
+                                  <p:stCondLst>
+                                    <p:cond delay="0"/>
+                                  </p:stCondLst>
+                                  <p:childTnLst>
+                                    <p:set>
+                                      <p:cBhvr>
+                                        <p:cTn id="26" dur="1" fill="hold">
+                                          <p:stCondLst>
+                                            <p:cond delay="0"/>
+                                          </p:stCondLst>
+                                        </p:cTn>
+                                        <p:tgtEl>
+                                          <p:spTgt spid="3">
+                                            <p:txEl>
+                                              <p:pRg st="8" end="8"/>
+                                            </p:txEl>
+                                          </p:spTgt>
+                                        </p:tgtEl>
+                                        <p:attrNameLst>
+                                          <p:attrName>style.visibility</p:attrName>
+                                        </p:attrNameLst>
+                                      </p:cBhvr>
+                                      <p:to>
+                                        <p:strVal val="visible"/>
+                                      </p:to>
+                                    </p:set>
+                                  </p:childTnLst>
+                                </p:cTn>
+                              </p:par>
+                              <p:par>
+                                <p:cTn id="27" presetID="1" presetClass="entr" presetSubtype="0" fill="hold" grpId="0" nodeType="withEffect">
+                                  <p:stCondLst>
+                                    <p:cond delay="0"/>
+                                  </p:stCondLst>
+                                  <p:childTnLst>
+                                    <p:set>
+                                      <p:cBhvr>
+                                        <p:cTn id="28" dur="1" fill="hold">
+                                          <p:stCondLst>
+                                            <p:cond delay="0"/>
+                                          </p:stCondLst>
+                                        </p:cTn>
+                                        <p:tgtEl>
+                                          <p:spTgt spid="3">
+                                            <p:txEl>
+                                              <p:pRg st="9" end="9"/>
+                                            </p:txEl>
+                                          </p:spTgt>
+                                        </p:tgtEl>
+                                        <p:attrNameLst>
+                                          <p:attrName>style.visibility</p:attrName>
+                                        </p:attrNameLst>
+                                      </p:cBhvr>
+                                      <p:to>
+                                        <p:strVal val="visible"/>
+                                      </p:to>
+                                    </p:set>
+                                  </p:childTnLst>
+                                </p:cTn>
+                              </p:par>
+                            </p:childTnLst>
+                          </p:cTn>
+                        </p:par>
+                      </p:childTnLst>
+                    </p:cTn>
+                  </p:par>
+                </p:childTnLst>
+              </p:cTn>
+              <p:prevCondLst>
+                <p:cond evt="onPrev" delay="0">
+                  <p:tgtEl>
+                    <p:sldTgt/>
+                  </p:tgtEl>
+                </p:cond>
+              </p:prevCondLst>
+              <p:nextCondLst>
+                <p:cond evt="onNext" delay="0">
+                  <p:tgtEl>
+                    <p:sldTgt/>
+                  </p:tgtEl>
+                </p:cond>
+              </p:nextCondLst>
+            </p:seq>
+          </p:childTnLst>
+        </p:cTn>
+      </p:par>
+    </p:tnLst>
+    <p:bldLst>
+      <p:bldP spid="3" grpId="0" uiExpand="1" build="p"/>
+    </p:bldLst>
+  </p:timing>
+</p:sld>
+</file>
+
+<file path=ppt/slides/slide6.xml><?xml version="1.0" encoding="utf-8"?>
+<p:sld xmlns:a="http://schemas.openxmlformats.org/drawingml/2006/main" xmlns:r="http://schemas.openxmlformats.org/officeDocument/2006/relationships" xmlns:p="http://schemas.openxmlformats.org/presentationml/2006/main">
+  <p:cSld>
+    <p:spTree>
+      <p:nvGrpSpPr>
+        <p:cNvPr id="1" name=""/>
+        <p:cNvGrpSpPr/>
+        <p:nvPr/>
+      </p:nvGrpSpPr>
+      <p:grpSpPr>
+        <a:xfrm>
+          <a:off x="0" y="0"/>
+          <a:ext cx="0" cy="0"/>
+          <a:chOff x="0" y="0"/>
+          <a:chExt cx="0" cy="0"/>
+        </a:xfrm>
+      </p:grpSpPr>
+      <p:sp>
+        <p:nvSpPr>
+          <p:cNvPr id="2" name="Title 1"/>
+          <p:cNvSpPr>
+            <a:spLocks noGrp="1"/>
+          </p:cNvSpPr>
+          <p:nvPr>
+            <p:ph type="title"/>
+          </p:nvPr>
+        </p:nvSpPr>
+        <p:spPr/>
+        <p:txBody>
+          <a:bodyPr/>
+          <a:lstStyle/>
+          <a:p>
+            <a:r>
+              <a:rPr lang="en-US" dirty="0" smtClean="0"/>
+              <a:t>Inherit from class</a:t>
+            </a:r>
+            <a:endParaRPr lang="en-US" dirty="0"/>
+          </a:p>
+        </p:txBody>
+      </p:sp>
+      <p:sp>
+        <p:nvSpPr>
+          <p:cNvPr id="7" name="Slide Number Placeholder 6"/>
+          <p:cNvSpPr>
+            <a:spLocks noGrp="1"/>
+          </p:cNvSpPr>
+          <p:nvPr>
+            <p:ph type="sldNum" sz="quarter" idx="12"/>
+          </p:nvPr>
+        </p:nvSpPr>
+        <p:spPr/>
+        <p:txBody>
+          <a:bodyPr/>
+          <a:lstStyle/>
+          <a:p>
+            <a:fld id="{9CEF4966-5219-4577-B301-14467D565841}" type="slidenum">
+              <a:rPr lang="en-US" smtClean="0"/>
+              <a:t>6</a:t>
+            </a:fld>
+            <a:endParaRPr lang="en-US"/>
+          </a:p>
+        </p:txBody>
+      </p:sp>
+      <p:grpSp>
+        <p:nvGrpSpPr>
+          <p:cNvPr id="4" name="Group 3"/>
+          <p:cNvGrpSpPr/>
+          <p:nvPr/>
+        </p:nvGrpSpPr>
+        <p:grpSpPr>
+          <a:xfrm>
+            <a:off x="628650" y="2418281"/>
+            <a:ext cx="6961853" cy="3293209"/>
+            <a:chOff x="628650" y="1690689"/>
+            <a:chExt cx="6961853" cy="3293209"/>
+          </a:xfrm>
+        </p:grpSpPr>
+        <p:sp>
+          <p:nvSpPr>
+            <p:cNvPr id="5" name="TextBox 4"/>
+            <p:cNvSpPr txBox="1"/>
+            <p:nvPr/>
+          </p:nvSpPr>
+          <p:spPr>
+            <a:xfrm>
+              <a:off x="628650" y="1690689"/>
+              <a:ext cx="6961853" cy="3293209"/>
+            </a:xfrm>
+            <a:prstGeom prst="rect">
+              <a:avLst/>
+            </a:prstGeom>
+            <a:solidFill>
+              <a:schemeClr val="bg1">
+                <a:lumMod val="75000"/>
+              </a:schemeClr>
+            </a:solidFill>
+          </p:spPr>
+          <p:txBody>
+            <a:bodyPr wrap="square" rtlCol="0">
+              <a:spAutoFit/>
+            </a:bodyPr>
+            <a:lstStyle/>
+            <a:p>
+              <a:r>
+                <a:rPr lang="nn-NO" sz="1600" dirty="0" smtClean="0">
+                  <a:latin typeface="Courier New" pitchFamily="49" charset="0"/>
+                  <a:cs typeface="Courier New" pitchFamily="49" charset="0"/>
+                </a:rPr>
+                <a:t>class </a:t>
+              </a:r>
+              <a:r>
+                <a:rPr lang="nn-NO" sz="1600" dirty="0" smtClean="0">
+                  <a:latin typeface="Courier New" pitchFamily="49" charset="0"/>
+                  <a:cs typeface="Courier New" pitchFamily="49" charset="0"/>
+                </a:rPr>
+                <a:t>Particle : public StaticParticle {</a:t>
+              </a:r>
+              <a:endParaRPr lang="nn-NO" sz="1600" dirty="0">
+                <a:latin typeface="Courier New" pitchFamily="49" charset="0"/>
+                <a:cs typeface="Courier New" pitchFamily="49" charset="0"/>
+              </a:endParaRPr>
+            </a:p>
+            <a:p>
+              <a:r>
+                <a:rPr lang="nn-NO" sz="1600" dirty="0">
+                  <a:latin typeface="Courier New" pitchFamily="49" charset="0"/>
+                  <a:cs typeface="Courier New" pitchFamily="49" charset="0"/>
+                </a:rPr>
+                <a:t>    private:</a:t>
+              </a:r>
+            </a:p>
+            <a:p>
+              <a:r>
+                <a:rPr lang="nn-NO" sz="1600" dirty="0">
+                  <a:latin typeface="Courier New" pitchFamily="49" charset="0"/>
+                  <a:cs typeface="Courier New" pitchFamily="49" charset="0"/>
+                </a:rPr>
+                <a:t>        double </a:t>
+              </a:r>
+              <a:r>
+                <a:rPr lang="nn-NO" sz="1600" dirty="0" smtClean="0">
+                  <a:latin typeface="Courier New" pitchFamily="49" charset="0"/>
+                  <a:cs typeface="Courier New" pitchFamily="49" charset="0"/>
+                </a:rPr>
+                <a:t>_v_x, _v_y;</a:t>
+              </a:r>
+              <a:endParaRPr lang="nn-NO" sz="1600" dirty="0">
+                <a:latin typeface="Courier New" pitchFamily="49" charset="0"/>
+                <a:cs typeface="Courier New" pitchFamily="49" charset="0"/>
+              </a:endParaRPr>
+            </a:p>
+            <a:p>
+              <a:r>
+                <a:rPr lang="nn-NO" sz="1600" dirty="0">
+                  <a:latin typeface="Courier New" pitchFamily="49" charset="0"/>
+                  <a:cs typeface="Courier New" pitchFamily="49" charset="0"/>
+                </a:rPr>
+                <a:t>    public:</a:t>
+              </a:r>
+            </a:p>
+            <a:p>
+              <a:r>
+                <a:rPr lang="nn-NO" sz="1600" dirty="0">
+                  <a:latin typeface="Courier New" pitchFamily="49" charset="0"/>
+                  <a:cs typeface="Courier New" pitchFamily="49" charset="0"/>
+                </a:rPr>
+                <a:t>        </a:t>
+              </a:r>
+              <a:r>
+                <a:rPr lang="nn-NO" sz="1600" dirty="0" smtClean="0">
+                  <a:latin typeface="Courier New" pitchFamily="49" charset="0"/>
+                  <a:cs typeface="Courier New" pitchFamily="49" charset="0"/>
+                </a:rPr>
+                <a:t>Particle(double </a:t>
+              </a:r>
+              <a:r>
+                <a:rPr lang="nn-NO" sz="1600" dirty="0" smtClean="0">
+                  <a:latin typeface="Courier New" pitchFamily="49" charset="0"/>
+                  <a:cs typeface="Courier New" pitchFamily="49" charset="0"/>
+                </a:rPr>
+                <a:t>x, double y</a:t>
+              </a:r>
+              <a:r>
+                <a:rPr lang="nn-NO" sz="1600" dirty="0" smtClean="0">
+                  <a:latin typeface="Courier New" pitchFamily="49" charset="0"/>
+                  <a:cs typeface="Courier New" pitchFamily="49" charset="0"/>
+                </a:rPr>
+                <a:t>,</a:t>
+              </a:r>
+            </a:p>
+            <a:p>
+              <a:r>
+                <a:rPr lang="nn-NO" sz="1600" dirty="0">
+                  <a:latin typeface="Courier New" pitchFamily="49" charset="0"/>
+                  <a:cs typeface="Courier New" pitchFamily="49" charset="0"/>
+                </a:rPr>
+                <a:t> </a:t>
+              </a:r>
+              <a:r>
+                <a:rPr lang="nn-NO" sz="1600" dirty="0" smtClean="0">
+                  <a:latin typeface="Courier New" pitchFamily="49" charset="0"/>
+                  <a:cs typeface="Courier New" pitchFamily="49" charset="0"/>
+                </a:rPr>
+                <a:t>                double v_x, double v_y,</a:t>
+              </a:r>
+              <a:br>
+                <a:rPr lang="nn-NO" sz="1600" dirty="0" smtClean="0">
+                  <a:latin typeface="Courier New" pitchFamily="49" charset="0"/>
+                  <a:cs typeface="Courier New" pitchFamily="49" charset="0"/>
+                </a:rPr>
+              </a:br>
+              <a:r>
+                <a:rPr lang="nn-NO" sz="1600" dirty="0" smtClean="0">
+                  <a:latin typeface="Courier New" pitchFamily="49" charset="0"/>
+                  <a:cs typeface="Courier New" pitchFamily="49" charset="0"/>
+                </a:rPr>
+                <a:t>      </a:t>
+              </a:r>
+              <a:r>
+                <a:rPr lang="nn-NO" sz="1600" dirty="0" smtClean="0">
+                  <a:latin typeface="Courier New" pitchFamily="49" charset="0"/>
+                  <a:cs typeface="Courier New" pitchFamily="49" charset="0"/>
+                </a:rPr>
+                <a:t>           double </a:t>
+              </a:r>
+              <a:r>
+                <a:rPr lang="nn-NO" sz="1600" dirty="0" smtClean="0">
+                  <a:latin typeface="Courier New" pitchFamily="49" charset="0"/>
+                  <a:cs typeface="Courier New" pitchFamily="49" charset="0"/>
+                </a:rPr>
+                <a:t>mass) </a:t>
+              </a:r>
+              <a:r>
+                <a:rPr lang="nn-NO" sz="1600" dirty="0" smtClean="0">
+                  <a:latin typeface="Courier New" pitchFamily="49" charset="0"/>
+                  <a:cs typeface="Courier New" pitchFamily="49" charset="0"/>
+                </a:rPr>
+                <a:t>:</a:t>
+              </a:r>
+            </a:p>
+            <a:p>
+              <a:r>
+                <a:rPr lang="nn-NO" sz="1600" dirty="0">
+                  <a:latin typeface="Courier New" pitchFamily="49" charset="0"/>
+                  <a:cs typeface="Courier New" pitchFamily="49" charset="0"/>
+                </a:rPr>
+                <a:t> </a:t>
+              </a:r>
+              <a:r>
+                <a:rPr lang="nn-NO" sz="1600" dirty="0" smtClean="0">
+                  <a:latin typeface="Courier New" pitchFamily="49" charset="0"/>
+                  <a:cs typeface="Courier New" pitchFamily="49" charset="0"/>
+                </a:rPr>
+                <a:t>           </a:t>
+              </a:r>
+              <a:r>
+                <a:rPr lang="nn-NO" sz="1600" dirty="0" smtClean="0">
+                  <a:latin typeface="Courier New" pitchFamily="49" charset="0"/>
+                  <a:cs typeface="Courier New" pitchFamily="49" charset="0"/>
+                </a:rPr>
+                <a:t>StaticParticle(x, y, mass),</a:t>
+              </a:r>
+              <a:endParaRPr lang="nn-NO" sz="1600" dirty="0">
+                <a:latin typeface="Courier New" pitchFamily="49" charset="0"/>
+                <a:cs typeface="Courier New" pitchFamily="49" charset="0"/>
+              </a:endParaRPr>
+            </a:p>
+            <a:p>
+              <a:r>
+                <a:rPr lang="nn-NO" sz="1600" dirty="0">
+                  <a:latin typeface="Courier New" pitchFamily="49" charset="0"/>
+                  <a:cs typeface="Courier New" pitchFamily="49" charset="0"/>
+                </a:rPr>
+                <a:t>            </a:t>
+              </a:r>
+              <a:r>
+                <a:rPr lang="nn-NO" sz="1600" dirty="0" smtClean="0">
+                  <a:latin typeface="Courier New" pitchFamily="49" charset="0"/>
+                  <a:cs typeface="Courier New" pitchFamily="49" charset="0"/>
+                </a:rPr>
+                <a:t>_v_x {v_x}, _v_y {v_y};</a:t>
+              </a:r>
+            </a:p>
+            <a:p>
+              <a:r>
+                <a:rPr lang="nn-NO" sz="1600" dirty="0" smtClean="0">
+                  <a:latin typeface="Courier New" pitchFamily="49" charset="0"/>
+                  <a:cs typeface="Courier New" pitchFamily="49" charset="0"/>
+                </a:rPr>
+                <a:t>        double v_x() const { return _v_x; };</a:t>
+              </a:r>
+            </a:p>
+            <a:p>
+              <a:r>
+                <a:rPr lang="nn-NO" sz="1600" dirty="0">
+                  <a:latin typeface="Courier New" pitchFamily="49" charset="0"/>
+                  <a:cs typeface="Courier New" pitchFamily="49" charset="0"/>
+                </a:rPr>
+                <a:t> </a:t>
+              </a:r>
+              <a:r>
+                <a:rPr lang="nn-NO" sz="1600" dirty="0" smtClean="0">
+                  <a:latin typeface="Courier New" pitchFamily="49" charset="0"/>
+                  <a:cs typeface="Courier New" pitchFamily="49" charset="0"/>
+                </a:rPr>
+                <a:t>       double v_y() const { return _v_y; };</a:t>
+              </a:r>
+              <a:endParaRPr lang="nn-NO" sz="1600" dirty="0">
+                <a:latin typeface="Courier New" pitchFamily="49" charset="0"/>
+                <a:cs typeface="Courier New" pitchFamily="49" charset="0"/>
+              </a:endParaRPr>
+            </a:p>
+            <a:p>
+              <a:r>
+                <a:rPr lang="nn-NO" sz="1600" dirty="0" smtClean="0">
+                  <a:latin typeface="Courier New" pitchFamily="49" charset="0"/>
+                  <a:cs typeface="Courier New" pitchFamily="49" charset="0"/>
+                </a:rPr>
+                <a:t>        void move(double delta_t);</a:t>
+              </a:r>
+              <a:endParaRPr lang="nn-NO" sz="1600" dirty="0">
+                <a:latin typeface="Courier New" pitchFamily="49" charset="0"/>
+                <a:cs typeface="Courier New" pitchFamily="49" charset="0"/>
+              </a:endParaRPr>
+            </a:p>
+            <a:p>
+              <a:r>
+                <a:rPr lang="nn-NO" sz="1600" dirty="0" smtClean="0">
+                  <a:latin typeface="Courier New" pitchFamily="49" charset="0"/>
+                  <a:cs typeface="Courier New" pitchFamily="49" charset="0"/>
+                </a:rPr>
+                <a:t>};</a:t>
+              </a:r>
+              <a:endParaRPr lang="nn-NO" sz="1600" dirty="0">
+                <a:latin typeface="Courier New" pitchFamily="49" charset="0"/>
+                <a:cs typeface="Courier New" pitchFamily="49" charset="0"/>
+              </a:endParaRPr>
+            </a:p>
+          </p:txBody>
+        </p:sp>
+        <p:sp>
+          <p:nvSpPr>
+            <p:cNvPr id="6" name="TextBox 5"/>
+            <p:cNvSpPr txBox="1"/>
+            <p:nvPr/>
+          </p:nvSpPr>
+          <p:spPr>
+            <a:xfrm>
+              <a:off x="6476095" y="1690689"/>
+              <a:ext cx="1114408" cy="276999"/>
+            </a:xfrm>
+            <a:prstGeom prst="rect">
+              <a:avLst/>
+            </a:prstGeom>
+            <a:solidFill>
+              <a:schemeClr val="bg1"/>
+            </a:solidFill>
+            <a:ln>
+              <a:solidFill>
+                <a:schemeClr val="tx1"/>
+              </a:solidFill>
+            </a:ln>
+          </p:spPr>
+          <p:txBody>
+            <a:bodyPr wrap="none" rtlCol="0">
+              <a:spAutoFit/>
+            </a:bodyPr>
+            <a:lstStyle/>
+            <a:p>
+              <a:r>
+                <a:rPr lang="en-US" sz="1200" dirty="0" err="1" smtClean="0">
+                  <a:latin typeface="Courier New" panose="02070309020205020404" pitchFamily="49" charset="0"/>
+                  <a:cs typeface="Courier New" panose="02070309020205020404" pitchFamily="49" charset="0"/>
+                </a:rPr>
+                <a:t>particle.h</a:t>
+              </a:r>
+              <a:endParaRPr lang="en-US" sz="1200" dirty="0">
+                <a:latin typeface="Courier New" panose="02070309020205020404" pitchFamily="49" charset="0"/>
+                <a:cs typeface="Courier New" panose="02070309020205020404" pitchFamily="49" charset="0"/>
+              </a:endParaRPr>
+            </a:p>
+          </p:txBody>
+        </p:sp>
+      </p:grpSp>
+      <p:grpSp>
+        <p:nvGrpSpPr>
+          <p:cNvPr id="8" name="Group 7"/>
+          <p:cNvGrpSpPr/>
+          <p:nvPr/>
+        </p:nvGrpSpPr>
+        <p:grpSpPr>
+          <a:xfrm>
+            <a:off x="5224880" y="1703889"/>
+            <a:ext cx="2495269" cy="704696"/>
+            <a:chOff x="1294767" y="2823085"/>
+            <a:chExt cx="2495269" cy="704696"/>
+          </a:xfrm>
+        </p:grpSpPr>
+        <p:sp>
+          <p:nvSpPr>
+            <p:cNvPr id="9" name="TextBox 8"/>
+            <p:cNvSpPr txBox="1"/>
+            <p:nvPr/>
+          </p:nvSpPr>
+          <p:spPr>
+            <a:xfrm>
+              <a:off x="2285917" y="2823085"/>
+              <a:ext cx="1504119" cy="400110"/>
+            </a:xfrm>
+            <a:prstGeom prst="rect">
+              <a:avLst/>
+            </a:prstGeom>
+            <a:solidFill>
+              <a:schemeClr val="bg1"/>
+            </a:solidFill>
+            <a:ln w="19050">
+              <a:solidFill>
+                <a:schemeClr val="tx1"/>
+              </a:solidFill>
+            </a:ln>
+          </p:spPr>
+          <p:txBody>
+            <a:bodyPr wrap="square" rtlCol="0">
+              <a:spAutoFit/>
+            </a:bodyPr>
+            <a:lstStyle/>
+            <a:p>
+              <a:r>
+                <a:rPr lang="en-US" sz="2000" dirty="0" smtClean="0"/>
+                <a:t>parent class</a:t>
+              </a:r>
+              <a:endParaRPr lang="en-US" sz="2000" dirty="0">
+                <a:latin typeface="Courier New" panose="02070309020205020404" pitchFamily="49" charset="0"/>
+                <a:cs typeface="Courier New" panose="02070309020205020404" pitchFamily="49" charset="0"/>
+              </a:endParaRPr>
+            </a:p>
+          </p:txBody>
+        </p:sp>
+        <p:cxnSp>
+          <p:nvCxnSpPr>
+            <p:cNvPr id="10" name="Straight Arrow Connector 9"/>
+            <p:cNvCxnSpPr>
+              <a:stCxn id="9" idx="1"/>
+            </p:cNvCxnSpPr>
+            <p:nvPr/>
+          </p:nvCxnSpPr>
+          <p:spPr>
+            <a:xfrm flipH="1">
+              <a:off x="1294767" y="3023140"/>
+              <a:ext cx="991150" cy="504641"/>
+            </a:xfrm>
+            <a:prstGeom prst="straightConnector1">
+              <a:avLst/>
+            </a:prstGeom>
+            <a:ln w="19050">
+              <a:solidFill>
+                <a:schemeClr val="tx1"/>
+              </a:solidFill>
+              <a:tailEnd type="stealth" w="lg" len="lg"/>
+            </a:ln>
+          </p:spPr>
+          <p:style>
+            <a:lnRef idx="1">
+              <a:schemeClr val="accent1"/>
+            </a:lnRef>
+            <a:fillRef idx="0">
+              <a:schemeClr val="accent1"/>
+            </a:fillRef>
+            <a:effectRef idx="0">
+              <a:schemeClr val="accent1"/>
+            </a:effectRef>
+            <a:fontRef idx="minor">
+              <a:schemeClr val="tx1"/>
+            </a:fontRef>
+          </p:style>
+        </p:cxnSp>
+      </p:grpSp>
+      <p:grpSp>
+        <p:nvGrpSpPr>
+          <p:cNvPr id="14" name="Group 13"/>
+          <p:cNvGrpSpPr/>
+          <p:nvPr/>
+        </p:nvGrpSpPr>
+        <p:grpSpPr>
+          <a:xfrm>
+            <a:off x="2536723" y="1702733"/>
+            <a:ext cx="2452647" cy="715548"/>
+            <a:chOff x="564221" y="2790404"/>
+            <a:chExt cx="2452647" cy="715548"/>
+          </a:xfrm>
+        </p:grpSpPr>
+        <p:sp>
+          <p:nvSpPr>
+            <p:cNvPr id="15" name="TextBox 14"/>
+            <p:cNvSpPr txBox="1"/>
+            <p:nvPr/>
+          </p:nvSpPr>
+          <p:spPr>
+            <a:xfrm>
+              <a:off x="1748722" y="2790404"/>
+              <a:ext cx="1268146" cy="400110"/>
+            </a:xfrm>
+            <a:prstGeom prst="rect">
+              <a:avLst/>
+            </a:prstGeom>
+            <a:solidFill>
+              <a:schemeClr val="bg1"/>
+            </a:solidFill>
+            <a:ln w="19050">
+              <a:solidFill>
+                <a:schemeClr val="tx1"/>
+              </a:solidFill>
+            </a:ln>
+          </p:spPr>
+          <p:txBody>
+            <a:bodyPr wrap="square" rtlCol="0">
+              <a:spAutoFit/>
+            </a:bodyPr>
+            <a:lstStyle/>
+            <a:p>
+              <a:r>
+                <a:rPr lang="en-US" sz="2000" dirty="0" smtClean="0"/>
+                <a:t>child class</a:t>
+              </a:r>
+              <a:endParaRPr lang="en-US" sz="2000" dirty="0">
+                <a:latin typeface="Courier New" panose="02070309020205020404" pitchFamily="49" charset="0"/>
+                <a:cs typeface="Courier New" panose="02070309020205020404" pitchFamily="49" charset="0"/>
+              </a:endParaRPr>
+            </a:p>
+          </p:txBody>
+        </p:sp>
+        <p:cxnSp>
+          <p:nvCxnSpPr>
+            <p:cNvPr id="16" name="Straight Arrow Connector 15"/>
+            <p:cNvCxnSpPr>
+              <a:stCxn id="15" idx="1"/>
+            </p:cNvCxnSpPr>
+            <p:nvPr/>
+          </p:nvCxnSpPr>
+          <p:spPr>
+            <a:xfrm flipH="1">
+              <a:off x="564221" y="2990459"/>
+              <a:ext cx="1184501" cy="515493"/>
+            </a:xfrm>
+            <a:prstGeom prst="straightConnector1">
+              <a:avLst/>
+            </a:prstGeom>
+            <a:ln w="19050">
+              <a:solidFill>
+                <a:schemeClr val="tx1"/>
+              </a:solidFill>
+              <a:tailEnd type="stealth" w="lg" len="lg"/>
+            </a:ln>
+          </p:spPr>
+          <p:style>
+            <a:lnRef idx="1">
+              <a:schemeClr val="accent1"/>
+            </a:lnRef>
+            <a:fillRef idx="0">
+              <a:schemeClr val="accent1"/>
+            </a:fillRef>
+            <a:effectRef idx="0">
+              <a:schemeClr val="accent1"/>
+            </a:effectRef>
+            <a:fontRef idx="minor">
+              <a:schemeClr val="tx1"/>
+            </a:fontRef>
+          </p:style>
+        </p:cxnSp>
+      </p:grpSp>
+      <p:grpSp>
+        <p:nvGrpSpPr>
+          <p:cNvPr id="21" name="Group 20"/>
+          <p:cNvGrpSpPr/>
+          <p:nvPr/>
+        </p:nvGrpSpPr>
+        <p:grpSpPr>
+          <a:xfrm>
+            <a:off x="4306529" y="2848707"/>
+            <a:ext cx="4100052" cy="707886"/>
+            <a:chOff x="116351" y="2823085"/>
+            <a:chExt cx="4100052" cy="707886"/>
+          </a:xfrm>
+        </p:grpSpPr>
+        <p:sp>
+          <p:nvSpPr>
+            <p:cNvPr id="22" name="TextBox 21"/>
+            <p:cNvSpPr txBox="1"/>
+            <p:nvPr/>
+          </p:nvSpPr>
+          <p:spPr>
+            <a:xfrm>
+              <a:off x="2285917" y="2823085"/>
+              <a:ext cx="1930486" cy="707886"/>
+            </a:xfrm>
+            <a:prstGeom prst="rect">
+              <a:avLst/>
+            </a:prstGeom>
+            <a:solidFill>
+              <a:schemeClr val="bg1"/>
+            </a:solidFill>
+            <a:ln w="19050">
+              <a:solidFill>
+                <a:schemeClr val="tx1"/>
+              </a:solidFill>
+            </a:ln>
+          </p:spPr>
+          <p:txBody>
+            <a:bodyPr wrap="square" rtlCol="0">
+              <a:spAutoFit/>
+            </a:bodyPr>
+            <a:lstStyle/>
+            <a:p>
+              <a:r>
+                <a:rPr lang="en-US" sz="2000" dirty="0" smtClean="0"/>
+                <a:t>also has parent's attributes</a:t>
+              </a:r>
+              <a:endParaRPr lang="en-US" sz="2000" dirty="0">
+                <a:latin typeface="Courier New" panose="02070309020205020404" pitchFamily="49" charset="0"/>
+                <a:cs typeface="Courier New" panose="02070309020205020404" pitchFamily="49" charset="0"/>
+              </a:endParaRPr>
+            </a:p>
+          </p:txBody>
+        </p:sp>
+        <p:cxnSp>
+          <p:nvCxnSpPr>
+            <p:cNvPr id="23" name="Straight Arrow Connector 22"/>
+            <p:cNvCxnSpPr>
+              <a:stCxn id="22" idx="1"/>
+            </p:cNvCxnSpPr>
+            <p:nvPr/>
+          </p:nvCxnSpPr>
+          <p:spPr>
+            <a:xfrm flipH="1" flipV="1">
+              <a:off x="116351" y="3091204"/>
+              <a:ext cx="2169566" cy="85824"/>
+            </a:xfrm>
+            <a:prstGeom prst="straightConnector1">
+              <a:avLst/>
+            </a:prstGeom>
+            <a:ln w="19050">
+              <a:solidFill>
+                <a:schemeClr val="tx1"/>
+              </a:solidFill>
+              <a:tailEnd type="stealth" w="lg" len="lg"/>
+            </a:ln>
+          </p:spPr>
+          <p:style>
+            <a:lnRef idx="1">
+              <a:schemeClr val="accent1"/>
+            </a:lnRef>
+            <a:fillRef idx="0">
+              <a:schemeClr val="accent1"/>
+            </a:fillRef>
+            <a:effectRef idx="0">
+              <a:schemeClr val="accent1"/>
+            </a:effectRef>
+            <a:fontRef idx="minor">
+              <a:schemeClr val="tx1"/>
+            </a:fontRef>
+          </p:style>
+        </p:cxnSp>
+      </p:grpSp>
+      <p:grpSp>
+        <p:nvGrpSpPr>
+          <p:cNvPr id="26" name="Group 25"/>
+          <p:cNvGrpSpPr/>
+          <p:nvPr/>
+        </p:nvGrpSpPr>
+        <p:grpSpPr>
+          <a:xfrm>
+            <a:off x="5484945" y="3691529"/>
+            <a:ext cx="2921636" cy="707886"/>
+            <a:chOff x="868400" y="2823085"/>
+            <a:chExt cx="2921636" cy="707886"/>
+          </a:xfrm>
+        </p:grpSpPr>
+        <p:sp>
+          <p:nvSpPr>
+            <p:cNvPr id="27" name="TextBox 26"/>
+            <p:cNvSpPr txBox="1"/>
+            <p:nvPr/>
+          </p:nvSpPr>
+          <p:spPr>
+            <a:xfrm>
+              <a:off x="2285917" y="2823085"/>
+              <a:ext cx="1504119" cy="707886"/>
+            </a:xfrm>
+            <a:prstGeom prst="rect">
+              <a:avLst/>
+            </a:prstGeom>
+            <a:solidFill>
+              <a:schemeClr val="bg1"/>
+            </a:solidFill>
+            <a:ln w="19050">
+              <a:solidFill>
+                <a:schemeClr val="tx1"/>
+              </a:solidFill>
+            </a:ln>
+          </p:spPr>
+          <p:txBody>
+            <a:bodyPr wrap="square" rtlCol="0">
+              <a:spAutoFit/>
+            </a:bodyPr>
+            <a:lstStyle/>
+            <a:p>
+              <a:r>
+                <a:rPr lang="en-US" sz="2000" dirty="0" smtClean="0"/>
+                <a:t>parent's constructor</a:t>
+              </a:r>
+              <a:endParaRPr lang="en-US" sz="2000" dirty="0">
+                <a:latin typeface="Courier New" panose="02070309020205020404" pitchFamily="49" charset="0"/>
+                <a:cs typeface="Courier New" panose="02070309020205020404" pitchFamily="49" charset="0"/>
+              </a:endParaRPr>
+            </a:p>
+          </p:txBody>
+        </p:sp>
+        <p:cxnSp>
+          <p:nvCxnSpPr>
+            <p:cNvPr id="28" name="Straight Arrow Connector 27"/>
+            <p:cNvCxnSpPr>
+              <a:stCxn id="27" idx="1"/>
+            </p:cNvCxnSpPr>
+            <p:nvPr/>
+          </p:nvCxnSpPr>
+          <p:spPr>
+            <a:xfrm flipH="1">
+              <a:off x="868400" y="3177028"/>
+              <a:ext cx="1417517" cy="209666"/>
+            </a:xfrm>
+            <a:prstGeom prst="straightConnector1">
+              <a:avLst/>
+            </a:prstGeom>
+            <a:ln w="19050">
+              <a:solidFill>
+                <a:schemeClr val="tx1"/>
+              </a:solidFill>
+              <a:tailEnd type="stealth" w="lg" len="lg"/>
+            </a:ln>
+          </p:spPr>
+          <p:style>
+            <a:lnRef idx="1">
+              <a:schemeClr val="accent1"/>
+            </a:lnRef>
+            <a:fillRef idx="0">
+              <a:schemeClr val="accent1"/>
+            </a:fillRef>
+            <a:effectRef idx="0">
+              <a:schemeClr val="accent1"/>
+            </a:effectRef>
+            <a:fontRef idx="minor">
+              <a:schemeClr val="tx1"/>
+            </a:fontRef>
+          </p:style>
+        </p:cxnSp>
+      </p:grpSp>
+      <p:grpSp>
+        <p:nvGrpSpPr>
+          <p:cNvPr id="30" name="Group 29"/>
+          <p:cNvGrpSpPr/>
+          <p:nvPr/>
+        </p:nvGrpSpPr>
+        <p:grpSpPr>
+          <a:xfrm>
+            <a:off x="6190123" y="4534351"/>
+            <a:ext cx="2212878" cy="707886"/>
+            <a:chOff x="2003525" y="2823085"/>
+            <a:chExt cx="2212878" cy="707886"/>
+          </a:xfrm>
+        </p:grpSpPr>
+        <p:sp>
+          <p:nvSpPr>
+            <p:cNvPr id="31" name="TextBox 30"/>
+            <p:cNvSpPr txBox="1"/>
+            <p:nvPr/>
+          </p:nvSpPr>
+          <p:spPr>
+            <a:xfrm>
+              <a:off x="2285917" y="2823085"/>
+              <a:ext cx="1930486" cy="707886"/>
+            </a:xfrm>
+            <a:prstGeom prst="rect">
+              <a:avLst/>
+            </a:prstGeom>
+            <a:solidFill>
+              <a:schemeClr val="bg1"/>
+            </a:solidFill>
+            <a:ln w="19050">
+              <a:solidFill>
+                <a:schemeClr val="tx1"/>
+              </a:solidFill>
+            </a:ln>
+          </p:spPr>
+          <p:txBody>
+            <a:bodyPr wrap="square" rtlCol="0">
+              <a:spAutoFit/>
+            </a:bodyPr>
+            <a:lstStyle/>
+            <a:p>
+              <a:r>
+                <a:rPr lang="en-US" sz="2000" dirty="0" smtClean="0"/>
+                <a:t>also has parent's methods</a:t>
+              </a:r>
+              <a:endParaRPr lang="en-US" sz="2000" dirty="0">
+                <a:latin typeface="Courier New" panose="02070309020205020404" pitchFamily="49" charset="0"/>
+                <a:cs typeface="Courier New" panose="02070309020205020404" pitchFamily="49" charset="0"/>
+              </a:endParaRPr>
+            </a:p>
+          </p:txBody>
+        </p:sp>
+        <p:cxnSp>
+          <p:nvCxnSpPr>
+            <p:cNvPr id="32" name="Straight Arrow Connector 31"/>
+            <p:cNvCxnSpPr>
+              <a:stCxn id="31" idx="1"/>
+            </p:cNvCxnSpPr>
+            <p:nvPr/>
+          </p:nvCxnSpPr>
+          <p:spPr>
+            <a:xfrm flipH="1">
+              <a:off x="2003525" y="3177028"/>
+              <a:ext cx="282392" cy="0"/>
+            </a:xfrm>
+            <a:prstGeom prst="straightConnector1">
+              <a:avLst/>
+            </a:prstGeom>
+            <a:ln w="19050">
+              <a:solidFill>
+                <a:schemeClr val="tx1"/>
+              </a:solidFill>
+              <a:tailEnd type="stealth" w="lg" len="lg"/>
+            </a:ln>
+          </p:spPr>
+          <p:style>
+            <a:lnRef idx="1">
+              <a:schemeClr val="accent1"/>
+            </a:lnRef>
+            <a:fillRef idx="0">
+              <a:schemeClr val="accent1"/>
+            </a:fillRef>
+            <a:effectRef idx="0">
+              <a:schemeClr val="accent1"/>
+            </a:effectRef>
+            <a:fontRef idx="minor">
+              <a:schemeClr val="tx1"/>
+            </a:fontRef>
+          </p:style>
+        </p:cxnSp>
+      </p:grpSp>
+    </p:spTree>
+    <p:extLst>
+      <p:ext uri="{BB962C8B-B14F-4D97-AF65-F5344CB8AC3E}">
+        <p14:creationId xmlns:p14="http://schemas.microsoft.com/office/powerpoint/2010/main" val="3191193573"/>
+      </p:ext>
+    </p:extLst>
+  </p:cSld>
+  <p:clrMapOvr>
+    <a:masterClrMapping/>
+  </p:clrMapOvr>
+  <p:timing>
+    <p:tnLst>
+      <p:par>
+        <p:cTn id="1" dur="indefinite" restart="never" nodeType="tmRoot">
+          <p:childTnLst>
+            <p:seq concurrent="1" nextAc="seek">
+              <p:cTn id="2" dur="indefinite" nodeType="mainSeq">
+                <p:childTnLst>
+                  <p:par>
+                    <p:cTn id="3" fill="hold">
+                      <p:stCondLst>
+                        <p:cond delay="indefinite"/>
+                      </p:stCondLst>
+                      <p:childTnLst>
+                        <p:par>
+                          <p:cTn id="4" fill="hold">
+                            <p:stCondLst>
+                              <p:cond delay="0"/>
+                            </p:stCondLst>
+                            <p:childTnLst>
+                              <p:par>
+                                <p:cTn id="5" presetID="1" presetClass="entr" presetSubtype="0" fill="hold" nodeType="clickEffect">
+                                  <p:stCondLst>
+                                    <p:cond delay="0"/>
+                                  </p:stCondLst>
+                                  <p:childTnLst>
+                                    <p:set>
+                                      <p:cBhvr>
+                                        <p:cTn id="6" dur="1" fill="hold">
+                                          <p:stCondLst>
+                                            <p:cond delay="0"/>
+                                          </p:stCondLst>
+                                        </p:cTn>
+                                        <p:tgtEl>
+                                          <p:spTgt spid="14"/>
+                                        </p:tgtEl>
+                                        <p:attrNameLst>
+                                          <p:attrName>style.visibility</p:attrName>
+                                        </p:attrNameLst>
+                                      </p:cBhvr>
+                                      <p:to>
+                                        <p:strVal val="visible"/>
+                                      </p:to>
+                                    </p:set>
+                                  </p:childTnLst>
+                                </p:cTn>
+                              </p:par>
+                            </p:childTnLst>
+                          </p:cTn>
+                        </p:par>
+                      </p:childTnLst>
+                    </p:cTn>
+                  </p:par>
+                  <p:par>
+                    <p:cTn id="7" fill="hold">
+                      <p:stCondLst>
+                        <p:cond delay="indefinite"/>
+                      </p:stCondLst>
+                      <p:childTnLst>
+                        <p:par>
+                          <p:cTn id="8" fill="hold">
+                            <p:stCondLst>
+                              <p:cond delay="0"/>
+                            </p:stCondLst>
+                            <p:childTnLst>
+                              <p:par>
+                                <p:cTn id="9" presetID="1" presetClass="entr" presetSubtype="0" fill="hold" nodeType="clickEffect">
+                                  <p:stCondLst>
+                                    <p:cond delay="0"/>
+                                  </p:stCondLst>
+                                  <p:childTnLst>
+                                    <p:set>
+                                      <p:cBhvr>
+                                        <p:cTn id="10" dur="1" fill="hold">
+                                          <p:stCondLst>
+                                            <p:cond delay="0"/>
+                                          </p:stCondLst>
+                                        </p:cTn>
+                                        <p:tgtEl>
+                                          <p:spTgt spid="8"/>
+                                        </p:tgtEl>
+                                        <p:attrNameLst>
+                                          <p:attrName>style.visibility</p:attrName>
+                                        </p:attrNameLst>
+                                      </p:cBhvr>
+                                      <p:to>
+                                        <p:strVal val="visible"/>
+                                      </p:to>
+                                    </p:set>
+                                  </p:childTnLst>
+                                </p:cTn>
+                              </p:par>
+                            </p:childTnLst>
+                          </p:cTn>
+                        </p:par>
+                      </p:childTnLst>
+                    </p:cTn>
+                  </p:par>
+                  <p:par>
+                    <p:cTn id="11" fill="hold">
+                      <p:stCondLst>
+                        <p:cond delay="indefinite"/>
+                      </p:stCondLst>
+                      <p:childTnLst>
+                        <p:par>
+                          <p:cTn id="12" fill="hold">
+                            <p:stCondLst>
+                              <p:cond delay="0"/>
+                            </p:stCondLst>
+                            <p:childTnLst>
+                              <p:par>
+                                <p:cTn id="13" presetID="1" presetClass="entr" presetSubtype="0" fill="hold" nodeType="clickEffect">
+                                  <p:stCondLst>
+                                    <p:cond delay="0"/>
+                                  </p:stCondLst>
+                                  <p:childTnLst>
+                                    <p:set>
+                                      <p:cBhvr>
+                                        <p:cTn id="14" dur="1" fill="hold">
+                                          <p:stCondLst>
+                                            <p:cond delay="0"/>
+                                          </p:stCondLst>
+                                        </p:cTn>
+                                        <p:tgtEl>
+                                          <p:spTgt spid="21"/>
+                                        </p:tgtEl>
+                                        <p:attrNameLst>
+                                          <p:attrName>style.visibility</p:attrName>
+                                        </p:attrNameLst>
+                                      </p:cBhvr>
+                                      <p:to>
+                                        <p:strVal val="visible"/>
+                                      </p:to>
+                                    </p:set>
+                                  </p:childTnLst>
+                                </p:cTn>
+                              </p:par>
+                            </p:childTnLst>
+                          </p:cTn>
+                        </p:par>
+                      </p:childTnLst>
+                    </p:cTn>
+                  </p:par>
+                  <p:par>
+                    <p:cTn id="15" fill="hold">
+                      <p:stCondLst>
+                        <p:cond delay="indefinite"/>
+                      </p:stCondLst>
+                      <p:childTnLst>
+                        <p:par>
+                          <p:cTn id="16" fill="hold">
+                            <p:stCondLst>
+                              <p:cond delay="0"/>
+                            </p:stCondLst>
+                            <p:childTnLst>
+                              <p:par>
+                                <p:cTn id="17" presetID="1" presetClass="entr" presetSubtype="0" fill="hold" nodeType="clickEffect">
+                                  <p:stCondLst>
+                                    <p:cond delay="0"/>
+                                  </p:stCondLst>
+                                  <p:childTnLst>
+                                    <p:set>
+                                      <p:cBhvr>
+                                        <p:cTn id="18" dur="1" fill="hold">
+                                          <p:stCondLst>
+                                            <p:cond delay="0"/>
+                                          </p:stCondLst>
+                                        </p:cTn>
+                                        <p:tgtEl>
+                                          <p:spTgt spid="26"/>
+                                        </p:tgtEl>
+                                        <p:attrNameLst>
+                                          <p:attrName>style.visibility</p:attrName>
+                                        </p:attrNameLst>
+                                      </p:cBhvr>
+                                      <p:to>
+                                        <p:strVal val="visible"/>
+                                      </p:to>
+                                    </p:set>
+                                  </p:childTnLst>
+                                </p:cTn>
+                              </p:par>
+                            </p:childTnLst>
+                          </p:cTn>
+                        </p:par>
+                      </p:childTnLst>
+                    </p:cTn>
+                  </p:par>
+                  <p:par>
+                    <p:cTn id="19" fill="hold">
+                      <p:stCondLst>
+                        <p:cond delay="indefinite"/>
+                      </p:stCondLst>
+                      <p:childTnLst>
+                        <p:par>
+                          <p:cTn id="20" fill="hold">
+                            <p:stCondLst>
+                              <p:cond delay="0"/>
+                            </p:stCondLst>
+                            <p:childTnLst>
+                              <p:par>
+                                <p:cTn id="21" presetID="1" presetClass="entr" presetSubtype="0" fill="hold" nodeType="clickEffect">
+                                  <p:stCondLst>
+                                    <p:cond delay="0"/>
+                                  </p:stCondLst>
+                                  <p:childTnLst>
+                                    <p:set>
+                                      <p:cBhvr>
+                                        <p:cTn id="22" dur="1" fill="hold">
+                                          <p:stCondLst>
+                                            <p:cond delay="0"/>
+                                          </p:stCondLst>
+                                        </p:cTn>
+                                        <p:tgtEl>
+                                          <p:spTgt spid="30"/>
+                                        </p:tgtEl>
+                                        <p:attrNameLst>
+                                          <p:attrName>style.visibility</p:attrName>
+                                        </p:attrNameLst>
+                                      </p:cBhvr>
+                                      <p:to>
+                                        <p:strVal val="visible"/>
+                                      </p:to>
+                                    </p:set>
+                                  </p:childTnLst>
+                                </p:cTn>
+                              </p:par>
+                            </p:childTnLst>
+                          </p:cTn>
+                        </p:par>
+                      </p:childTnLst>
+                    </p:cTn>
+                  </p:par>
+                </p:childTnLst>
+              </p:cTn>
+              <p:prevCondLst>
+                <p:cond evt="onPrev" delay="0">
+                  <p:tgtEl>
+                    <p:sldTgt/>
+                  </p:tgtEl>
+                </p:cond>
+              </p:prevCondLst>
+              <p:nextCondLst>
+                <p:cond evt="onNext" delay="0">
+                  <p:tgtEl>
+                    <p:sldTgt/>
+                  </p:tgtEl>
+                </p:cond>
+              </p:nextCondLst>
+            </p:seq>
+          </p:childTnLst>
+        </p:cTn>
+      </p:par>
+    </p:tnLst>
+  </p:timing>
+</p:sld>
+</file>
+
+<file path=ppt/slides/slide7.xml><?xml version="1.0" encoding="utf-8"?>
+<p:sld xmlns:a="http://schemas.openxmlformats.org/drawingml/2006/main" xmlns:r="http://schemas.openxmlformats.org/officeDocument/2006/relationships" xmlns:p="http://schemas.openxmlformats.org/presentationml/2006/main">
+  <p:cSld>
+    <p:spTree>
+      <p:nvGrpSpPr>
+        <p:cNvPr id="1" name=""/>
+        <p:cNvGrpSpPr/>
+        <p:nvPr/>
+      </p:nvGrpSpPr>
+      <p:grpSpPr>
+        <a:xfrm>
+          <a:off x="0" y="0"/>
+          <a:ext cx="0" cy="0"/>
+          <a:chOff x="0" y="0"/>
+          <a:chExt cx="0" cy="0"/>
+        </a:xfrm>
+      </p:grpSpPr>
+      <p:sp>
+        <p:nvSpPr>
+          <p:cNvPr id="2" name="Title 1"/>
+          <p:cNvSpPr>
+            <a:spLocks noGrp="1"/>
+          </p:cNvSpPr>
+          <p:nvPr>
+            <p:ph type="title"/>
+          </p:nvPr>
+        </p:nvSpPr>
+        <p:spPr/>
+        <p:txBody>
+          <a:bodyPr/>
+          <a:lstStyle/>
+          <a:p>
+            <a:r>
+              <a:rPr lang="en-US" dirty="0" smtClean="0"/>
+              <a:t>Implementation: caveat</a:t>
+            </a:r>
+            <a:endParaRPr lang="en-US" dirty="0"/>
+          </a:p>
+        </p:txBody>
+      </p:sp>
+      <p:sp>
+        <p:nvSpPr>
+          <p:cNvPr id="3" name="Slide Number Placeholder 2"/>
+          <p:cNvSpPr>
+            <a:spLocks noGrp="1"/>
+          </p:cNvSpPr>
+          <p:nvPr>
+            <p:ph type="sldNum" sz="quarter" idx="12"/>
+          </p:nvPr>
+        </p:nvSpPr>
+        <p:spPr/>
+        <p:txBody>
+          <a:bodyPr/>
+          <a:lstStyle/>
+          <a:p>
+            <a:fld id="{9CEF4966-5219-4577-B301-14467D565841}" type="slidenum">
+              <a:rPr lang="en-US" smtClean="0"/>
+              <a:t>7</a:t>
+            </a:fld>
+            <a:endParaRPr lang="en-US"/>
+          </a:p>
+        </p:txBody>
+      </p:sp>
+      <p:grpSp>
+        <p:nvGrpSpPr>
+          <p:cNvPr id="4" name="Group 3"/>
+          <p:cNvGrpSpPr/>
+          <p:nvPr/>
+        </p:nvGrpSpPr>
+        <p:grpSpPr>
+          <a:xfrm>
+            <a:off x="628650" y="1907006"/>
+            <a:ext cx="6961853" cy="1077218"/>
+            <a:chOff x="628650" y="1690689"/>
+            <a:chExt cx="6961853" cy="1077218"/>
+          </a:xfrm>
+        </p:grpSpPr>
+        <p:sp>
+          <p:nvSpPr>
+            <p:cNvPr id="5" name="TextBox 4"/>
+            <p:cNvSpPr txBox="1"/>
+            <p:nvPr/>
+          </p:nvSpPr>
+          <p:spPr>
+            <a:xfrm>
+              <a:off x="628650" y="1690689"/>
+              <a:ext cx="6961853" cy="1077218"/>
+            </a:xfrm>
+            <a:prstGeom prst="rect">
+              <a:avLst/>
+            </a:prstGeom>
+            <a:solidFill>
+              <a:schemeClr val="bg1">
+                <a:lumMod val="75000"/>
+              </a:schemeClr>
+            </a:solidFill>
+          </p:spPr>
+          <p:txBody>
+            <a:bodyPr wrap="square" rtlCol="0">
+              <a:spAutoFit/>
+            </a:bodyPr>
+            <a:lstStyle/>
+            <a:p>
+              <a:r>
+                <a:rPr lang="nn-NO" sz="1600" dirty="0" smtClean="0">
+                  <a:latin typeface="Courier New" pitchFamily="49" charset="0"/>
+                  <a:cs typeface="Courier New" pitchFamily="49" charset="0"/>
+                </a:rPr>
+                <a:t>void Particle::move(double delta_t) {</a:t>
+              </a:r>
+            </a:p>
+            <a:p>
+              <a:r>
+                <a:rPr lang="nn-NO" sz="1600" dirty="0">
+                  <a:latin typeface="Courier New" pitchFamily="49" charset="0"/>
+                  <a:cs typeface="Courier New" pitchFamily="49" charset="0"/>
+                </a:rPr>
+                <a:t> </a:t>
+              </a:r>
+              <a:r>
+                <a:rPr lang="nn-NO" sz="1600" dirty="0" smtClean="0">
+                  <a:latin typeface="Courier New" pitchFamily="49" charset="0"/>
+                  <a:cs typeface="Courier New" pitchFamily="49" charset="0"/>
+                </a:rPr>
+                <a:t>   </a:t>
+              </a:r>
+              <a:r>
+                <a:rPr lang="nn-NO" sz="1600" b="1" dirty="0" smtClean="0">
+                  <a:solidFill>
+                    <a:srgbClr val="C00000"/>
+                  </a:solidFill>
+                  <a:latin typeface="Courier New" pitchFamily="49" charset="0"/>
+                  <a:cs typeface="Courier New" pitchFamily="49" charset="0"/>
+                </a:rPr>
+                <a:t>_x</a:t>
+              </a:r>
+              <a:r>
+                <a:rPr lang="nn-NO" sz="1600" dirty="0" smtClean="0">
+                  <a:latin typeface="Courier New" pitchFamily="49" charset="0"/>
+                  <a:cs typeface="Courier New" pitchFamily="49" charset="0"/>
+                </a:rPr>
+                <a:t> += _v_x*delta_t;</a:t>
+              </a:r>
+            </a:p>
+            <a:p>
+              <a:r>
+                <a:rPr lang="nn-NO" sz="1600" dirty="0">
+                  <a:latin typeface="Courier New" pitchFamily="49" charset="0"/>
+                  <a:cs typeface="Courier New" pitchFamily="49" charset="0"/>
+                </a:rPr>
+                <a:t> </a:t>
+              </a:r>
+              <a:r>
+                <a:rPr lang="nn-NO" sz="1600" dirty="0" smtClean="0">
+                  <a:latin typeface="Courier New" pitchFamily="49" charset="0"/>
+                  <a:cs typeface="Courier New" pitchFamily="49" charset="0"/>
+                </a:rPr>
+                <a:t>   </a:t>
+              </a:r>
+              <a:r>
+                <a:rPr lang="nn-NO" sz="1600" b="1" dirty="0" smtClean="0">
+                  <a:solidFill>
+                    <a:srgbClr val="C00000"/>
+                  </a:solidFill>
+                  <a:latin typeface="Courier New" pitchFamily="49" charset="0"/>
+                  <a:cs typeface="Courier New" pitchFamily="49" charset="0"/>
+                </a:rPr>
+                <a:t>_y</a:t>
+              </a:r>
+              <a:r>
+                <a:rPr lang="nn-NO" sz="1600" dirty="0" smtClean="0">
+                  <a:latin typeface="Courier New" pitchFamily="49" charset="0"/>
+                  <a:cs typeface="Courier New" pitchFamily="49" charset="0"/>
+                </a:rPr>
+                <a:t> += _v_y*delta_t;</a:t>
+              </a:r>
+              <a:endParaRPr lang="nn-NO" sz="1600" dirty="0">
+                <a:latin typeface="Courier New" pitchFamily="49" charset="0"/>
+                <a:cs typeface="Courier New" pitchFamily="49" charset="0"/>
+              </a:endParaRPr>
+            </a:p>
+            <a:p>
+              <a:r>
+                <a:rPr lang="nn-NO" sz="1600" dirty="0" smtClean="0">
+                  <a:latin typeface="Courier New" pitchFamily="49" charset="0"/>
+                  <a:cs typeface="Courier New" pitchFamily="49" charset="0"/>
+                </a:rPr>
+                <a:t>};</a:t>
+              </a:r>
+              <a:endParaRPr lang="nn-NO" sz="1600" dirty="0">
+                <a:latin typeface="Courier New" pitchFamily="49" charset="0"/>
+                <a:cs typeface="Courier New" pitchFamily="49" charset="0"/>
+              </a:endParaRPr>
+            </a:p>
+          </p:txBody>
+        </p:sp>
+        <p:sp>
+          <p:nvSpPr>
+            <p:cNvPr id="6" name="TextBox 5"/>
+            <p:cNvSpPr txBox="1"/>
+            <p:nvPr/>
+          </p:nvSpPr>
+          <p:spPr>
+            <a:xfrm>
+              <a:off x="6290147" y="1690689"/>
+              <a:ext cx="1300356" cy="276999"/>
+            </a:xfrm>
+            <a:prstGeom prst="rect">
+              <a:avLst/>
+            </a:prstGeom>
+            <a:solidFill>
+              <a:schemeClr val="bg1"/>
+            </a:solidFill>
+            <a:ln>
+              <a:solidFill>
+                <a:schemeClr val="tx1"/>
+              </a:solidFill>
+            </a:ln>
+          </p:spPr>
+          <p:txBody>
+            <a:bodyPr wrap="none" rtlCol="0">
+              <a:spAutoFit/>
+            </a:bodyPr>
+            <a:lstStyle/>
+            <a:p>
+              <a:r>
+                <a:rPr lang="en-US" sz="1200" dirty="0" smtClean="0">
+                  <a:latin typeface="Courier New" panose="02070309020205020404" pitchFamily="49" charset="0"/>
+                  <a:cs typeface="Courier New" panose="02070309020205020404" pitchFamily="49" charset="0"/>
+                </a:rPr>
+                <a:t>particle.cpp</a:t>
+              </a:r>
+              <a:endParaRPr lang="en-US" sz="1200" dirty="0">
+                <a:latin typeface="Courier New" panose="02070309020205020404" pitchFamily="49" charset="0"/>
+                <a:cs typeface="Courier New" panose="02070309020205020404" pitchFamily="49" charset="0"/>
+              </a:endParaRPr>
+            </a:p>
+          </p:txBody>
+        </p:sp>
+      </p:grpSp>
+      <p:sp>
+        <p:nvSpPr>
+          <p:cNvPr id="7" name="TextBox 6"/>
+          <p:cNvSpPr txBox="1"/>
+          <p:nvPr/>
+        </p:nvSpPr>
+        <p:spPr>
+          <a:xfrm>
+            <a:off x="2762864" y="2819747"/>
+            <a:ext cx="4151649" cy="830997"/>
+          </a:xfrm>
+          <a:prstGeom prst="rect">
+            <a:avLst/>
+          </a:prstGeom>
+          <a:solidFill>
+            <a:schemeClr val="bg1"/>
+          </a:solidFill>
+          <a:ln>
+            <a:solidFill>
+              <a:schemeClr val="tx1"/>
+            </a:solidFill>
+          </a:ln>
+        </p:spPr>
+        <p:txBody>
+          <a:bodyPr wrap="none" rtlCol="0">
+            <a:spAutoFit/>
+          </a:bodyPr>
+          <a:lstStyle/>
+          <a:p>
+            <a:r>
+              <a:rPr lang="en-US" sz="2400" dirty="0" smtClean="0"/>
+              <a:t>Problem: </a:t>
+            </a:r>
+            <a:r>
+              <a:rPr lang="en-US" sz="2400" dirty="0" smtClean="0">
+                <a:latin typeface="Courier New" panose="02070309020205020404" pitchFamily="49" charset="0"/>
+                <a:cs typeface="Courier New" panose="02070309020205020404" pitchFamily="49" charset="0"/>
+              </a:rPr>
+              <a:t>_x</a:t>
+            </a:r>
+            <a:r>
+              <a:rPr lang="en-US" sz="2400" dirty="0" smtClean="0"/>
+              <a:t> and </a:t>
+            </a:r>
+            <a:r>
+              <a:rPr lang="en-US" sz="2400" dirty="0" smtClean="0">
+                <a:latin typeface="Courier New" panose="02070309020205020404" pitchFamily="49" charset="0"/>
+                <a:cs typeface="Courier New" panose="02070309020205020404" pitchFamily="49" charset="0"/>
+              </a:rPr>
+              <a:t>_y</a:t>
+            </a:r>
+            <a:r>
+              <a:rPr lang="en-US" sz="2400" dirty="0" smtClean="0"/>
+              <a:t> are private</a:t>
+            </a:r>
+            <a:br>
+              <a:rPr lang="en-US" sz="2400" dirty="0" smtClean="0"/>
+            </a:br>
+            <a:r>
+              <a:rPr lang="en-US" sz="2400" dirty="0" smtClean="0"/>
+              <a:t>to </a:t>
+            </a:r>
+            <a:r>
+              <a:rPr lang="en-US" sz="2400" dirty="0" err="1" smtClean="0">
+                <a:latin typeface="Courier New" panose="02070309020205020404" pitchFamily="49" charset="0"/>
+                <a:cs typeface="Courier New" panose="02070309020205020404" pitchFamily="49" charset="0"/>
+              </a:rPr>
+              <a:t>StaticParticle</a:t>
+            </a:r>
+            <a:r>
+              <a:rPr lang="en-US" sz="2400" dirty="0" smtClean="0"/>
+              <a:t>!</a:t>
+            </a:r>
+            <a:endParaRPr lang="en-US" sz="2400" dirty="0"/>
+          </a:p>
+        </p:txBody>
+      </p:sp>
+      <p:grpSp>
+        <p:nvGrpSpPr>
+          <p:cNvPr id="8" name="Group 7"/>
+          <p:cNvGrpSpPr/>
+          <p:nvPr/>
+        </p:nvGrpSpPr>
+        <p:grpSpPr>
+          <a:xfrm>
+            <a:off x="628650" y="4060266"/>
+            <a:ext cx="6961853" cy="1323439"/>
+            <a:chOff x="628650" y="1690689"/>
+            <a:chExt cx="6961853" cy="1323439"/>
+          </a:xfrm>
+        </p:grpSpPr>
+        <p:sp>
+          <p:nvSpPr>
+            <p:cNvPr id="9" name="TextBox 8"/>
+            <p:cNvSpPr txBox="1"/>
+            <p:nvPr/>
+          </p:nvSpPr>
+          <p:spPr>
+            <a:xfrm>
+              <a:off x="628650" y="1690689"/>
+              <a:ext cx="6961853" cy="1323439"/>
+            </a:xfrm>
+            <a:prstGeom prst="rect">
+              <a:avLst/>
+            </a:prstGeom>
+            <a:solidFill>
+              <a:schemeClr val="bg1">
+                <a:lumMod val="75000"/>
+              </a:schemeClr>
+            </a:solidFill>
+          </p:spPr>
+          <p:txBody>
+            <a:bodyPr wrap="square" rtlCol="0">
+              <a:spAutoFit/>
+            </a:bodyPr>
+            <a:lstStyle/>
+            <a:p>
+              <a:r>
+                <a:rPr lang="nn-NO" sz="1600" dirty="0" smtClean="0">
+                  <a:latin typeface="Courier New" pitchFamily="49" charset="0"/>
+                  <a:cs typeface="Courier New" pitchFamily="49" charset="0"/>
+                </a:rPr>
+                <a:t>class </a:t>
+              </a:r>
+              <a:r>
+                <a:rPr lang="nn-NO" sz="1600" dirty="0" smtClean="0">
+                  <a:latin typeface="Courier New" pitchFamily="49" charset="0"/>
+                  <a:cs typeface="Courier New" pitchFamily="49" charset="0"/>
+                </a:rPr>
+                <a:t>StaticParticle </a:t>
+              </a:r>
+              <a:r>
+                <a:rPr lang="nn-NO" sz="1600" dirty="0">
+                  <a:latin typeface="Courier New" pitchFamily="49" charset="0"/>
+                  <a:cs typeface="Courier New" pitchFamily="49" charset="0"/>
+                </a:rPr>
+                <a:t>{</a:t>
+              </a:r>
+            </a:p>
+            <a:p>
+              <a:r>
+                <a:rPr lang="nn-NO" sz="1600" dirty="0">
+                  <a:latin typeface="Courier New" pitchFamily="49" charset="0"/>
+                  <a:cs typeface="Courier New" pitchFamily="49" charset="0"/>
+                </a:rPr>
+                <a:t>    </a:t>
+              </a:r>
+              <a:r>
+                <a:rPr lang="nn-NO" sz="1600" b="1" dirty="0" smtClean="0">
+                  <a:solidFill>
+                    <a:srgbClr val="C00000"/>
+                  </a:solidFill>
+                  <a:latin typeface="Courier New" pitchFamily="49" charset="0"/>
+                  <a:cs typeface="Courier New" pitchFamily="49" charset="0"/>
+                </a:rPr>
+                <a:t>protected</a:t>
+              </a:r>
+              <a:r>
+                <a:rPr lang="nn-NO" sz="1600" dirty="0" smtClean="0">
+                  <a:latin typeface="Courier New" pitchFamily="49" charset="0"/>
+                  <a:cs typeface="Courier New" pitchFamily="49" charset="0"/>
+                </a:rPr>
+                <a:t>:</a:t>
+              </a:r>
+              <a:endParaRPr lang="nn-NO" sz="1600" dirty="0">
+                <a:latin typeface="Courier New" pitchFamily="49" charset="0"/>
+                <a:cs typeface="Courier New" pitchFamily="49" charset="0"/>
+              </a:endParaRPr>
+            </a:p>
+            <a:p>
+              <a:r>
+                <a:rPr lang="nn-NO" sz="1600" dirty="0">
+                  <a:latin typeface="Courier New" pitchFamily="49" charset="0"/>
+                  <a:cs typeface="Courier New" pitchFamily="49" charset="0"/>
+                </a:rPr>
+                <a:t>        double _x, _</a:t>
+              </a:r>
+              <a:r>
+                <a:rPr lang="nn-NO" sz="1600" dirty="0" smtClean="0">
+                  <a:latin typeface="Courier New" pitchFamily="49" charset="0"/>
+                  <a:cs typeface="Courier New" pitchFamily="49" charset="0"/>
+                </a:rPr>
+                <a:t>y, </a:t>
+              </a:r>
+              <a:r>
+                <a:rPr lang="nn-NO" sz="1600" dirty="0">
+                  <a:latin typeface="Courier New" pitchFamily="49" charset="0"/>
+                  <a:cs typeface="Courier New" pitchFamily="49" charset="0"/>
+                </a:rPr>
+                <a:t>_mass;</a:t>
+              </a:r>
+            </a:p>
+            <a:p>
+              <a:r>
+                <a:rPr lang="fr-FR" sz="1600" dirty="0" smtClean="0">
+                  <a:latin typeface="Courier New" pitchFamily="49" charset="0"/>
+                  <a:cs typeface="Courier New" pitchFamily="49" charset="0"/>
+                </a:rPr>
+                <a:t>    …</a:t>
+              </a:r>
+              <a:endParaRPr lang="nn-NO" sz="1600" dirty="0" smtClean="0">
+                <a:latin typeface="Courier New" pitchFamily="49" charset="0"/>
+                <a:cs typeface="Courier New" pitchFamily="49" charset="0"/>
+              </a:endParaRPr>
+            </a:p>
+            <a:p>
+              <a:r>
+                <a:rPr lang="nn-NO" sz="1600" dirty="0" smtClean="0">
+                  <a:latin typeface="Courier New" pitchFamily="49" charset="0"/>
+                  <a:cs typeface="Courier New" pitchFamily="49" charset="0"/>
+                </a:rPr>
+                <a:t>};</a:t>
+              </a:r>
+              <a:endParaRPr lang="nn-NO" sz="1600" dirty="0">
+                <a:latin typeface="Courier New" pitchFamily="49" charset="0"/>
+                <a:cs typeface="Courier New" pitchFamily="49" charset="0"/>
+              </a:endParaRPr>
+            </a:p>
+          </p:txBody>
+        </p:sp>
+        <p:sp>
+          <p:nvSpPr>
+            <p:cNvPr id="10" name="TextBox 9"/>
+            <p:cNvSpPr txBox="1"/>
+            <p:nvPr/>
+          </p:nvSpPr>
+          <p:spPr>
+            <a:xfrm>
+              <a:off x="5825276" y="1701758"/>
+              <a:ext cx="1765227" cy="276999"/>
+            </a:xfrm>
+            <a:prstGeom prst="rect">
+              <a:avLst/>
+            </a:prstGeom>
+            <a:solidFill>
+              <a:schemeClr val="bg1"/>
+            </a:solidFill>
+            <a:ln>
+              <a:solidFill>
+                <a:schemeClr val="tx1"/>
+              </a:solidFill>
+            </a:ln>
+          </p:spPr>
+          <p:txBody>
+            <a:bodyPr wrap="none" rtlCol="0">
+              <a:spAutoFit/>
+            </a:bodyPr>
+            <a:lstStyle/>
+            <a:p>
+              <a:r>
+                <a:rPr lang="en-US" sz="1200" dirty="0" err="1" smtClean="0">
+                  <a:latin typeface="Courier New" panose="02070309020205020404" pitchFamily="49" charset="0"/>
+                  <a:cs typeface="Courier New" panose="02070309020205020404" pitchFamily="49" charset="0"/>
+                </a:rPr>
+                <a:t>static_particle.h</a:t>
+              </a:r>
+              <a:endParaRPr lang="en-US" sz="1200" dirty="0">
+                <a:latin typeface="Courier New" panose="02070309020205020404" pitchFamily="49" charset="0"/>
+                <a:cs typeface="Courier New" panose="02070309020205020404" pitchFamily="49" charset="0"/>
+              </a:endParaRPr>
+            </a:p>
+          </p:txBody>
+        </p:sp>
+      </p:grpSp>
+      <p:grpSp>
+        <p:nvGrpSpPr>
+          <p:cNvPr id="11" name="Group 10"/>
+          <p:cNvGrpSpPr/>
+          <p:nvPr/>
+        </p:nvGrpSpPr>
+        <p:grpSpPr>
+          <a:xfrm>
+            <a:off x="2497395" y="4945627"/>
+            <a:ext cx="3165986" cy="1066969"/>
+            <a:chOff x="1050417" y="2464002"/>
+            <a:chExt cx="3165986" cy="1066969"/>
+          </a:xfrm>
+        </p:grpSpPr>
+        <p:sp>
+          <p:nvSpPr>
+            <p:cNvPr id="12" name="TextBox 11"/>
+            <p:cNvSpPr txBox="1"/>
+            <p:nvPr/>
+          </p:nvSpPr>
+          <p:spPr>
+            <a:xfrm>
+              <a:off x="2285917" y="2823085"/>
+              <a:ext cx="1930486" cy="707886"/>
+            </a:xfrm>
+            <a:prstGeom prst="rect">
+              <a:avLst/>
+            </a:prstGeom>
+            <a:solidFill>
+              <a:schemeClr val="bg1"/>
+            </a:solidFill>
+            <a:ln w="19050">
+              <a:solidFill>
+                <a:schemeClr val="tx1"/>
+              </a:solidFill>
+            </a:ln>
+          </p:spPr>
+          <p:txBody>
+            <a:bodyPr wrap="square" rtlCol="0">
+              <a:spAutoFit/>
+            </a:bodyPr>
+            <a:lstStyle/>
+            <a:p>
+              <a:r>
+                <a:rPr lang="en-US" sz="2000" dirty="0" smtClean="0"/>
+                <a:t>can be accessed</a:t>
+              </a:r>
+              <a:br>
+                <a:rPr lang="en-US" sz="2000" dirty="0" smtClean="0"/>
+              </a:br>
+              <a:r>
+                <a:rPr lang="en-US" sz="2000" dirty="0" smtClean="0"/>
+                <a:t>by descendants</a:t>
+              </a:r>
+              <a:endParaRPr lang="en-US" sz="2000" dirty="0">
+                <a:latin typeface="Courier New" panose="02070309020205020404" pitchFamily="49" charset="0"/>
+                <a:cs typeface="Courier New" panose="02070309020205020404" pitchFamily="49" charset="0"/>
+              </a:endParaRPr>
+            </a:p>
+          </p:txBody>
+        </p:sp>
+        <p:cxnSp>
+          <p:nvCxnSpPr>
+            <p:cNvPr id="13" name="Straight Arrow Connector 12"/>
+            <p:cNvCxnSpPr>
+              <a:stCxn id="12" idx="1"/>
+            </p:cNvCxnSpPr>
+            <p:nvPr/>
+          </p:nvCxnSpPr>
+          <p:spPr>
+            <a:xfrm flipH="1" flipV="1">
+              <a:off x="1050417" y="2464002"/>
+              <a:ext cx="1235500" cy="713026"/>
+            </a:xfrm>
+            <a:prstGeom prst="straightConnector1">
+              <a:avLst/>
+            </a:prstGeom>
+            <a:ln w="19050">
+              <a:solidFill>
+                <a:schemeClr val="tx1"/>
+              </a:solidFill>
+              <a:tailEnd type="stealth" w="lg" len="lg"/>
+            </a:ln>
+          </p:spPr>
+          <p:style>
+            <a:lnRef idx="1">
+              <a:schemeClr val="accent1"/>
+            </a:lnRef>
+            <a:fillRef idx="0">
+              <a:schemeClr val="accent1"/>
+            </a:fillRef>
+            <a:effectRef idx="0">
+              <a:schemeClr val="accent1"/>
+            </a:effectRef>
+            <a:fontRef idx="minor">
+              <a:schemeClr val="tx1"/>
+            </a:fontRef>
+          </p:style>
+        </p:cxnSp>
+      </p:grpSp>
+    </p:spTree>
+    <p:extLst>
+      <p:ext uri="{BB962C8B-B14F-4D97-AF65-F5344CB8AC3E}">
+        <p14:creationId xmlns:p14="http://schemas.microsoft.com/office/powerpoint/2010/main" val="1807112559"/>
+      </p:ext>
+    </p:extLst>
+  </p:cSld>
+  <p:clrMapOvr>
+    <a:masterClrMapping/>
+  </p:clrMapOvr>
+  <p:timing>
+    <p:tnLst>
+      <p:par>
+        <p:cTn id="1" dur="indefinite" restart="never" nodeType="tmRoot">
+          <p:childTnLst>
+            <p:seq concurrent="1" nextAc="seek">
+              <p:cTn id="2" dur="indefinite" nodeType="mainSeq">
+                <p:childTnLst>
+                  <p:par>
+                    <p:cTn id="3" fill="hold">
+                      <p:stCondLst>
+                        <p:cond delay="indefinite"/>
+                      </p:stCondLst>
+                      <p:childTnLst>
+                        <p:par>
+                          <p:cTn id="4" fill="hold">
+                            <p:stCondLst>
+                              <p:cond delay="0"/>
+                            </p:stCondLst>
+                            <p:childTnLst>
+                              <p:par>
+                                <p:cTn id="5" presetID="1" presetClass="entr" presetSubtype="0" fill="hold" grpId="0" nodeType="clickEffect">
+                                  <p:stCondLst>
+                                    <p:cond delay="0"/>
+                                  </p:stCondLst>
+                                  <p:childTnLst>
+                                    <p:set>
+                                      <p:cBhvr>
+                                        <p:cTn id="6" dur="1" fill="hold">
+                                          <p:stCondLst>
+                                            <p:cond delay="0"/>
+                                          </p:stCondLst>
+                                        </p:cTn>
+                                        <p:tgtEl>
+                                          <p:spTgt spid="7"/>
+                                        </p:tgtEl>
+                                        <p:attrNameLst>
+                                          <p:attrName>style.visibility</p:attrName>
+                                        </p:attrNameLst>
+                                      </p:cBhvr>
+                                      <p:to>
+                                        <p:strVal val="visible"/>
+                                      </p:to>
+                                    </p:set>
+                                  </p:childTnLst>
+                                </p:cTn>
+                              </p:par>
+                            </p:childTnLst>
+                          </p:cTn>
+                        </p:par>
+                      </p:childTnLst>
+                    </p:cTn>
+                  </p:par>
+                  <p:par>
+                    <p:cTn id="7" fill="hold">
+                      <p:stCondLst>
+                        <p:cond delay="indefinite"/>
+                      </p:stCondLst>
+                      <p:childTnLst>
+                        <p:par>
+                          <p:cTn id="8" fill="hold">
+                            <p:stCondLst>
+                              <p:cond delay="0"/>
+                            </p:stCondLst>
+                            <p:childTnLst>
+                              <p:par>
+                                <p:cTn id="9" presetID="1" presetClass="entr" presetSubtype="0" fill="hold" nodeType="clickEffect">
+                                  <p:stCondLst>
+                                    <p:cond delay="0"/>
+                                  </p:stCondLst>
+                                  <p:childTnLst>
+                                    <p:set>
+                                      <p:cBhvr>
+                                        <p:cTn id="10" dur="1" fill="hold">
+                                          <p:stCondLst>
+                                            <p:cond delay="0"/>
+                                          </p:stCondLst>
+                                        </p:cTn>
+                                        <p:tgtEl>
+                                          <p:spTgt spid="8"/>
+                                        </p:tgtEl>
+                                        <p:attrNameLst>
+                                          <p:attrName>style.visibility</p:attrName>
+                                        </p:attrNameLst>
+                                      </p:cBhvr>
+                                      <p:to>
+                                        <p:strVal val="visible"/>
+                                      </p:to>
+                                    </p:set>
+                                  </p:childTnLst>
+                                </p:cTn>
+                              </p:par>
+                            </p:childTnLst>
+                          </p:cTn>
+                        </p:par>
+                      </p:childTnLst>
+                    </p:cTn>
+                  </p:par>
+                  <p:par>
+                    <p:cTn id="11" fill="hold">
+                      <p:stCondLst>
+                        <p:cond delay="indefinite"/>
+                      </p:stCondLst>
+                      <p:childTnLst>
+                        <p:par>
+                          <p:cTn id="12" fill="hold">
+                            <p:stCondLst>
+                              <p:cond delay="0"/>
+                            </p:stCondLst>
+                            <p:childTnLst>
+                              <p:par>
+                                <p:cTn id="13" presetID="1" presetClass="entr" presetSubtype="0" fill="hold" nodeType="clickEffect">
+                                  <p:stCondLst>
+                                    <p:cond delay="0"/>
+                                  </p:stCondLst>
+                                  <p:childTnLst>
+                                    <p:set>
+                                      <p:cBhvr>
+                                        <p:cTn id="14" dur="1" fill="hold">
+                                          <p:stCondLst>
+                                            <p:cond delay="0"/>
+                                          </p:stCondLst>
+                                        </p:cTn>
+                                        <p:tgtEl>
+                                          <p:spTgt spid="11"/>
+                                        </p:tgtEl>
+                                        <p:attrNameLst>
+                                          <p:attrName>style.visibility</p:attrName>
+                                        </p:attrNameLst>
+                                      </p:cBhvr>
+                                      <p:to>
+                                        <p:strVal val="visible"/>
+                                      </p:to>
+                                    </p:set>
+                                  </p:childTnLst>
+                                </p:cTn>
+                              </p:par>
+                            </p:childTnLst>
+                          </p:cTn>
+                        </p:par>
+                      </p:childTnLst>
+                    </p:cTn>
+                  </p:par>
+                </p:childTnLst>
+              </p:cTn>
+              <p:prevCondLst>
+                <p:cond evt="onPrev" delay="0">
+                  <p:tgtEl>
+                    <p:sldTgt/>
+                  </p:tgtEl>
+                </p:cond>
+              </p:prevCondLst>
+              <p:nextCondLst>
+                <p:cond evt="onNext" delay="0">
+                  <p:tgtEl>
+                    <p:sldTgt/>
+                  </p:tgtEl>
+                </p:cond>
+              </p:nextCondLst>
+            </p:seq>
+          </p:childTnLst>
+        </p:cTn>
+      </p:par>
+    </p:tnLst>
+    <p:bldLst>
+      <p:bldP spid="7" grpId="0" animBg="1"/>
+    </p:bldLst>
+  </p:timing>
+</p:sld>
+</file>
+
+<file path=ppt/slides/slide8.xml><?xml version="1.0" encoding="utf-8"?>
+<p:sld xmlns:a="http://schemas.openxmlformats.org/drawingml/2006/main" xmlns:r="http://schemas.openxmlformats.org/officeDocument/2006/relationships" xmlns:p="http://schemas.openxmlformats.org/presentationml/2006/main">
+  <p:cSld>
+    <p:spTree>
+      <p:nvGrpSpPr>
+        <p:cNvPr id="1" name=""/>
+        <p:cNvGrpSpPr/>
+        <p:nvPr/>
+      </p:nvGrpSpPr>
+      <p:grpSpPr>
+        <a:xfrm>
+          <a:off x="0" y="0"/>
+          <a:ext cx="0" cy="0"/>
+          <a:chOff x="0" y="0"/>
+          <a:chExt cx="0" cy="0"/>
+        </a:xfrm>
+      </p:grpSpPr>
+      <p:sp>
+        <p:nvSpPr>
+          <p:cNvPr id="2" name="Title 1"/>
+          <p:cNvSpPr>
+            <a:spLocks noGrp="1"/>
+          </p:cNvSpPr>
+          <p:nvPr>
+            <p:ph type="title"/>
+          </p:nvPr>
+        </p:nvSpPr>
+        <p:spPr/>
+        <p:txBody>
+          <a:bodyPr/>
+          <a:lstStyle/>
+          <a:p>
+            <a:r>
+              <a:rPr lang="en-US" dirty="0" smtClean="0"/>
+              <a:t>Access control</a:t>
+            </a:r>
+            <a:endParaRPr lang="en-US" dirty="0"/>
+          </a:p>
+        </p:txBody>
+      </p:sp>
+      <p:sp>
+        <p:nvSpPr>
+          <p:cNvPr id="3" name="Content Placeholder 2"/>
+          <p:cNvSpPr>
+            <a:spLocks noGrp="1"/>
+          </p:cNvSpPr>
+          <p:nvPr>
+            <p:ph idx="1"/>
+          </p:nvPr>
+        </p:nvSpPr>
+        <p:spPr/>
+        <p:txBody>
+          <a:bodyPr/>
+          <a:lstStyle/>
+          <a:p>
+            <a:r>
+              <a:rPr lang="en-US" dirty="0" smtClean="0"/>
+              <a:t>For</a:t>
+            </a:r>
+          </a:p>
+          <a:p>
+            <a:pPr lvl="1"/>
+            <a:r>
+              <a:rPr lang="en-US" dirty="0" smtClean="0"/>
+              <a:t>attributes: read/modify</a:t>
+            </a:r>
+          </a:p>
+          <a:p>
+            <a:pPr lvl="1"/>
+            <a:r>
+              <a:rPr lang="en-US" dirty="0" smtClean="0"/>
+              <a:t>methods: call</a:t>
+            </a:r>
+          </a:p>
+          <a:p>
+            <a:r>
+              <a:rPr lang="en-US" dirty="0" smtClean="0"/>
+              <a:t>Levels</a:t>
+            </a:r>
+          </a:p>
+          <a:p>
+            <a:pPr lvl="1"/>
+            <a:r>
+              <a:rPr lang="en-US" dirty="0" smtClean="0">
+                <a:latin typeface="Courier New" panose="02070309020205020404" pitchFamily="49" charset="0"/>
+                <a:cs typeface="Courier New" panose="02070309020205020404" pitchFamily="49" charset="0"/>
+              </a:rPr>
+              <a:t>private</a:t>
+            </a:r>
+            <a:r>
+              <a:rPr lang="en-US" dirty="0" smtClean="0"/>
+              <a:t>: only class can access</a:t>
+            </a:r>
+          </a:p>
+          <a:p>
+            <a:pPr lvl="1"/>
+            <a:r>
+              <a:rPr lang="en-US" dirty="0" smtClean="0">
+                <a:latin typeface="Courier New" panose="02070309020205020404" pitchFamily="49" charset="0"/>
+                <a:cs typeface="Courier New" panose="02070309020205020404" pitchFamily="49" charset="0"/>
+              </a:rPr>
+              <a:t>protected</a:t>
+            </a:r>
+            <a:r>
+              <a:rPr lang="en-US" dirty="0" smtClean="0"/>
+              <a:t>: only class and descendants can access</a:t>
+            </a:r>
+          </a:p>
+          <a:p>
+            <a:pPr lvl="1"/>
+            <a:r>
+              <a:rPr lang="en-US" dirty="0" smtClean="0">
+                <a:latin typeface="Courier New" panose="02070309020205020404" pitchFamily="49" charset="0"/>
+                <a:cs typeface="Courier New" panose="02070309020205020404" pitchFamily="49" charset="0"/>
+              </a:rPr>
+              <a:t>public</a:t>
+            </a:r>
+            <a:r>
+              <a:rPr lang="en-US" dirty="0" smtClean="0"/>
+              <a:t>: everyone can access</a:t>
+            </a:r>
+          </a:p>
+        </p:txBody>
+      </p:sp>
+      <p:sp>
+        <p:nvSpPr>
+          <p:cNvPr id="4" name="Slide Number Placeholder 3"/>
+          <p:cNvSpPr>
+            <a:spLocks noGrp="1"/>
+          </p:cNvSpPr>
+          <p:nvPr>
+            <p:ph type="sldNum" sz="quarter" idx="12"/>
+          </p:nvPr>
+        </p:nvSpPr>
+        <p:spPr/>
+        <p:txBody>
+          <a:bodyPr/>
+          <a:lstStyle/>
+          <a:p>
+            <a:fld id="{9CEF4966-5219-4577-B301-14467D565841}" type="slidenum">
+              <a:rPr lang="en-US" smtClean="0"/>
+              <a:t>8</a:t>
+            </a:fld>
+            <a:endParaRPr lang="en-US"/>
+          </a:p>
+        </p:txBody>
+      </p:sp>
+      <p:sp>
+        <p:nvSpPr>
+          <p:cNvPr id="5" name="TextBox 4"/>
+          <p:cNvSpPr txBox="1"/>
+          <p:nvPr/>
+        </p:nvSpPr>
+        <p:spPr>
+          <a:xfrm>
+            <a:off x="2513263" y="5152103"/>
+            <a:ext cx="4117474" cy="523220"/>
+          </a:xfrm>
+          <a:prstGeom prst="rect">
+            <a:avLst/>
+          </a:prstGeom>
+          <a:noFill/>
+          <a:ln>
+            <a:solidFill>
+              <a:schemeClr val="tx1"/>
+            </a:solidFill>
+          </a:ln>
+        </p:spPr>
+        <p:txBody>
+          <a:bodyPr wrap="none" rtlCol="0">
+            <a:spAutoFit/>
+          </a:bodyPr>
+          <a:lstStyle/>
+          <a:p>
+            <a:r>
+              <a:rPr lang="en-US" sz="2800" dirty="0" smtClean="0"/>
+              <a:t>Be as paranoid as possible!</a:t>
+            </a:r>
+            <a:endParaRPr lang="en-US" sz="2800" dirty="0"/>
+          </a:p>
+        </p:txBody>
+      </p:sp>
+    </p:spTree>
+    <p:extLst>
+      <p:ext uri="{BB962C8B-B14F-4D97-AF65-F5344CB8AC3E}">
+        <p14:creationId xmlns:p14="http://schemas.microsoft.com/office/powerpoint/2010/main" val="2391180575"/>
+      </p:ext>
+    </p:extLst>
+  </p:cSld>
+  <p:clrMapOvr>
+    <a:masterClrMapping/>
+  </p:clrMapOvr>
+  <p:timing>
+    <p:tnLst>
+      <p:par>
+        <p:cTn id="1" dur="indefinite" restart="never" nodeType="tmRoot">
+          <p:childTnLst>
+            <p:seq concurrent="1" nextAc="seek">
+              <p:cTn id="2" dur="indefinite" nodeType="mainSeq">
+                <p:childTnLst>
+                  <p:par>
+                    <p:cTn id="3" fill="hold">
+                      <p:stCondLst>
+                        <p:cond delay="indefinite"/>
+                        <p:cond evt="onBegin" delay="0">
+                          <p:tn val="2"/>
+                        </p:cond>
+                      </p:stCondLst>
+                      <p:childTnLst>
+                        <p:par>
+                          <p:cTn id="4" fill="hold">
+                            <p:stCondLst>
+                              <p:cond delay="0"/>
+                            </p:stCondLst>
+                            <p:childTnLst>
+                              <p:par>
+                                <p:cTn id="5" presetID="1" presetClass="entr" presetSubtype="0" fill="hold" grpId="0" nodeType="withEffect">
+                                  <p:stCondLst>
+                                    <p:cond delay="0"/>
+                                  </p:stCondLst>
+                                  <p:childTnLst>
+                                    <p:set>
+                                      <p:cBhvr>
+                                        <p:cTn id="6" dur="1" fill="hold">
+                                          <p:stCondLst>
+                                            <p:cond delay="0"/>
+                                          </p:stCondLst>
+                                        </p:cTn>
+                                        <p:tgtEl>
+                                          <p:spTgt spid="3">
+                                            <p:txEl>
+                                              <p:pRg st="0" end="0"/>
+                                            </p:txEl>
+                                          </p:spTgt>
+                                        </p:tgtEl>
+                                        <p:attrNameLst>
+                                          <p:attrName>style.visibility</p:attrName>
+                                        </p:attrNameLst>
+                                      </p:cBhvr>
+                                      <p:to>
+                                        <p:strVal val="visible"/>
+                                      </p:to>
+                                    </p:set>
+                                  </p:childTnLst>
+                                </p:cTn>
+                              </p:par>
+                            </p:childTnLst>
+                          </p:cTn>
+                        </p:par>
+                      </p:childTnLst>
+                    </p:cTn>
+                  </p:par>
+                  <p:par>
+                    <p:cTn id="7" fill="hold">
+                      <p:stCondLst>
+                        <p:cond delay="indefinite"/>
+                      </p:stCondLst>
+                      <p:childTnLst>
+                        <p:par>
+                          <p:cTn id="8" fill="hold">
+                            <p:stCondLst>
+                              <p:cond delay="0"/>
+                            </p:stCondLst>
+                            <p:childTnLst>
+                              <p:par>
+                                <p:cTn id="9" presetID="1" presetClass="entr" presetSubtype="0" fill="hold" grpId="0" nodeType="clickEffect">
+                                  <p:stCondLst>
+                                    <p:cond delay="0"/>
+                                  </p:stCondLst>
+                                  <p:childTnLst>
+                                    <p:set>
+                                      <p:cBhvr>
+                                        <p:cTn id="10" dur="1" fill="hold">
+                                          <p:stCondLst>
+                                            <p:cond delay="0"/>
+                                          </p:stCondLst>
+                                        </p:cTn>
+                                        <p:tgtEl>
+                                          <p:spTgt spid="3">
+                                            <p:txEl>
+                                              <p:pRg st="1" end="1"/>
+                                            </p:txEl>
+                                          </p:spTgt>
+                                        </p:tgtEl>
+                                        <p:attrNameLst>
+                                          <p:attrName>style.visibility</p:attrName>
+                                        </p:attrNameLst>
+                                      </p:cBhvr>
+                                      <p:to>
+                                        <p:strVal val="visible"/>
+                                      </p:to>
+                                    </p:set>
+                                  </p:childTnLst>
+                                </p:cTn>
+                              </p:par>
+                            </p:childTnLst>
+                          </p:cTn>
+                        </p:par>
+                      </p:childTnLst>
+                    </p:cTn>
+                  </p:par>
+                  <p:par>
+                    <p:cTn id="11" fill="hold">
+                      <p:stCondLst>
+                        <p:cond delay="indefinite"/>
+                      </p:stCondLst>
+                      <p:childTnLst>
+                        <p:par>
+                          <p:cTn id="12" fill="hold">
+                            <p:stCondLst>
+                              <p:cond delay="0"/>
+                            </p:stCondLst>
+                            <p:childTnLst>
+                              <p:par>
+                                <p:cTn id="13" presetID="1" presetClass="entr" presetSubtype="0" fill="hold" grpId="0" nodeType="clickEffect">
+                                  <p:stCondLst>
+                                    <p:cond delay="0"/>
+                                  </p:stCondLst>
+                                  <p:childTnLst>
+                                    <p:set>
+                                      <p:cBhvr>
+                                        <p:cTn id="14" dur="1" fill="hold">
+                                          <p:stCondLst>
+                                            <p:cond delay="0"/>
+                                          </p:stCondLst>
+                                        </p:cTn>
+                                        <p:tgtEl>
+                                          <p:spTgt spid="3">
+                                            <p:txEl>
+                                              <p:pRg st="2" end="2"/>
+                                            </p:txEl>
+                                          </p:spTgt>
+                                        </p:tgtEl>
+                                        <p:attrNameLst>
+                                          <p:attrName>style.visibility</p:attrName>
+                                        </p:attrNameLst>
+                                      </p:cBhvr>
+                                      <p:to>
+                                        <p:strVal val="visible"/>
+                                      </p:to>
+                                    </p:set>
+                                  </p:childTnLst>
+                                </p:cTn>
+                              </p:par>
+                            </p:childTnLst>
+                          </p:cTn>
+                        </p:par>
+                      </p:childTnLst>
+                    </p:cTn>
+                  </p:par>
+                  <p:par>
+                    <p:cTn id="15" fill="hold">
+                      <p:stCondLst>
+                        <p:cond delay="indefinite"/>
+                      </p:stCondLst>
+                      <p:childTnLst>
+                        <p:par>
+                          <p:cTn id="16" fill="hold">
+                            <p:stCondLst>
+                              <p:cond delay="0"/>
+                            </p:stCondLst>
+                            <p:childTnLst>
+                              <p:par>
+                                <p:cTn id="17" presetID="1" presetClass="entr" presetSubtype="0" fill="hold" grpId="0" nodeType="clickEffect">
+                                  <p:stCondLst>
+                                    <p:cond delay="0"/>
+                                  </p:stCondLst>
+                                  <p:childTnLst>
+                                    <p:set>
+                                      <p:cBhvr>
+                                        <p:cTn id="18" dur="1" fill="hold">
+                                          <p:stCondLst>
+                                            <p:cond delay="0"/>
+                                          </p:stCondLst>
+                                        </p:cTn>
+                                        <p:tgtEl>
+                                          <p:spTgt spid="3">
+                                            <p:txEl>
+                                              <p:pRg st="3" end="3"/>
+                                            </p:txEl>
+                                          </p:spTgt>
+                                        </p:tgtEl>
+                                        <p:attrNameLst>
+                                          <p:attrName>style.visibility</p:attrName>
+                                        </p:attrNameLst>
+                                      </p:cBhvr>
+                                      <p:to>
+                                        <p:strVal val="visible"/>
+                                      </p:to>
+                                    </p:set>
+                                  </p:childTnLst>
+                                </p:cTn>
+                              </p:par>
+                              <p:par>
+                                <p:cTn id="19" presetID="1" presetClass="entr" presetSubtype="0" fill="hold" grpId="0" nodeType="withEffect">
+                                  <p:stCondLst>
+                                    <p:cond delay="0"/>
+                                  </p:stCondLst>
+                                  <p:childTnLst>
+                                    <p:set>
+                                      <p:cBhvr>
+                                        <p:cTn id="20" dur="1" fill="hold">
+                                          <p:stCondLst>
+                                            <p:cond delay="0"/>
+                                          </p:stCondLst>
+                                        </p:cTn>
+                                        <p:tgtEl>
+                                          <p:spTgt spid="3">
+                                            <p:txEl>
+                                              <p:pRg st="4" end="4"/>
+                                            </p:txEl>
+                                          </p:spTgt>
+                                        </p:tgtEl>
+                                        <p:attrNameLst>
+                                          <p:attrName>style.visibility</p:attrName>
+                                        </p:attrNameLst>
+                                      </p:cBhvr>
+                                      <p:to>
+                                        <p:strVal val="visible"/>
+                                      </p:to>
+                                    </p:set>
+                                  </p:childTnLst>
+                                </p:cTn>
+                              </p:par>
+                            </p:childTnLst>
+                          </p:cTn>
+                        </p:par>
+                      </p:childTnLst>
+                    </p:cTn>
+                  </p:par>
+                  <p:par>
+                    <p:cTn id="21" fill="hold">
+                      <p:stCondLst>
+                        <p:cond delay="indefinite"/>
+                      </p:stCondLst>
+                      <p:childTnLst>
+                        <p:par>
+                          <p:cTn id="22" fill="hold">
+                            <p:stCondLst>
+                              <p:cond delay="0"/>
+                            </p:stCondLst>
+                            <p:childTnLst>
+                              <p:par>
+                                <p:cTn id="23" presetID="1" presetClass="entr" presetSubtype="0" fill="hold" grpId="0" nodeType="clickEffect">
+                                  <p:stCondLst>
+                                    <p:cond delay="0"/>
+                                  </p:stCondLst>
+                                  <p:childTnLst>
+                                    <p:set>
+                                      <p:cBhvr>
+                                        <p:cTn id="24" dur="1" fill="hold">
+                                          <p:stCondLst>
+                                            <p:cond delay="0"/>
+                                          </p:stCondLst>
+                                        </p:cTn>
+                                        <p:tgtEl>
+                                          <p:spTgt spid="3">
+                                            <p:txEl>
+                                              <p:pRg st="5" end="5"/>
+                                            </p:txEl>
+                                          </p:spTgt>
+                                        </p:tgtEl>
+                                        <p:attrNameLst>
+                                          <p:attrName>style.visibility</p:attrName>
+                                        </p:attrNameLst>
+                                      </p:cBhvr>
+                                      <p:to>
+                                        <p:strVal val="visible"/>
+                                      </p:to>
+                                    </p:set>
+                                  </p:childTnLst>
+                                </p:cTn>
+                              </p:par>
+                            </p:childTnLst>
+                          </p:cTn>
+                        </p:par>
+                      </p:childTnLst>
+                    </p:cTn>
+                  </p:par>
+                  <p:par>
+                    <p:cTn id="25" fill="hold">
+                      <p:stCondLst>
+                        <p:cond delay="indefinite"/>
+                      </p:stCondLst>
+                      <p:childTnLst>
+                        <p:par>
+                          <p:cTn id="26" fill="hold">
+                            <p:stCondLst>
+                              <p:cond delay="0"/>
+                            </p:stCondLst>
+                            <p:childTnLst>
+                              <p:par>
+                                <p:cTn id="27" presetID="1" presetClass="entr" presetSubtype="0" fill="hold" grpId="0" nodeType="clickEffect">
+                                  <p:stCondLst>
+                                    <p:cond delay="0"/>
+                                  </p:stCondLst>
+                                  <p:childTnLst>
+                                    <p:set>
+                                      <p:cBhvr>
+                                        <p:cTn id="28" dur="1" fill="hold">
+                                          <p:stCondLst>
+                                            <p:cond delay="0"/>
+                                          </p:stCondLst>
+                                        </p:cTn>
+                                        <p:tgtEl>
+                                          <p:spTgt spid="3">
+                                            <p:txEl>
+                                              <p:pRg st="6" end="6"/>
+                                            </p:txEl>
+                                          </p:spTgt>
+                                        </p:tgtEl>
+                                        <p:attrNameLst>
+                                          <p:attrName>style.visibility</p:attrName>
+                                        </p:attrNameLst>
+                                      </p:cBhvr>
+                                      <p:to>
+                                        <p:strVal val="visible"/>
+                                      </p:to>
+                                    </p:set>
+                                  </p:childTnLst>
+                                </p:cTn>
+                              </p:par>
+                            </p:childTnLst>
+                          </p:cTn>
+                        </p:par>
+                      </p:childTnLst>
+                    </p:cTn>
+                  </p:par>
+                  <p:par>
+                    <p:cTn id="29" fill="hold">
+                      <p:stCondLst>
+                        <p:cond delay="indefinite"/>
+                      </p:stCondLst>
+                      <p:childTnLst>
+                        <p:par>
+                          <p:cTn id="30" fill="hold">
+                            <p:stCondLst>
+                              <p:cond delay="0"/>
+                            </p:stCondLst>
+                            <p:childTnLst>
+                              <p:par>
+                                <p:cTn id="31" presetID="1" presetClass="entr" presetSubtype="0" fill="hold" grpId="0" nodeType="clickEffect">
+                                  <p:stCondLst>
+                                    <p:cond delay="0"/>
+                                  </p:stCondLst>
+                                  <p:childTnLst>
+                                    <p:set>
+                                      <p:cBhvr>
+                                        <p:cTn id="32" dur="1" fill="hold">
+                                          <p:stCondLst>
+                                            <p:cond delay="0"/>
+                                          </p:stCondLst>
+                                        </p:cTn>
+                                        <p:tgtEl>
+                                          <p:spTgt spid="5"/>
+                                        </p:tgtEl>
+                                        <p:attrNameLst>
+                                          <p:attrName>style.visibility</p:attrName>
+                                        </p:attrNameLst>
+                                      </p:cBhvr>
+                                      <p:to>
+                                        <p:strVal val="visible"/>
+                                      </p:to>
+                                    </p:set>
+                                  </p:childTnLst>
+                                </p:cTn>
+                              </p:par>
+                            </p:childTnLst>
+                          </p:cTn>
+                        </p:par>
+                      </p:childTnLst>
+                    </p:cTn>
+                  </p:par>
+                </p:childTnLst>
+              </p:cTn>
+              <p:prevCondLst>
+                <p:cond evt="onPrev" delay="0">
+                  <p:tgtEl>
+                    <p:sldTgt/>
+                  </p:tgtEl>
+                </p:cond>
+              </p:prevCondLst>
+              <p:nextCondLst>
+                <p:cond evt="onNext" delay="0">
+                  <p:tgtEl>
+                    <p:sldTgt/>
+                  </p:tgtEl>
+                </p:cond>
+              </p:nextCondLst>
+            </p:seq>
+          </p:childTnLst>
+        </p:cTn>
+      </p:par>
+    </p:tnLst>
+    <p:bldLst>
+      <p:bldP spid="3" grpId="0" uiExpand="1" build="p"/>
+      <p:bldP spid="5" grpId="0" animBg="1"/>
+    </p:bldLst>
+  </p:timing>
+</p:sld>
+</file>
+
 <file path=ppt/theme/theme1.xml><?xml version="1.0" encoding="utf-8"?>
 <a:theme xmlns:a="http://schemas.openxmlformats.org/drawingml/2006/main" name="Office Theme">
   <a:themeElements>
@@ -3582,4 +8363,265 @@
     </a:ext>
   </a:extLst>
 </a:theme>
+</file>
+
+<file path=ppt/theme/theme2.xml><?xml version="1.0" encoding="utf-8"?>
+<a:theme xmlns:a="http://schemas.openxmlformats.org/drawingml/2006/main" name="Office Theme">
+  <a:themeElements>
+    <a:clrScheme name="Office">
+      <a:dk1>
+        <a:sysClr val="windowText" lastClr="000000"/>
+      </a:dk1>
+      <a:lt1>
+        <a:sysClr val="window" lastClr="FFFFFF"/>
+      </a:lt1>
+      <a:dk2>
+        <a:srgbClr val="44546A"/>
+      </a:dk2>
+      <a:lt2>
+        <a:srgbClr val="E7E6E6"/>
+      </a:lt2>
+      <a:accent1>
+        <a:srgbClr val="5B9BD5"/>
+      </a:accent1>
+      <a:accent2>
+        <a:srgbClr val="ED7D31"/>
+      </a:accent2>
+      <a:accent3>
+        <a:srgbClr val="A5A5A5"/>
+      </a:accent3>
+      <a:accent4>
+        <a:srgbClr val="FFC000"/>
+      </a:accent4>
+      <a:accent5>
+        <a:srgbClr val="4472C4"/>
+      </a:accent5>
+      <a:accent6>
+        <a:srgbClr val="70AD47"/>
+      </a:accent6>
+      <a:hlink>
+        <a:srgbClr val="0563C1"/>
+      </a:hlink>
+      <a:folHlink>
+        <a:srgbClr val="954F72"/>
+      </a:folHlink>
+    </a:clrScheme>
+    <a:fontScheme name="Office">
+      <a:majorFont>
+        <a:latin typeface="Calibri Light" panose="020F0302020204030204"/>
+        <a:ea typeface=""/>
+        <a:cs typeface=""/>
+        <a:font script="Jpan" typeface="ＭＳ Ｐゴシック"/>
+        <a:font script="Hang" typeface="맑은 고딕"/>
+        <a:font script="Hans" typeface="宋体"/>
+        <a:font script="Hant" typeface="新細明體"/>
+        <a:font script="Arab" typeface="Times New Roman"/>
+        <a:font script="Hebr" typeface="Times New Roman"/>
+        <a:font script="Thai" typeface="Angsana New"/>
+        <a:font script="Ethi" typeface="Nyala"/>
+        <a:font script="Beng" typeface="Vrinda"/>
+        <a:font script="Gujr" typeface="Shruti"/>
+        <a:font script="Khmr" typeface="MoolBoran"/>
+        <a:font script="Knda" typeface="Tunga"/>
+        <a:font script="Guru" typeface="Raavi"/>
+        <a:font script="Cans" typeface="Euphemia"/>
+        <a:font script="Cher" typeface="Plantagenet Cherokee"/>
+        <a:font script="Yiii" typeface="Microsoft Yi Baiti"/>
+        <a:font script="Tibt" typeface="Microsoft Himalaya"/>
+        <a:font script="Thaa" typeface="MV Boli"/>
+        <a:font script="Deva" typeface="Mangal"/>
+        <a:font script="Telu" typeface="Gautami"/>
+        <a:font script="Taml" typeface="Latha"/>
+        <a:font script="Syrc" typeface="Estrangelo Edessa"/>
+        <a:font script="Orya" typeface="Kalinga"/>
+        <a:font script="Mlym" typeface="Kartika"/>
+        <a:font script="Laoo" typeface="DokChampa"/>
+        <a:font script="Sinh" typeface="Iskoola Pota"/>
+        <a:font script="Mong" typeface="Mongolian Baiti"/>
+        <a:font script="Viet" typeface="Times New Roman"/>
+        <a:font script="Uigh" typeface="Microsoft Uighur"/>
+        <a:font script="Geor" typeface="Sylfaen"/>
+      </a:majorFont>
+      <a:minorFont>
+        <a:latin typeface="Calibri" panose="020F0502020204030204"/>
+        <a:ea typeface=""/>
+        <a:cs typeface=""/>
+        <a:font script="Jpan" typeface="ＭＳ Ｐゴシック"/>
+        <a:font script="Hang" typeface="맑은 고딕"/>
+        <a:font script="Hans" typeface="宋体"/>
+        <a:font script="Hant" typeface="新細明體"/>
+        <a:font script="Arab" typeface="Arial"/>
+        <a:font script="Hebr" typeface="Arial"/>
+        <a:font script="Thai" typeface="Cordia New"/>
+        <a:font script="Ethi" typeface="Nyala"/>
+        <a:font script="Beng" typeface="Vrinda"/>
+        <a:font script="Gujr" typeface="Shruti"/>
+        <a:font script="Khmr" typeface="DaunPenh"/>
+        <a:font script="Knda" typeface="Tunga"/>
+        <a:font script="Guru" typeface="Raavi"/>
+        <a:font script="Cans" typeface="Euphemia"/>
+        <a:font script="Cher" typeface="Plantagenet Cherokee"/>
+        <a:font script="Yiii" typeface="Microsoft Yi Baiti"/>
+        <a:font script="Tibt" typeface="Microsoft Himalaya"/>
+        <a:font script="Thaa" typeface="MV Boli"/>
+        <a:font script="Deva" typeface="Mangal"/>
+        <a:font script="Telu" typeface="Gautami"/>
+        <a:font script="Taml" typeface="Latha"/>
+        <a:font script="Syrc" typeface="Estrangelo Edessa"/>
+        <a:font script="Orya" typeface="Kalinga"/>
+        <a:font script="Mlym" typeface="Kartika"/>
+        <a:font script="Laoo" typeface="DokChampa"/>
+        <a:font script="Sinh" typeface="Iskoola Pota"/>
+        <a:font script="Mong" typeface="Mongolian Baiti"/>
+        <a:font script="Viet" typeface="Arial"/>
+        <a:font script="Uigh" typeface="Microsoft Uighur"/>
+        <a:font script="Geor" typeface="Sylfaen"/>
+      </a:minorFont>
+    </a:fontScheme>
+    <a:fmtScheme name="Office">
+      <a:fillStyleLst>
+        <a:solidFill>
+          <a:schemeClr val="phClr"/>
+        </a:solidFill>
+        <a:gradFill rotWithShape="1">
+          <a:gsLst>
+            <a:gs pos="0">
+              <a:schemeClr val="phClr">
+                <a:lumMod val="110000"/>
+                <a:satMod val="105000"/>
+                <a:tint val="67000"/>
+              </a:schemeClr>
+            </a:gs>
+            <a:gs pos="50000">
+              <a:schemeClr val="phClr">
+                <a:lumMod val="105000"/>
+                <a:satMod val="103000"/>
+                <a:tint val="73000"/>
+              </a:schemeClr>
+            </a:gs>
+            <a:gs pos="100000">
+              <a:schemeClr val="phClr">
+                <a:lumMod val="105000"/>
+                <a:satMod val="109000"/>
+                <a:tint val="81000"/>
+              </a:schemeClr>
+            </a:gs>
+          </a:gsLst>
+          <a:lin ang="5400000" scaled="0"/>
+        </a:gradFill>
+        <a:gradFill rotWithShape="1">
+          <a:gsLst>
+            <a:gs pos="0">
+              <a:schemeClr val="phClr">
+                <a:satMod val="103000"/>
+                <a:lumMod val="102000"/>
+                <a:tint val="94000"/>
+              </a:schemeClr>
+            </a:gs>
+            <a:gs pos="50000">
+              <a:schemeClr val="phClr">
+                <a:satMod val="110000"/>
+                <a:lumMod val="100000"/>
+                <a:shade val="100000"/>
+              </a:schemeClr>
+            </a:gs>
+            <a:gs pos="100000">
+              <a:schemeClr val="phClr">
+                <a:lumMod val="99000"/>
+                <a:satMod val="120000"/>
+                <a:shade val="78000"/>
+              </a:schemeClr>
+            </a:gs>
+          </a:gsLst>
+          <a:lin ang="5400000" scaled="0"/>
+        </a:gradFill>
+      </a:fillStyleLst>
+      <a:lnStyleLst>
+        <a:ln w="6350" cap="flat" cmpd="sng" algn="ctr">
+          <a:solidFill>
+            <a:schemeClr val="phClr"/>
+          </a:solidFill>
+          <a:prstDash val="solid"/>
+          <a:miter lim="800000"/>
+        </a:ln>
+        <a:ln w="12700" cap="flat" cmpd="sng" algn="ctr">
+          <a:solidFill>
+            <a:schemeClr val="phClr"/>
+          </a:solidFill>
+          <a:prstDash val="solid"/>
+          <a:miter lim="800000"/>
+        </a:ln>
+        <a:ln w="19050" cap="flat" cmpd="sng" algn="ctr">
+          <a:solidFill>
+            <a:schemeClr val="phClr"/>
+          </a:solidFill>
+          <a:prstDash val="solid"/>
+          <a:miter lim="800000"/>
+        </a:ln>
+      </a:lnStyleLst>
+      <a:effectStyleLst>
+        <a:effectStyle>
+          <a:effectLst/>
+        </a:effectStyle>
+        <a:effectStyle>
+          <a:effectLst/>
+        </a:effectStyle>
+        <a:effectStyle>
+          <a:effectLst>
+            <a:outerShdw blurRad="57150" dist="19050" dir="5400000" algn="ctr" rotWithShape="0">
+              <a:srgbClr val="000000">
+                <a:alpha val="63000"/>
+              </a:srgbClr>
+            </a:outerShdw>
+          </a:effectLst>
+        </a:effectStyle>
+      </a:effectStyleLst>
+      <a:bgFillStyleLst>
+        <a:solidFill>
+          <a:schemeClr val="phClr"/>
+        </a:solidFill>
+        <a:solidFill>
+          <a:schemeClr val="phClr">
+            <a:tint val="95000"/>
+            <a:satMod val="170000"/>
+          </a:schemeClr>
+        </a:solidFill>
+        <a:gradFill rotWithShape="1">
+          <a:gsLst>
+            <a:gs pos="0">
+              <a:schemeClr val="phClr">
+                <a:tint val="93000"/>
+                <a:satMod val="150000"/>
+                <a:shade val="98000"/>
+                <a:lumMod val="102000"/>
+              </a:schemeClr>
+            </a:gs>
+            <a:gs pos="50000">
+              <a:schemeClr val="phClr">
+                <a:tint val="98000"/>
+                <a:satMod val="130000"/>
+                <a:shade val="90000"/>
+                <a:lumMod val="103000"/>
+              </a:schemeClr>
+            </a:gs>
+            <a:gs pos="100000">
+              <a:schemeClr val="phClr">
+                <a:shade val="63000"/>
+                <a:satMod val="120000"/>
+              </a:schemeClr>
+            </a:gs>
+          </a:gsLst>
+          <a:lin ang="5400000" scaled="0"/>
+        </a:gradFill>
+      </a:bgFillStyleLst>
+    </a:fmtScheme>
+  </a:themeElements>
+  <a:objectDefaults/>
+  <a:extraClrSchemeLst/>
+  <a:extLst>
+    <a:ext uri="{05A4C25C-085E-4340-85A3-A5531E510DB2}">
+      <thm15:themeFamily xmlns:thm15="http://schemas.microsoft.com/office/thememl/2012/main" name="Office Theme" id="{62F939B6-93AF-4DB8-9C6B-D6C7DFDC589F}" vid="{4A3C46E8-61CC-4603-A589-7422A47A8E4A}"/>
+    </a:ext>
+  </a:extLst>
+</a:theme>
 </file>
--- a/CPlusPlus/04_essential_cpp_classes.pptx
+++ b/CPlusPlus/04_essential_cpp_classes.pptx
@@ -5,7 +5,7 @@
     <p:sldMasterId id="2147483660" r:id="rId1"/>
   </p:sldMasterIdLst>
   <p:notesMasterIdLst>
-    <p:notesMasterId r:id="rId10"/>
+    <p:notesMasterId r:id="rId12"/>
   </p:notesMasterIdLst>
   <p:sldIdLst>
     <p:sldId id="257" r:id="rId2"/>
@@ -16,6 +16,8 @@
     <p:sldId id="262" r:id="rId7"/>
     <p:sldId id="263" r:id="rId8"/>
     <p:sldId id="264" r:id="rId9"/>
+    <p:sldId id="265" r:id="rId10"/>
+    <p:sldId id="266" r:id="rId11"/>
   </p:sldIdLst>
   <p:sldSz cx="9144000" cy="6858000" type="screen4x3"/>
   <p:notesSz cx="6858000" cy="9144000"/>
@@ -204,7 +206,7 @@
           <a:p>
             <a:fld id="{79B8B1BA-E8A9-48CD-886E-2AED8C4BE354}" type="datetimeFigureOut">
               <a:rPr lang="en-US" smtClean="0"/>
-              <a:t>2017-02-28</a:t>
+              <a:t>2017-03-01</a:t>
             </a:fld>
             <a:endParaRPr lang="en-US"/>
           </a:p>
@@ -771,7 +773,7 @@
           <a:p>
             <a:fld id="{ABE0EDF4-4C0E-4772-84AE-1357C6001391}" type="datetime1">
               <a:rPr lang="en-US" smtClean="0"/>
-              <a:t>2017-02-28</a:t>
+              <a:t>2017-03-01</a:t>
             </a:fld>
             <a:endParaRPr lang="en-US"/>
           </a:p>
@@ -941,7 +943,7 @@
           <a:p>
             <a:fld id="{88C05809-344B-440B-9F88-C5B18C79382B}" type="datetime1">
               <a:rPr lang="en-US" smtClean="0"/>
-              <a:t>2017-02-28</a:t>
+              <a:t>2017-03-01</a:t>
             </a:fld>
             <a:endParaRPr lang="en-US"/>
           </a:p>
@@ -1121,7 +1123,7 @@
           <a:p>
             <a:fld id="{90F74260-95EE-4CD2-908E-53F4ED138E6A}" type="datetime1">
               <a:rPr lang="en-US" smtClean="0"/>
-              <a:t>2017-02-28</a:t>
+              <a:t>2017-03-01</a:t>
             </a:fld>
             <a:endParaRPr lang="en-US"/>
           </a:p>
@@ -1291,7 +1293,7 @@
           <a:p>
             <a:fld id="{1E3FA7D4-BD38-43A8-9130-CCA4F61A0EF1}" type="datetime1">
               <a:rPr lang="en-US" smtClean="0"/>
-              <a:t>2017-02-28</a:t>
+              <a:t>2017-03-01</a:t>
             </a:fld>
             <a:endParaRPr lang="en-US"/>
           </a:p>
@@ -1535,7 +1537,7 @@
           <a:p>
             <a:fld id="{096F3732-D81D-4EEE-A6C0-1A86B50EC6E7}" type="datetime1">
               <a:rPr lang="en-US" smtClean="0"/>
-              <a:t>2017-02-28</a:t>
+              <a:t>2017-03-01</a:t>
             </a:fld>
             <a:endParaRPr lang="en-US"/>
           </a:p>
@@ -1767,7 +1769,7 @@
           <a:p>
             <a:fld id="{08790459-F51D-4E85-A354-E358228D776E}" type="datetime1">
               <a:rPr lang="en-US" smtClean="0"/>
-              <a:t>2017-02-28</a:t>
+              <a:t>2017-03-01</a:t>
             </a:fld>
             <a:endParaRPr lang="en-US"/>
           </a:p>
@@ -2134,7 +2136,7 @@
           <a:p>
             <a:fld id="{B95FD88B-5497-4442-BF08-DF52AECDDAFE}" type="datetime1">
               <a:rPr lang="en-US" smtClean="0"/>
-              <a:t>2017-02-28</a:t>
+              <a:t>2017-03-01</a:t>
             </a:fld>
             <a:endParaRPr lang="en-US"/>
           </a:p>
@@ -2252,7 +2254,7 @@
           <a:p>
             <a:fld id="{CF2C86E3-CF93-475C-AE85-C652B2D2F9B5}" type="datetime1">
               <a:rPr lang="en-US" smtClean="0"/>
-              <a:t>2017-02-28</a:t>
+              <a:t>2017-03-01</a:t>
             </a:fld>
             <a:endParaRPr lang="en-US"/>
           </a:p>
@@ -2347,7 +2349,7 @@
           <a:p>
             <a:fld id="{F7F6E503-4705-4A51-BD29-968EA406E3C8}" type="datetime1">
               <a:rPr lang="en-US" smtClean="0"/>
-              <a:t>2017-02-28</a:t>
+              <a:t>2017-03-01</a:t>
             </a:fld>
             <a:endParaRPr lang="en-US"/>
           </a:p>
@@ -2624,7 +2626,7 @@
           <a:p>
             <a:fld id="{AF0FBBBB-E740-40DF-A365-D9B13EA44EB5}" type="datetime1">
               <a:rPr lang="en-US" smtClean="0"/>
-              <a:t>2017-02-28</a:t>
+              <a:t>2017-03-01</a:t>
             </a:fld>
             <a:endParaRPr lang="en-US"/>
           </a:p>
@@ -2881,7 +2883,7 @@
           <a:p>
             <a:fld id="{72BE145B-3D39-424D-9562-97A98B9610A2}" type="datetime1">
               <a:rPr lang="en-US" smtClean="0"/>
-              <a:t>2017-02-28</a:t>
+              <a:t>2017-03-01</a:t>
             </a:fld>
             <a:endParaRPr lang="en-US"/>
           </a:p>
@@ -3094,7 +3096,7 @@
           <a:p>
             <a:fld id="{623F5BA7-E58A-4B83-91F8-3B23CADD8CED}" type="datetime1">
               <a:rPr lang="en-US" smtClean="0"/>
-              <a:t>2017-02-28</a:t>
+              <a:t>2017-03-01</a:t>
             </a:fld>
             <a:endParaRPr lang="en-US"/>
           </a:p>
@@ -3662,6 +3664,1013 @@
 </p:sld>
 </file>
 
+<file path=ppt/slides/slide10.xml><?xml version="1.0" encoding="utf-8"?>
+<p:sld xmlns:a="http://schemas.openxmlformats.org/drawingml/2006/main" xmlns:r="http://schemas.openxmlformats.org/officeDocument/2006/relationships" xmlns:p="http://schemas.openxmlformats.org/presentationml/2006/main">
+  <p:cSld>
+    <p:spTree>
+      <p:nvGrpSpPr>
+        <p:cNvPr id="1" name=""/>
+        <p:cNvGrpSpPr/>
+        <p:nvPr/>
+      </p:nvGrpSpPr>
+      <p:grpSpPr>
+        <a:xfrm>
+          <a:off x="0" y="0"/>
+          <a:ext cx="0" cy="0"/>
+          <a:chOff x="0" y="0"/>
+          <a:chExt cx="0" cy="0"/>
+        </a:xfrm>
+      </p:grpSpPr>
+      <p:sp>
+        <p:nvSpPr>
+          <p:cNvPr id="2" name="Title 1"/>
+          <p:cNvSpPr>
+            <a:spLocks noGrp="1"/>
+          </p:cNvSpPr>
+          <p:nvPr>
+            <p:ph type="title"/>
+          </p:nvPr>
+        </p:nvSpPr>
+        <p:spPr/>
+        <p:txBody>
+          <a:bodyPr/>
+          <a:lstStyle/>
+          <a:p>
+            <a:r>
+              <a:rPr lang="en-US" dirty="0" smtClean="0"/>
+              <a:t>More overloading/overriding</a:t>
+            </a:r>
+            <a:endParaRPr lang="en-US" dirty="0"/>
+          </a:p>
+        </p:txBody>
+      </p:sp>
+      <p:sp>
+        <p:nvSpPr>
+          <p:cNvPr id="3" name="Slide Number Placeholder 2"/>
+          <p:cNvSpPr>
+            <a:spLocks noGrp="1"/>
+          </p:cNvSpPr>
+          <p:nvPr>
+            <p:ph type="sldNum" sz="quarter" idx="12"/>
+          </p:nvPr>
+        </p:nvSpPr>
+        <p:spPr/>
+        <p:txBody>
+          <a:bodyPr/>
+          <a:lstStyle/>
+          <a:p>
+            <a:fld id="{9CEF4966-5219-4577-B301-14467D565841}" type="slidenum">
+              <a:rPr lang="en-US" smtClean="0"/>
+              <a:t>10</a:t>
+            </a:fld>
+            <a:endParaRPr lang="en-US"/>
+          </a:p>
+        </p:txBody>
+      </p:sp>
+      <p:grpSp>
+        <p:nvGrpSpPr>
+          <p:cNvPr id="4" name="Group 3"/>
+          <p:cNvGrpSpPr/>
+          <p:nvPr/>
+        </p:nvGrpSpPr>
+        <p:grpSpPr>
+          <a:xfrm>
+            <a:off x="628650" y="1894725"/>
+            <a:ext cx="7592561" cy="2062103"/>
+            <a:chOff x="628649" y="1690689"/>
+            <a:chExt cx="7592561" cy="2062103"/>
+          </a:xfrm>
+        </p:grpSpPr>
+        <p:sp>
+          <p:nvSpPr>
+            <p:cNvPr id="5" name="TextBox 4"/>
+            <p:cNvSpPr txBox="1"/>
+            <p:nvPr/>
+          </p:nvSpPr>
+          <p:spPr>
+            <a:xfrm>
+              <a:off x="628649" y="1690689"/>
+              <a:ext cx="7592561" cy="2062103"/>
+            </a:xfrm>
+            <a:prstGeom prst="rect">
+              <a:avLst/>
+            </a:prstGeom>
+            <a:solidFill>
+              <a:schemeClr val="bg1">
+                <a:lumMod val="75000"/>
+              </a:schemeClr>
+            </a:solidFill>
+          </p:spPr>
+          <p:txBody>
+            <a:bodyPr wrap="square" rtlCol="0">
+              <a:spAutoFit/>
+            </a:bodyPr>
+            <a:lstStyle/>
+            <a:p>
+              <a:r>
+                <a:rPr lang="nn-NO" sz="1600" dirty="0">
+                  <a:latin typeface="Courier New" pitchFamily="49" charset="0"/>
+                  <a:cs typeface="Courier New" pitchFamily="49" charset="0"/>
+                </a:rPr>
+                <a:t>#include </a:t>
+              </a:r>
+              <a:r>
+                <a:rPr lang="nn-NO" sz="1600" dirty="0" smtClean="0">
+                  <a:latin typeface="Courier New" pitchFamily="49" charset="0"/>
+                  <a:cs typeface="Courier New" pitchFamily="49" charset="0"/>
+                </a:rPr>
+                <a:t>&lt;ostream</a:t>
+              </a:r>
+              <a:r>
+                <a:rPr lang="nn-NO" sz="1600" dirty="0">
+                  <a:latin typeface="Courier New" pitchFamily="49" charset="0"/>
+                  <a:cs typeface="Courier New" pitchFamily="49" charset="0"/>
+                </a:rPr>
+                <a:t>&gt;</a:t>
+              </a:r>
+            </a:p>
+            <a:p>
+              <a:r>
+                <a:rPr lang="nn-NO" sz="1600" dirty="0">
+                  <a:latin typeface="Courier New" pitchFamily="49" charset="0"/>
+                  <a:cs typeface="Courier New" pitchFamily="49" charset="0"/>
+                </a:rPr>
+                <a:t>#include </a:t>
+              </a:r>
+              <a:r>
+                <a:rPr lang="nn-NO" sz="1600" dirty="0" smtClean="0">
+                  <a:latin typeface="Courier New" pitchFamily="49" charset="0"/>
+                  <a:cs typeface="Courier New" pitchFamily="49" charset="0"/>
+                </a:rPr>
+                <a:t>"static_particle.h</a:t>
+              </a:r>
+              <a:r>
+                <a:rPr lang="nn-NO" sz="1600" dirty="0">
+                  <a:latin typeface="Courier New" pitchFamily="49" charset="0"/>
+                  <a:cs typeface="Courier New" pitchFamily="49" charset="0"/>
+                </a:rPr>
+                <a:t>"</a:t>
+              </a:r>
+            </a:p>
+            <a:p>
+              <a:r>
+                <a:rPr lang="nn-NO" sz="1600" dirty="0" smtClean="0">
+                  <a:latin typeface="Courier New" pitchFamily="49" charset="0"/>
+                  <a:cs typeface="Courier New" pitchFamily="49" charset="0"/>
+                </a:rPr>
+                <a:t>...</a:t>
+              </a:r>
+            </a:p>
+            <a:p>
+              <a:r>
+                <a:rPr lang="en-US" sz="1600" dirty="0" err="1" smtClean="0">
+                  <a:latin typeface="Courier New" pitchFamily="49" charset="0"/>
+                  <a:cs typeface="Courier New" pitchFamily="49" charset="0"/>
+                </a:rPr>
+                <a:t>std</a:t>
+              </a:r>
+              <a:r>
+                <a:rPr lang="en-US" sz="1600" dirty="0" smtClean="0">
+                  <a:latin typeface="Courier New" pitchFamily="49" charset="0"/>
+                  <a:cs typeface="Courier New" pitchFamily="49" charset="0"/>
+                </a:rPr>
+                <a:t>::</a:t>
+              </a:r>
+              <a:r>
+                <a:rPr lang="en-US" sz="1600" dirty="0" err="1" smtClean="0">
+                  <a:latin typeface="Courier New" pitchFamily="49" charset="0"/>
+                  <a:cs typeface="Courier New" pitchFamily="49" charset="0"/>
+                </a:rPr>
+                <a:t>ostream</a:t>
+              </a:r>
+              <a:r>
+                <a:rPr lang="en-US" sz="1600" dirty="0">
+                  <a:latin typeface="Courier New" pitchFamily="49" charset="0"/>
+                  <a:cs typeface="Courier New" pitchFamily="49" charset="0"/>
+                </a:rPr>
+                <a:t>&amp; </a:t>
+              </a:r>
+              <a:r>
+                <a:rPr lang="en-US" sz="1600" b="1" dirty="0">
+                  <a:solidFill>
+                    <a:srgbClr val="C00000"/>
+                  </a:solidFill>
+                  <a:latin typeface="Courier New" pitchFamily="49" charset="0"/>
+                  <a:cs typeface="Courier New" pitchFamily="49" charset="0"/>
+                </a:rPr>
+                <a:t>operator</a:t>
+              </a:r>
+              <a:r>
+                <a:rPr lang="en-US" sz="1600" b="1" dirty="0" smtClean="0">
+                  <a:solidFill>
+                    <a:srgbClr val="C00000"/>
+                  </a:solidFill>
+                  <a:latin typeface="Courier New" pitchFamily="49" charset="0"/>
+                  <a:cs typeface="Courier New" pitchFamily="49" charset="0"/>
+                </a:rPr>
+                <a:t>&lt;&lt;</a:t>
+              </a:r>
+              <a:r>
+                <a:rPr lang="en-US" sz="1600" dirty="0" smtClean="0">
+                  <a:latin typeface="Courier New" pitchFamily="49" charset="0"/>
+                  <a:cs typeface="Courier New" pitchFamily="49" charset="0"/>
+                </a:rPr>
+                <a:t>(</a:t>
+              </a:r>
+              <a:r>
+                <a:rPr lang="en-US" sz="1600" dirty="0" err="1" smtClean="0">
+                  <a:latin typeface="Courier New" pitchFamily="49" charset="0"/>
+                  <a:cs typeface="Courier New" pitchFamily="49" charset="0"/>
+                </a:rPr>
+                <a:t>std</a:t>
+              </a:r>
+              <a:r>
+                <a:rPr lang="en-US" sz="1600" dirty="0" smtClean="0">
+                  <a:latin typeface="Courier New" pitchFamily="49" charset="0"/>
+                  <a:cs typeface="Courier New" pitchFamily="49" charset="0"/>
+                </a:rPr>
+                <a:t>::</a:t>
+              </a:r>
+              <a:r>
+                <a:rPr lang="en-US" sz="1600" dirty="0" err="1" smtClean="0">
+                  <a:latin typeface="Courier New" pitchFamily="49" charset="0"/>
+                  <a:cs typeface="Courier New" pitchFamily="49" charset="0"/>
+                </a:rPr>
+                <a:t>ostream</a:t>
+              </a:r>
+              <a:r>
+                <a:rPr lang="en-US" sz="1600" dirty="0">
+                  <a:latin typeface="Courier New" pitchFamily="49" charset="0"/>
+                  <a:cs typeface="Courier New" pitchFamily="49" charset="0"/>
+                </a:rPr>
+                <a:t>&amp; </a:t>
+              </a:r>
+              <a:r>
+                <a:rPr lang="en-US" sz="1600" dirty="0" smtClean="0">
+                  <a:latin typeface="Courier New" pitchFamily="49" charset="0"/>
+                  <a:cs typeface="Courier New" pitchFamily="49" charset="0"/>
+                </a:rPr>
+                <a:t>out,</a:t>
+              </a:r>
+            </a:p>
+            <a:p>
+              <a:r>
+                <a:rPr lang="en-US" sz="1600" dirty="0">
+                  <a:latin typeface="Courier New" pitchFamily="49" charset="0"/>
+                  <a:cs typeface="Courier New" pitchFamily="49" charset="0"/>
+                </a:rPr>
+                <a:t> </a:t>
+              </a:r>
+              <a:r>
+                <a:rPr lang="en-US" sz="1600" dirty="0" smtClean="0">
+                  <a:latin typeface="Courier New" pitchFamily="49" charset="0"/>
+                  <a:cs typeface="Courier New" pitchFamily="49" charset="0"/>
+                </a:rPr>
+                <a:t>                        </a:t>
+              </a:r>
+              <a:r>
+                <a:rPr lang="en-US" sz="1600" dirty="0" err="1" smtClean="0">
+                  <a:latin typeface="Courier New" pitchFamily="49" charset="0"/>
+                  <a:cs typeface="Courier New" pitchFamily="49" charset="0"/>
+                </a:rPr>
+                <a:t>const</a:t>
+              </a:r>
+              <a:r>
+                <a:rPr lang="en-US" sz="1600" dirty="0" smtClean="0">
+                  <a:latin typeface="Courier New" pitchFamily="49" charset="0"/>
+                  <a:cs typeface="Courier New" pitchFamily="49" charset="0"/>
+                </a:rPr>
+                <a:t> </a:t>
+              </a:r>
+              <a:r>
+                <a:rPr lang="en-US" sz="1600" dirty="0" err="1">
+                  <a:latin typeface="Courier New" pitchFamily="49" charset="0"/>
+                  <a:cs typeface="Courier New" pitchFamily="49" charset="0"/>
+                </a:rPr>
+                <a:t>StaticParticle</a:t>
+              </a:r>
+              <a:r>
+                <a:rPr lang="en-US" sz="1600" dirty="0">
+                  <a:latin typeface="Courier New" pitchFamily="49" charset="0"/>
+                  <a:cs typeface="Courier New" pitchFamily="49" charset="0"/>
+                </a:rPr>
+                <a:t>&amp; p) {</a:t>
+              </a:r>
+            </a:p>
+            <a:p>
+              <a:r>
+                <a:rPr lang="en-US" sz="1600" dirty="0">
+                  <a:latin typeface="Courier New" pitchFamily="49" charset="0"/>
+                  <a:cs typeface="Courier New" pitchFamily="49" charset="0"/>
+                </a:rPr>
+                <a:t>    return out &lt;&lt; "(" &lt;&lt; </a:t>
+              </a:r>
+              <a:r>
+                <a:rPr lang="en-US" sz="1600" dirty="0" err="1">
+                  <a:latin typeface="Courier New" pitchFamily="49" charset="0"/>
+                  <a:cs typeface="Courier New" pitchFamily="49" charset="0"/>
+                </a:rPr>
+                <a:t>p.x</a:t>
+              </a:r>
+              <a:r>
+                <a:rPr lang="en-US" sz="1600" dirty="0">
+                  <a:latin typeface="Courier New" pitchFamily="49" charset="0"/>
+                  <a:cs typeface="Courier New" pitchFamily="49" charset="0"/>
+                </a:rPr>
+                <a:t>() &lt;&lt; ", " &lt;&lt; </a:t>
+              </a:r>
+              <a:r>
+                <a:rPr lang="en-US" sz="1600" dirty="0" err="1">
+                  <a:latin typeface="Courier New" pitchFamily="49" charset="0"/>
+                  <a:cs typeface="Courier New" pitchFamily="49" charset="0"/>
+                </a:rPr>
+                <a:t>p.y</a:t>
+              </a:r>
+              <a:r>
+                <a:rPr lang="en-US" sz="1600" dirty="0">
+                  <a:latin typeface="Courier New" pitchFamily="49" charset="0"/>
+                  <a:cs typeface="Courier New" pitchFamily="49" charset="0"/>
+                </a:rPr>
+                <a:t>() &lt;&lt; ")"</a:t>
+              </a:r>
+            </a:p>
+            <a:p>
+              <a:r>
+                <a:rPr lang="en-US" sz="1600" dirty="0">
+                  <a:latin typeface="Courier New" pitchFamily="49" charset="0"/>
+                  <a:cs typeface="Courier New" pitchFamily="49" charset="0"/>
+                </a:rPr>
+                <a:t>           &lt;&lt; ", mass = " &lt;&lt; </a:t>
+              </a:r>
+              <a:r>
+                <a:rPr lang="en-US" sz="1600" dirty="0" err="1">
+                  <a:latin typeface="Courier New" pitchFamily="49" charset="0"/>
+                  <a:cs typeface="Courier New" pitchFamily="49" charset="0"/>
+                </a:rPr>
+                <a:t>p.mass</a:t>
+              </a:r>
+              <a:r>
+                <a:rPr lang="en-US" sz="1600" dirty="0">
+                  <a:latin typeface="Courier New" pitchFamily="49" charset="0"/>
+                  <a:cs typeface="Courier New" pitchFamily="49" charset="0"/>
+                </a:rPr>
+                <a:t>();</a:t>
+              </a:r>
+            </a:p>
+            <a:p>
+              <a:r>
+                <a:rPr lang="en-US" sz="1600" dirty="0" smtClean="0">
+                  <a:latin typeface="Courier New" pitchFamily="49" charset="0"/>
+                  <a:cs typeface="Courier New" pitchFamily="49" charset="0"/>
+                </a:rPr>
+                <a:t>}</a:t>
+              </a:r>
+              <a:endParaRPr lang="en-US" sz="1600" dirty="0">
+                <a:latin typeface="Courier New" pitchFamily="49" charset="0"/>
+                <a:cs typeface="Courier New" pitchFamily="49" charset="0"/>
+              </a:endParaRPr>
+            </a:p>
+          </p:txBody>
+        </p:sp>
+        <p:sp>
+          <p:nvSpPr>
+            <p:cNvPr id="6" name="TextBox 5"/>
+            <p:cNvSpPr txBox="1"/>
+            <p:nvPr/>
+          </p:nvSpPr>
+          <p:spPr>
+            <a:xfrm>
+              <a:off x="6270035" y="1698053"/>
+              <a:ext cx="1951175" cy="276999"/>
+            </a:xfrm>
+            <a:prstGeom prst="rect">
+              <a:avLst/>
+            </a:prstGeom>
+            <a:solidFill>
+              <a:schemeClr val="bg1"/>
+            </a:solidFill>
+            <a:ln>
+              <a:solidFill>
+                <a:schemeClr val="tx1"/>
+              </a:solidFill>
+            </a:ln>
+          </p:spPr>
+          <p:txBody>
+            <a:bodyPr wrap="none" rtlCol="0">
+              <a:spAutoFit/>
+            </a:bodyPr>
+            <a:lstStyle/>
+            <a:p>
+              <a:r>
+                <a:rPr lang="en-US" sz="1200" dirty="0" smtClean="0">
+                  <a:latin typeface="Courier New" panose="02070309020205020404" pitchFamily="49" charset="0"/>
+                  <a:cs typeface="Courier New" panose="02070309020205020404" pitchFamily="49" charset="0"/>
+                </a:rPr>
+                <a:t>static_particle.cpp</a:t>
+              </a:r>
+              <a:endParaRPr lang="en-US" sz="1200" dirty="0">
+                <a:latin typeface="Courier New" panose="02070309020205020404" pitchFamily="49" charset="0"/>
+                <a:cs typeface="Courier New" panose="02070309020205020404" pitchFamily="49" charset="0"/>
+              </a:endParaRPr>
+            </a:p>
+          </p:txBody>
+        </p:sp>
+      </p:grpSp>
+      <p:grpSp>
+        <p:nvGrpSpPr>
+          <p:cNvPr id="7" name="Group 6"/>
+          <p:cNvGrpSpPr/>
+          <p:nvPr/>
+        </p:nvGrpSpPr>
+        <p:grpSpPr>
+          <a:xfrm>
+            <a:off x="628650" y="4125538"/>
+            <a:ext cx="7592561" cy="2062103"/>
+            <a:chOff x="628649" y="1690689"/>
+            <a:chExt cx="7592561" cy="2062103"/>
+          </a:xfrm>
+        </p:grpSpPr>
+        <p:sp>
+          <p:nvSpPr>
+            <p:cNvPr id="8" name="TextBox 7"/>
+            <p:cNvSpPr txBox="1"/>
+            <p:nvPr/>
+          </p:nvSpPr>
+          <p:spPr>
+            <a:xfrm>
+              <a:off x="628649" y="1690689"/>
+              <a:ext cx="7592561" cy="2062103"/>
+            </a:xfrm>
+            <a:prstGeom prst="rect">
+              <a:avLst/>
+            </a:prstGeom>
+            <a:solidFill>
+              <a:schemeClr val="bg1">
+                <a:lumMod val="75000"/>
+              </a:schemeClr>
+            </a:solidFill>
+          </p:spPr>
+          <p:txBody>
+            <a:bodyPr wrap="square" rtlCol="0">
+              <a:spAutoFit/>
+            </a:bodyPr>
+            <a:lstStyle/>
+            <a:p>
+              <a:r>
+                <a:rPr lang="nn-NO" sz="1600" dirty="0">
+                  <a:latin typeface="Courier New" pitchFamily="49" charset="0"/>
+                  <a:cs typeface="Courier New" pitchFamily="49" charset="0"/>
+                </a:rPr>
+                <a:t>#include </a:t>
+              </a:r>
+              <a:r>
+                <a:rPr lang="nn-NO" sz="1600" dirty="0" smtClean="0">
+                  <a:latin typeface="Courier New" pitchFamily="49" charset="0"/>
+                  <a:cs typeface="Courier New" pitchFamily="49" charset="0"/>
+                </a:rPr>
+                <a:t>&lt;ostream</a:t>
+              </a:r>
+              <a:r>
+                <a:rPr lang="nn-NO" sz="1600" dirty="0">
+                  <a:latin typeface="Courier New" pitchFamily="49" charset="0"/>
+                  <a:cs typeface="Courier New" pitchFamily="49" charset="0"/>
+                </a:rPr>
+                <a:t>&gt;</a:t>
+              </a:r>
+            </a:p>
+            <a:p>
+              <a:r>
+                <a:rPr lang="nn-NO" sz="1600" dirty="0">
+                  <a:latin typeface="Courier New" pitchFamily="49" charset="0"/>
+                  <a:cs typeface="Courier New" pitchFamily="49" charset="0"/>
+                </a:rPr>
+                <a:t>#include </a:t>
+              </a:r>
+              <a:r>
+                <a:rPr lang="nn-NO" sz="1600" dirty="0" smtClean="0">
+                  <a:latin typeface="Courier New" pitchFamily="49" charset="0"/>
+                  <a:cs typeface="Courier New" pitchFamily="49" charset="0"/>
+                </a:rPr>
+                <a:t>"particle.h</a:t>
+              </a:r>
+              <a:r>
+                <a:rPr lang="nn-NO" sz="1600" dirty="0">
+                  <a:latin typeface="Courier New" pitchFamily="49" charset="0"/>
+                  <a:cs typeface="Courier New" pitchFamily="49" charset="0"/>
+                </a:rPr>
+                <a:t>"</a:t>
+              </a:r>
+            </a:p>
+            <a:p>
+              <a:r>
+                <a:rPr lang="nn-NO" sz="1600" dirty="0" smtClean="0">
+                  <a:latin typeface="Courier New" pitchFamily="49" charset="0"/>
+                  <a:cs typeface="Courier New" pitchFamily="49" charset="0"/>
+                </a:rPr>
+                <a:t>...</a:t>
+              </a:r>
+            </a:p>
+            <a:p>
+              <a:r>
+                <a:rPr lang="en-US" sz="1600" dirty="0" err="1">
+                  <a:latin typeface="Courier New" pitchFamily="49" charset="0"/>
+                  <a:cs typeface="Courier New" pitchFamily="49" charset="0"/>
+                </a:rPr>
+                <a:t>std</a:t>
+              </a:r>
+              <a:r>
+                <a:rPr lang="en-US" sz="1600" dirty="0">
+                  <a:latin typeface="Courier New" pitchFamily="49" charset="0"/>
+                  <a:cs typeface="Courier New" pitchFamily="49" charset="0"/>
+                </a:rPr>
+                <a:t>::</a:t>
+              </a:r>
+              <a:r>
+                <a:rPr lang="en-US" sz="1600" dirty="0" err="1">
+                  <a:latin typeface="Courier New" pitchFamily="49" charset="0"/>
+                  <a:cs typeface="Courier New" pitchFamily="49" charset="0"/>
+                </a:rPr>
+                <a:t>ostream</a:t>
+              </a:r>
+              <a:r>
+                <a:rPr lang="en-US" sz="1600" dirty="0">
+                  <a:latin typeface="Courier New" pitchFamily="49" charset="0"/>
+                  <a:cs typeface="Courier New" pitchFamily="49" charset="0"/>
+                </a:rPr>
+                <a:t>&amp; </a:t>
+              </a:r>
+              <a:r>
+                <a:rPr lang="en-US" sz="1600" b="1" dirty="0" smtClean="0">
+                  <a:solidFill>
+                    <a:srgbClr val="C00000"/>
+                  </a:solidFill>
+                  <a:latin typeface="Courier New" pitchFamily="49" charset="0"/>
+                  <a:cs typeface="Courier New" pitchFamily="49" charset="0"/>
+                </a:rPr>
+                <a:t>operator&lt;&lt;</a:t>
+              </a:r>
+              <a:r>
+                <a:rPr lang="en-US" sz="1600" dirty="0" smtClean="0">
+                  <a:latin typeface="Courier New" pitchFamily="49" charset="0"/>
+                  <a:cs typeface="Courier New" pitchFamily="49" charset="0"/>
+                </a:rPr>
+                <a:t>(</a:t>
+              </a:r>
+              <a:r>
+                <a:rPr lang="en-US" sz="1600" dirty="0" err="1" smtClean="0">
+                  <a:latin typeface="Courier New" pitchFamily="49" charset="0"/>
+                  <a:cs typeface="Courier New" pitchFamily="49" charset="0"/>
+                </a:rPr>
+                <a:t>std</a:t>
+              </a:r>
+              <a:r>
+                <a:rPr lang="en-US" sz="1600" dirty="0">
+                  <a:latin typeface="Courier New" pitchFamily="49" charset="0"/>
+                  <a:cs typeface="Courier New" pitchFamily="49" charset="0"/>
+                </a:rPr>
+                <a:t>::</a:t>
+              </a:r>
+              <a:r>
+                <a:rPr lang="en-US" sz="1600" dirty="0" err="1">
+                  <a:latin typeface="Courier New" pitchFamily="49" charset="0"/>
+                  <a:cs typeface="Courier New" pitchFamily="49" charset="0"/>
+                </a:rPr>
+                <a:t>ostream</a:t>
+              </a:r>
+              <a:r>
+                <a:rPr lang="en-US" sz="1600" dirty="0">
+                  <a:latin typeface="Courier New" pitchFamily="49" charset="0"/>
+                  <a:cs typeface="Courier New" pitchFamily="49" charset="0"/>
+                </a:rPr>
+                <a:t>&amp; </a:t>
+              </a:r>
+              <a:r>
+                <a:rPr lang="en-US" sz="1600" dirty="0" smtClean="0">
+                  <a:latin typeface="Courier New" pitchFamily="49" charset="0"/>
+                  <a:cs typeface="Courier New" pitchFamily="49" charset="0"/>
+                </a:rPr>
+                <a:t>out,</a:t>
+              </a:r>
+              <a:br>
+                <a:rPr lang="en-US" sz="1600" dirty="0" smtClean="0">
+                  <a:latin typeface="Courier New" pitchFamily="49" charset="0"/>
+                  <a:cs typeface="Courier New" pitchFamily="49" charset="0"/>
+                </a:rPr>
+              </a:br>
+              <a:r>
+                <a:rPr lang="en-US" sz="1600" dirty="0" smtClean="0">
+                  <a:latin typeface="Courier New" pitchFamily="49" charset="0"/>
+                  <a:cs typeface="Courier New" pitchFamily="49" charset="0"/>
+                </a:rPr>
+                <a:t>                         </a:t>
+              </a:r>
+              <a:r>
+                <a:rPr lang="en-US" sz="1600" dirty="0" err="1" smtClean="0">
+                  <a:latin typeface="Courier New" pitchFamily="49" charset="0"/>
+                  <a:cs typeface="Courier New" pitchFamily="49" charset="0"/>
+                </a:rPr>
+                <a:t>const</a:t>
+              </a:r>
+              <a:r>
+                <a:rPr lang="en-US" sz="1600" dirty="0" smtClean="0">
+                  <a:latin typeface="Courier New" pitchFamily="49" charset="0"/>
+                  <a:cs typeface="Courier New" pitchFamily="49" charset="0"/>
+                </a:rPr>
+                <a:t> </a:t>
+              </a:r>
+              <a:r>
+                <a:rPr lang="en-US" sz="1600" dirty="0">
+                  <a:latin typeface="Courier New" pitchFamily="49" charset="0"/>
+                  <a:cs typeface="Courier New" pitchFamily="49" charset="0"/>
+                </a:rPr>
+                <a:t>Particle&amp; p) {</a:t>
+              </a:r>
+            </a:p>
+            <a:p>
+              <a:r>
+                <a:rPr lang="en-US" sz="1600" dirty="0">
+                  <a:latin typeface="Courier New" pitchFamily="49" charset="0"/>
+                  <a:cs typeface="Courier New" pitchFamily="49" charset="0"/>
+                </a:rPr>
+                <a:t>    return out &lt;&lt; </a:t>
+              </a:r>
+              <a:r>
+                <a:rPr lang="en-US" sz="1600" b="1" dirty="0">
+                  <a:solidFill>
+                    <a:srgbClr val="C00000"/>
+                  </a:solidFill>
+                  <a:latin typeface="Courier New" pitchFamily="49" charset="0"/>
+                  <a:cs typeface="Courier New" pitchFamily="49" charset="0"/>
+                </a:rPr>
+                <a:t>(</a:t>
+              </a:r>
+              <a:r>
+                <a:rPr lang="en-US" sz="1600" b="1" dirty="0" err="1">
+                  <a:solidFill>
+                    <a:srgbClr val="C00000"/>
+                  </a:solidFill>
+                  <a:latin typeface="Courier New" pitchFamily="49" charset="0"/>
+                  <a:cs typeface="Courier New" pitchFamily="49" charset="0"/>
+                </a:rPr>
+                <a:t>StaticParticle</a:t>
+              </a:r>
+              <a:r>
+                <a:rPr lang="en-US" sz="1600" b="1" dirty="0">
+                  <a:solidFill>
+                    <a:srgbClr val="C00000"/>
+                  </a:solidFill>
+                  <a:latin typeface="Courier New" pitchFamily="49" charset="0"/>
+                  <a:cs typeface="Courier New" pitchFamily="49" charset="0"/>
+                </a:rPr>
+                <a:t>)</a:t>
+              </a:r>
+              <a:r>
+                <a:rPr lang="en-US" sz="1600" dirty="0">
+                  <a:latin typeface="Courier New" pitchFamily="49" charset="0"/>
+                  <a:cs typeface="Courier New" pitchFamily="49" charset="0"/>
+                </a:rPr>
+                <a:t> p &lt;&lt; ", ("</a:t>
+              </a:r>
+            </a:p>
+            <a:p>
+              <a:r>
+                <a:rPr lang="en-US" sz="1600" dirty="0">
+                  <a:latin typeface="Courier New" pitchFamily="49" charset="0"/>
+                  <a:cs typeface="Courier New" pitchFamily="49" charset="0"/>
+                </a:rPr>
+                <a:t>               &lt;&lt; </a:t>
+              </a:r>
+              <a:r>
+                <a:rPr lang="en-US" sz="1600" dirty="0" err="1">
+                  <a:latin typeface="Courier New" pitchFamily="49" charset="0"/>
+                  <a:cs typeface="Courier New" pitchFamily="49" charset="0"/>
+                </a:rPr>
+                <a:t>p.v_x</a:t>
+              </a:r>
+              <a:r>
+                <a:rPr lang="en-US" sz="1600" dirty="0">
+                  <a:latin typeface="Courier New" pitchFamily="49" charset="0"/>
+                  <a:cs typeface="Courier New" pitchFamily="49" charset="0"/>
+                </a:rPr>
+                <a:t>() &lt;&lt; ", " &lt;&lt; </a:t>
+              </a:r>
+              <a:r>
+                <a:rPr lang="en-US" sz="1600" dirty="0" err="1">
+                  <a:latin typeface="Courier New" pitchFamily="49" charset="0"/>
+                  <a:cs typeface="Courier New" pitchFamily="49" charset="0"/>
+                </a:rPr>
+                <a:t>p.v_y</a:t>
+              </a:r>
+              <a:r>
+                <a:rPr lang="en-US" sz="1600" dirty="0">
+                  <a:latin typeface="Courier New" pitchFamily="49" charset="0"/>
+                  <a:cs typeface="Courier New" pitchFamily="49" charset="0"/>
+                </a:rPr>
+                <a:t>() &lt;&lt; ")";</a:t>
+              </a:r>
+            </a:p>
+            <a:p>
+              <a:r>
+                <a:rPr lang="en-US" sz="1600" dirty="0">
+                  <a:latin typeface="Courier New" pitchFamily="49" charset="0"/>
+                  <a:cs typeface="Courier New" pitchFamily="49" charset="0"/>
+                </a:rPr>
+                <a:t>}</a:t>
+              </a:r>
+            </a:p>
+          </p:txBody>
+        </p:sp>
+        <p:sp>
+          <p:nvSpPr>
+            <p:cNvPr id="9" name="TextBox 8"/>
+            <p:cNvSpPr txBox="1"/>
+            <p:nvPr/>
+          </p:nvSpPr>
+          <p:spPr>
+            <a:xfrm>
+              <a:off x="6920854" y="1690689"/>
+              <a:ext cx="1300356" cy="276999"/>
+            </a:xfrm>
+            <a:prstGeom prst="rect">
+              <a:avLst/>
+            </a:prstGeom>
+            <a:solidFill>
+              <a:schemeClr val="bg1"/>
+            </a:solidFill>
+            <a:ln>
+              <a:solidFill>
+                <a:schemeClr val="tx1"/>
+              </a:solidFill>
+            </a:ln>
+          </p:spPr>
+          <p:txBody>
+            <a:bodyPr wrap="none" rtlCol="0">
+              <a:spAutoFit/>
+            </a:bodyPr>
+            <a:lstStyle/>
+            <a:p>
+              <a:r>
+                <a:rPr lang="en-US" sz="1200" dirty="0" smtClean="0">
+                  <a:latin typeface="Courier New" panose="02070309020205020404" pitchFamily="49" charset="0"/>
+                  <a:cs typeface="Courier New" panose="02070309020205020404" pitchFamily="49" charset="0"/>
+                </a:rPr>
+                <a:t>particle.cpp</a:t>
+              </a:r>
+              <a:endParaRPr lang="en-US" sz="1200" dirty="0">
+                <a:latin typeface="Courier New" panose="02070309020205020404" pitchFamily="49" charset="0"/>
+                <a:cs typeface="Courier New" panose="02070309020205020404" pitchFamily="49" charset="0"/>
+              </a:endParaRPr>
+            </a:p>
+          </p:txBody>
+        </p:sp>
+      </p:grpSp>
+      <p:grpSp>
+        <p:nvGrpSpPr>
+          <p:cNvPr id="10" name="Group 9"/>
+          <p:cNvGrpSpPr/>
+          <p:nvPr/>
+        </p:nvGrpSpPr>
+        <p:grpSpPr>
+          <a:xfrm>
+            <a:off x="4815281" y="5654180"/>
+            <a:ext cx="3045403" cy="1067296"/>
+            <a:chOff x="1159177" y="4469693"/>
+            <a:chExt cx="3045403" cy="1067296"/>
+          </a:xfrm>
+        </p:grpSpPr>
+        <p:sp>
+          <p:nvSpPr>
+            <p:cNvPr id="11" name="TextBox 10"/>
+            <p:cNvSpPr txBox="1"/>
+            <p:nvPr/>
+          </p:nvSpPr>
+          <p:spPr>
+            <a:xfrm>
+              <a:off x="1399111" y="4829103"/>
+              <a:ext cx="2805469" cy="707886"/>
+            </a:xfrm>
+            <a:prstGeom prst="rect">
+              <a:avLst/>
+            </a:prstGeom>
+            <a:solidFill>
+              <a:schemeClr val="bg1"/>
+            </a:solidFill>
+            <a:ln w="19050">
+              <a:solidFill>
+                <a:schemeClr val="tx1"/>
+              </a:solidFill>
+            </a:ln>
+          </p:spPr>
+          <p:txBody>
+            <a:bodyPr wrap="square" rtlCol="0">
+              <a:spAutoFit/>
+            </a:bodyPr>
+            <a:lstStyle/>
+            <a:p>
+              <a:r>
+                <a:rPr lang="en-US" sz="2000" dirty="0" smtClean="0"/>
+                <a:t>type cast, </a:t>
+              </a:r>
+              <a:r>
+                <a:rPr lang="en-US" sz="2000" dirty="0" smtClean="0">
+                  <a:latin typeface="Courier New" panose="02070309020205020404" pitchFamily="49" charset="0"/>
+                  <a:cs typeface="Courier New" panose="02070309020205020404" pitchFamily="49" charset="0"/>
+                </a:rPr>
+                <a:t>p</a:t>
+              </a:r>
+              <a:r>
+                <a:rPr lang="en-US" sz="2000" dirty="0" smtClean="0"/>
+                <a:t> is also</a:t>
+              </a:r>
+              <a:br>
+                <a:rPr lang="en-US" sz="2000" dirty="0" smtClean="0"/>
+              </a:br>
+              <a:r>
+                <a:rPr lang="en-US" sz="2000" dirty="0" err="1" smtClean="0">
+                  <a:latin typeface="Courier New" panose="02070309020205020404" pitchFamily="49" charset="0"/>
+                  <a:cs typeface="Courier New" panose="02070309020205020404" pitchFamily="49" charset="0"/>
+                </a:rPr>
+                <a:t>StaticParticle</a:t>
+              </a:r>
+              <a:endParaRPr lang="en-US" sz="2000" dirty="0">
+                <a:latin typeface="Courier New" panose="02070309020205020404" pitchFamily="49" charset="0"/>
+                <a:cs typeface="Courier New" panose="02070309020205020404" pitchFamily="49" charset="0"/>
+              </a:endParaRPr>
+            </a:p>
+          </p:txBody>
+        </p:sp>
+        <p:cxnSp>
+          <p:nvCxnSpPr>
+            <p:cNvPr id="12" name="Straight Arrow Connector 11"/>
+            <p:cNvCxnSpPr>
+              <a:stCxn id="11" idx="1"/>
+            </p:cNvCxnSpPr>
+            <p:nvPr/>
+          </p:nvCxnSpPr>
+          <p:spPr>
+            <a:xfrm flipH="1" flipV="1">
+              <a:off x="1159177" y="4469693"/>
+              <a:ext cx="239934" cy="713353"/>
+            </a:xfrm>
+            <a:prstGeom prst="straightConnector1">
+              <a:avLst/>
+            </a:prstGeom>
+            <a:ln w="19050">
+              <a:solidFill>
+                <a:schemeClr val="tx1"/>
+              </a:solidFill>
+              <a:tailEnd type="stealth" w="lg" len="lg"/>
+            </a:ln>
+          </p:spPr>
+          <p:style>
+            <a:lnRef idx="1">
+              <a:schemeClr val="accent1"/>
+            </a:lnRef>
+            <a:fillRef idx="0">
+              <a:schemeClr val="accent1"/>
+            </a:fillRef>
+            <a:effectRef idx="0">
+              <a:schemeClr val="accent1"/>
+            </a:effectRef>
+            <a:fontRef idx="minor">
+              <a:schemeClr val="tx1"/>
+            </a:fontRef>
+          </p:style>
+        </p:cxnSp>
+      </p:grpSp>
+    </p:spTree>
+    <p:extLst>
+      <p:ext uri="{BB962C8B-B14F-4D97-AF65-F5344CB8AC3E}">
+        <p14:creationId xmlns:p14="http://schemas.microsoft.com/office/powerpoint/2010/main" val="2872321676"/>
+      </p:ext>
+    </p:extLst>
+  </p:cSld>
+  <p:clrMapOvr>
+    <a:masterClrMapping/>
+  </p:clrMapOvr>
+  <p:timing>
+    <p:tnLst>
+      <p:par>
+        <p:cTn id="1" dur="indefinite" restart="never" nodeType="tmRoot">
+          <p:childTnLst>
+            <p:seq concurrent="1" nextAc="seek">
+              <p:cTn id="2" dur="indefinite" nodeType="mainSeq">
+                <p:childTnLst>
+                  <p:par>
+                    <p:cTn id="3" fill="hold">
+                      <p:stCondLst>
+                        <p:cond delay="indefinite"/>
+                      </p:stCondLst>
+                      <p:childTnLst>
+                        <p:par>
+                          <p:cTn id="4" fill="hold">
+                            <p:stCondLst>
+                              <p:cond delay="0"/>
+                            </p:stCondLst>
+                            <p:childTnLst>
+                              <p:par>
+                                <p:cTn id="5" presetID="1" presetClass="entr" presetSubtype="0" fill="hold" nodeType="clickEffect">
+                                  <p:stCondLst>
+                                    <p:cond delay="0"/>
+                                  </p:stCondLst>
+                                  <p:childTnLst>
+                                    <p:set>
+                                      <p:cBhvr>
+                                        <p:cTn id="6" dur="1" fill="hold">
+                                          <p:stCondLst>
+                                            <p:cond delay="0"/>
+                                          </p:stCondLst>
+                                        </p:cTn>
+                                        <p:tgtEl>
+                                          <p:spTgt spid="7"/>
+                                        </p:tgtEl>
+                                        <p:attrNameLst>
+                                          <p:attrName>style.visibility</p:attrName>
+                                        </p:attrNameLst>
+                                      </p:cBhvr>
+                                      <p:to>
+                                        <p:strVal val="visible"/>
+                                      </p:to>
+                                    </p:set>
+                                  </p:childTnLst>
+                                </p:cTn>
+                              </p:par>
+                            </p:childTnLst>
+                          </p:cTn>
+                        </p:par>
+                      </p:childTnLst>
+                    </p:cTn>
+                  </p:par>
+                  <p:par>
+                    <p:cTn id="7" fill="hold">
+                      <p:stCondLst>
+                        <p:cond delay="indefinite"/>
+                      </p:stCondLst>
+                      <p:childTnLst>
+                        <p:par>
+                          <p:cTn id="8" fill="hold">
+                            <p:stCondLst>
+                              <p:cond delay="0"/>
+                            </p:stCondLst>
+                            <p:childTnLst>
+                              <p:par>
+                                <p:cTn id="9" presetID="1" presetClass="entr" presetSubtype="0" fill="hold" nodeType="clickEffect">
+                                  <p:stCondLst>
+                                    <p:cond delay="0"/>
+                                  </p:stCondLst>
+                                  <p:childTnLst>
+                                    <p:set>
+                                      <p:cBhvr>
+                                        <p:cTn id="10" dur="1" fill="hold">
+                                          <p:stCondLst>
+                                            <p:cond delay="0"/>
+                                          </p:stCondLst>
+                                        </p:cTn>
+                                        <p:tgtEl>
+                                          <p:spTgt spid="10"/>
+                                        </p:tgtEl>
+                                        <p:attrNameLst>
+                                          <p:attrName>style.visibility</p:attrName>
+                                        </p:attrNameLst>
+                                      </p:cBhvr>
+                                      <p:to>
+                                        <p:strVal val="visible"/>
+                                      </p:to>
+                                    </p:set>
+                                  </p:childTnLst>
+                                </p:cTn>
+                              </p:par>
+                            </p:childTnLst>
+                          </p:cTn>
+                        </p:par>
+                      </p:childTnLst>
+                    </p:cTn>
+                  </p:par>
+                </p:childTnLst>
+              </p:cTn>
+              <p:prevCondLst>
+                <p:cond evt="onPrev" delay="0">
+                  <p:tgtEl>
+                    <p:sldTgt/>
+                  </p:tgtEl>
+                </p:cond>
+              </p:prevCondLst>
+              <p:nextCondLst>
+                <p:cond evt="onNext" delay="0">
+                  <p:tgtEl>
+                    <p:sldTgt/>
+                  </p:tgtEl>
+                </p:cond>
+              </p:nextCondLst>
+            </p:seq>
+          </p:childTnLst>
+        </p:cTn>
+      </p:par>
+    </p:tnLst>
+  </p:timing>
+</p:sld>
+</file>
+
 <file path=ppt/slides/slide2.xml><?xml version="1.0" encoding="utf-8"?>
 <p:sld xmlns:a="http://schemas.openxmlformats.org/drawingml/2006/main" xmlns:r="http://schemas.openxmlformats.org/officeDocument/2006/relationships" xmlns:p="http://schemas.openxmlformats.org/presentationml/2006/main">
   <p:cSld>
@@ -3941,14 +4950,7 @@
                   <a:latin typeface="Courier New" pitchFamily="49" charset="0"/>
                   <a:cs typeface="Courier New" pitchFamily="49" charset="0"/>
                 </a:rPr>
-                <a:t>class </a:t>
-              </a:r>
-              <a:r>
-                <a:rPr lang="nn-NO" sz="1600" dirty="0" smtClean="0">
-                  <a:latin typeface="Courier New" pitchFamily="49" charset="0"/>
-                  <a:cs typeface="Courier New" pitchFamily="49" charset="0"/>
-                </a:rPr>
-                <a:t>StaticParticle </a:t>
+                <a:t>class StaticParticle </a:t>
               </a:r>
               <a:r>
                 <a:rPr lang="nn-NO" sz="1600" dirty="0">
@@ -4012,21 +5014,7 @@
                   <a:latin typeface="Courier New" pitchFamily="49" charset="0"/>
                   <a:cs typeface="Courier New" pitchFamily="49" charset="0"/>
                 </a:rPr>
-                <a:t>StaticParticle(double </a:t>
-              </a:r>
-              <a:r>
-                <a:rPr lang="nn-NO" sz="1600" dirty="0" smtClean="0">
-                  <a:latin typeface="Courier New" pitchFamily="49" charset="0"/>
-                  <a:cs typeface="Courier New" pitchFamily="49" charset="0"/>
-                </a:rPr>
-                <a:t>x, double y</a:t>
-              </a:r>
-              <a:r>
-                <a:rPr lang="nn-NO" sz="1600" dirty="0" smtClean="0">
-                  <a:latin typeface="Courier New" pitchFamily="49" charset="0"/>
-                  <a:cs typeface="Courier New" pitchFamily="49" charset="0"/>
-                </a:rPr>
-                <a:t>,</a:t>
+                <a:t>StaticParticle(double x, double y,</a:t>
               </a:r>
             </a:p>
             <a:p>
@@ -4042,21 +5030,7 @@
                   <a:latin typeface="Courier New" pitchFamily="49" charset="0"/>
                   <a:cs typeface="Courier New" pitchFamily="49" charset="0"/>
                 </a:rPr>
-                <a:t>                     </a:t>
-              </a:r>
-              <a:r>
-                <a:rPr lang="nn-NO" sz="1600" dirty="0" smtClean="0">
-                  <a:latin typeface="Courier New" pitchFamily="49" charset="0"/>
-                  <a:cs typeface="Courier New" pitchFamily="49" charset="0"/>
-                </a:rPr>
-                <a:t> </a:t>
-              </a:r>
-              <a:r>
-                <a:rPr lang="nn-NO" sz="1600" dirty="0" smtClean="0">
-                  <a:latin typeface="Courier New" pitchFamily="49" charset="0"/>
-                  <a:cs typeface="Courier New" pitchFamily="49" charset="0"/>
-                </a:rPr>
-                <a:t>double mass) </a:t>
+                <a:t>                      double mass) </a:t>
               </a:r>
               <a:r>
                 <a:rPr lang="nn-NO" sz="1600" dirty="0">
@@ -4079,14 +5053,7 @@
                   <a:latin typeface="Courier New" pitchFamily="49" charset="0"/>
                   <a:cs typeface="Courier New" pitchFamily="49" charset="0"/>
                 </a:rPr>
-                <a:t>{x}, _y {y}, </a:t>
-              </a:r>
-              <a:r>
-                <a:rPr lang="nn-NO" sz="1600" dirty="0" smtClean="0">
-                  <a:latin typeface="Courier New" pitchFamily="49" charset="0"/>
-                  <a:cs typeface="Courier New" pitchFamily="49" charset="0"/>
-                </a:rPr>
-                <a:t>_</a:t>
+                <a:t>{x}, _y {y}, _</a:t>
               </a:r>
               <a:r>
                 <a:rPr lang="nn-NO" sz="1600" dirty="0">
@@ -4534,21 +5501,7 @@
                   <a:latin typeface="Courier New" pitchFamily="49" charset="0"/>
                   <a:cs typeface="Courier New" pitchFamily="49" charset="0"/>
                 </a:rPr>
-                <a:t>(double </a:t>
-              </a:r>
-              <a:r>
-                <a:rPr lang="nn-NO" sz="1600" dirty="0" smtClean="0">
-                  <a:latin typeface="Courier New" pitchFamily="49" charset="0"/>
-                  <a:cs typeface="Courier New" pitchFamily="49" charset="0"/>
-                </a:rPr>
-                <a:t>x, double y</a:t>
-              </a:r>
-              <a:r>
-                <a:rPr lang="nn-NO" sz="1600" dirty="0" smtClean="0">
-                  <a:latin typeface="Courier New" pitchFamily="49" charset="0"/>
-                  <a:cs typeface="Courier New" pitchFamily="49" charset="0"/>
-                </a:rPr>
-                <a:t>,</a:t>
+                <a:t>(double x, double y,</a:t>
               </a:r>
             </a:p>
             <a:p>
@@ -4594,21 +5547,7 @@
                   <a:latin typeface="Courier New" pitchFamily="49" charset="0"/>
                   <a:cs typeface="Courier New" pitchFamily="49" charset="0"/>
                 </a:rPr>
-                <a:t>      </a:t>
-              </a:r>
-              <a:r>
-                <a:rPr lang="nn-NO" sz="1600" dirty="0" smtClean="0">
-                  <a:latin typeface="Courier New" pitchFamily="49" charset="0"/>
-                  <a:cs typeface="Courier New" pitchFamily="49" charset="0"/>
-                </a:rPr>
-                <a:t>           double </a:t>
-              </a:r>
-              <a:r>
-                <a:rPr lang="nn-NO" sz="1600" dirty="0" smtClean="0">
-                  <a:latin typeface="Courier New" pitchFamily="49" charset="0"/>
-                  <a:cs typeface="Courier New" pitchFamily="49" charset="0"/>
-                </a:rPr>
-                <a:t>mass) </a:t>
+                <a:t>                 double mass) </a:t>
               </a:r>
               <a:r>
                 <a:rPr lang="nn-NO" sz="1600" dirty="0">
@@ -4657,14 +5596,7 @@
                   <a:latin typeface="Courier New" pitchFamily="49" charset="0"/>
                   <a:cs typeface="Courier New" pitchFamily="49" charset="0"/>
                 </a:rPr>
-                <a:t>           </a:t>
-              </a:r>
-              <a:r>
-                <a:rPr lang="nn-NO" sz="1600" dirty="0" smtClean="0">
-                  <a:latin typeface="Courier New" pitchFamily="49" charset="0"/>
-                  <a:cs typeface="Courier New" pitchFamily="49" charset="0"/>
-                </a:rPr>
-                <a:t>_mass </a:t>
+                <a:t>           _mass </a:t>
               </a:r>
               <a:r>
                 <a:rPr lang="nn-NO" sz="1600" dirty="0">
@@ -4738,14 +5670,7 @@
                   <a:latin typeface="Courier New" pitchFamily="49" charset="0"/>
                   <a:cs typeface="Courier New" pitchFamily="49" charset="0"/>
                 </a:rPr>
-                <a:t>_y; </a:t>
-              </a:r>
-              <a:r>
-                <a:rPr lang="nn-NO" sz="1600" dirty="0" smtClean="0">
-                  <a:latin typeface="Courier New" pitchFamily="49" charset="0"/>
-                  <a:cs typeface="Courier New" pitchFamily="49" charset="0"/>
-                </a:rPr>
-                <a:t>};</a:t>
+                <a:t>_y; };</a:t>
               </a:r>
             </a:p>
             <a:p>
@@ -5708,14 +6633,7 @@
                   <a:latin typeface="Courier New" pitchFamily="49" charset="0"/>
                   <a:cs typeface="Courier New" pitchFamily="49" charset="0"/>
                 </a:rPr>
-                <a:t>class </a:t>
-              </a:r>
-              <a:r>
-                <a:rPr lang="nn-NO" sz="1600" dirty="0" smtClean="0">
-                  <a:latin typeface="Courier New" pitchFamily="49" charset="0"/>
-                  <a:cs typeface="Courier New" pitchFamily="49" charset="0"/>
-                </a:rPr>
-                <a:t>Particle : public StaticParticle {</a:t>
+                <a:t>class Particle : public StaticParticle {</a:t>
               </a:r>
               <a:endParaRPr lang="nn-NO" sz="1600" dirty="0">
                 <a:latin typeface="Courier New" pitchFamily="49" charset="0"/>
@@ -5773,21 +6691,7 @@
                   <a:latin typeface="Courier New" pitchFamily="49" charset="0"/>
                   <a:cs typeface="Courier New" pitchFamily="49" charset="0"/>
                 </a:rPr>
-                <a:t>Particle(double </a:t>
-              </a:r>
-              <a:r>
-                <a:rPr lang="nn-NO" sz="1600" dirty="0" smtClean="0">
-                  <a:latin typeface="Courier New" pitchFamily="49" charset="0"/>
-                  <a:cs typeface="Courier New" pitchFamily="49" charset="0"/>
-                </a:rPr>
-                <a:t>x, double y</a:t>
-              </a:r>
-              <a:r>
-                <a:rPr lang="nn-NO" sz="1600" dirty="0" smtClean="0">
-                  <a:latin typeface="Courier New" pitchFamily="49" charset="0"/>
-                  <a:cs typeface="Courier New" pitchFamily="49" charset="0"/>
-                </a:rPr>
-                <a:t>,</a:t>
+                <a:t>Particle(double x, double y,</a:t>
               </a:r>
             </a:p>
             <a:p>
@@ -5816,28 +6720,7 @@
                   <a:latin typeface="Courier New" pitchFamily="49" charset="0"/>
                   <a:cs typeface="Courier New" pitchFamily="49" charset="0"/>
                 </a:rPr>
-                <a:t>      </a:t>
-              </a:r>
-              <a:r>
-                <a:rPr lang="nn-NO" sz="1600" dirty="0" smtClean="0">
-                  <a:latin typeface="Courier New" pitchFamily="49" charset="0"/>
-                  <a:cs typeface="Courier New" pitchFamily="49" charset="0"/>
-                </a:rPr>
-                <a:t>           double </a:t>
-              </a:r>
-              <a:r>
-                <a:rPr lang="nn-NO" sz="1600" dirty="0" smtClean="0">
-                  <a:latin typeface="Courier New" pitchFamily="49" charset="0"/>
-                  <a:cs typeface="Courier New" pitchFamily="49" charset="0"/>
-                </a:rPr>
-                <a:t>mass) </a:t>
-              </a:r>
-              <a:r>
-                <a:rPr lang="nn-NO" sz="1600" dirty="0" smtClean="0">
-                  <a:latin typeface="Courier New" pitchFamily="49" charset="0"/>
-                  <a:cs typeface="Courier New" pitchFamily="49" charset="0"/>
-                </a:rPr>
-                <a:t>:</a:t>
+                <a:t>                 double mass) :</a:t>
               </a:r>
             </a:p>
             <a:p>
@@ -5853,14 +6736,7 @@
                   <a:latin typeface="Courier New" pitchFamily="49" charset="0"/>
                   <a:cs typeface="Courier New" pitchFamily="49" charset="0"/>
                 </a:rPr>
-                <a:t>           </a:t>
-              </a:r>
-              <a:r>
-                <a:rPr lang="nn-NO" sz="1600" dirty="0" smtClean="0">
-                  <a:latin typeface="Courier New" pitchFamily="49" charset="0"/>
-                  <a:cs typeface="Courier New" pitchFamily="49" charset="0"/>
-                </a:rPr>
-                <a:t>StaticParticle(x, y, mass),</a:t>
+                <a:t>           StaticParticle(x, y, mass),</a:t>
               </a:r>
               <a:endParaRPr lang="nn-NO" sz="1600" dirty="0">
                 <a:latin typeface="Courier New" pitchFamily="49" charset="0"/>
@@ -7079,14 +7955,7 @@
                   <a:latin typeface="Courier New" pitchFamily="49" charset="0"/>
                   <a:cs typeface="Courier New" pitchFamily="49" charset="0"/>
                 </a:rPr>
-                <a:t>class </a:t>
-              </a:r>
-              <a:r>
-                <a:rPr lang="nn-NO" sz="1600" dirty="0" smtClean="0">
-                  <a:latin typeface="Courier New" pitchFamily="49" charset="0"/>
-                  <a:cs typeface="Courier New" pitchFamily="49" charset="0"/>
-                </a:rPr>
-                <a:t>StaticParticle </a:t>
+                <a:t>class StaticParticle </a:t>
               </a:r>
               <a:r>
                 <a:rPr lang="nn-NO" sz="1600" dirty="0">
@@ -8100,6 +8969,795 @@
       <p:bldP spid="3" grpId="0" uiExpand="1" build="p"/>
       <p:bldP spid="5" grpId="0" animBg="1"/>
     </p:bldLst>
+  </p:timing>
+</p:sld>
+</file>
+
+<file path=ppt/slides/slide9.xml><?xml version="1.0" encoding="utf-8"?>
+<p:sld xmlns:a="http://schemas.openxmlformats.org/drawingml/2006/main" xmlns:r="http://schemas.openxmlformats.org/officeDocument/2006/relationships" xmlns:p="http://schemas.openxmlformats.org/presentationml/2006/main">
+  <p:cSld>
+    <p:spTree>
+      <p:nvGrpSpPr>
+        <p:cNvPr id="1" name=""/>
+        <p:cNvGrpSpPr/>
+        <p:nvPr/>
+      </p:nvGrpSpPr>
+      <p:grpSpPr>
+        <a:xfrm>
+          <a:off x="0" y="0"/>
+          <a:ext cx="0" cy="0"/>
+          <a:chOff x="0" y="0"/>
+          <a:chExt cx="0" cy="0"/>
+        </a:xfrm>
+      </p:grpSpPr>
+      <p:sp>
+        <p:nvSpPr>
+          <p:cNvPr id="2" name="Title 1"/>
+          <p:cNvSpPr>
+            <a:spLocks noGrp="1"/>
+          </p:cNvSpPr>
+          <p:nvPr>
+            <p:ph type="title"/>
+          </p:nvPr>
+        </p:nvSpPr>
+        <p:spPr/>
+        <p:txBody>
+          <a:bodyPr/>
+          <a:lstStyle/>
+          <a:p>
+            <a:r>
+              <a:rPr lang="en-US" dirty="0" smtClean="0"/>
+              <a:t>Using child classes</a:t>
+            </a:r>
+            <a:endParaRPr lang="en-US" dirty="0"/>
+          </a:p>
+        </p:txBody>
+      </p:sp>
+      <p:sp>
+        <p:nvSpPr>
+          <p:cNvPr id="4" name="Slide Number Placeholder 3"/>
+          <p:cNvSpPr>
+            <a:spLocks noGrp="1"/>
+          </p:cNvSpPr>
+          <p:nvPr>
+            <p:ph type="sldNum" sz="quarter" idx="12"/>
+          </p:nvPr>
+        </p:nvSpPr>
+        <p:spPr/>
+        <p:txBody>
+          <a:bodyPr/>
+          <a:lstStyle/>
+          <a:p>
+            <a:fld id="{9CEF4966-5219-4577-B301-14467D565841}" type="slidenum">
+              <a:rPr lang="en-US" smtClean="0"/>
+              <a:t>9</a:t>
+            </a:fld>
+            <a:endParaRPr lang="en-US"/>
+          </a:p>
+        </p:txBody>
+      </p:sp>
+      <p:grpSp>
+        <p:nvGrpSpPr>
+          <p:cNvPr id="5" name="Group 4"/>
+          <p:cNvGrpSpPr/>
+          <p:nvPr/>
+        </p:nvGrpSpPr>
+        <p:grpSpPr>
+          <a:xfrm>
+            <a:off x="628650" y="1458497"/>
+            <a:ext cx="6033394" cy="5016758"/>
+            <a:chOff x="628650" y="1690689"/>
+            <a:chExt cx="6033394" cy="5016758"/>
+          </a:xfrm>
+        </p:grpSpPr>
+        <p:sp>
+          <p:nvSpPr>
+            <p:cNvPr id="6" name="TextBox 5"/>
+            <p:cNvSpPr txBox="1"/>
+            <p:nvPr/>
+          </p:nvSpPr>
+          <p:spPr>
+            <a:xfrm>
+              <a:off x="628650" y="1690689"/>
+              <a:ext cx="6033394" cy="5016758"/>
+            </a:xfrm>
+            <a:prstGeom prst="rect">
+              <a:avLst/>
+            </a:prstGeom>
+            <a:solidFill>
+              <a:schemeClr val="bg1">
+                <a:lumMod val="75000"/>
+              </a:schemeClr>
+            </a:solidFill>
+          </p:spPr>
+          <p:txBody>
+            <a:bodyPr wrap="square" rtlCol="0">
+              <a:spAutoFit/>
+            </a:bodyPr>
+            <a:lstStyle/>
+            <a:p>
+              <a:r>
+                <a:rPr lang="nn-NO" sz="1600" dirty="0">
+                  <a:latin typeface="Courier New" pitchFamily="49" charset="0"/>
+                  <a:cs typeface="Courier New" pitchFamily="49" charset="0"/>
+                </a:rPr>
+                <a:t>#include &lt;iostream&gt;</a:t>
+              </a:r>
+            </a:p>
+            <a:p>
+              <a:r>
+                <a:rPr lang="nn-NO" sz="1600" dirty="0">
+                  <a:latin typeface="Courier New" pitchFamily="49" charset="0"/>
+                  <a:cs typeface="Courier New" pitchFamily="49" charset="0"/>
+                </a:rPr>
+                <a:t>#include "particle.h"</a:t>
+              </a:r>
+            </a:p>
+            <a:p>
+              <a:endParaRPr lang="nn-NO" sz="1600" dirty="0">
+                <a:latin typeface="Courier New" pitchFamily="49" charset="0"/>
+                <a:cs typeface="Courier New" pitchFamily="49" charset="0"/>
+              </a:endParaRPr>
+            </a:p>
+            <a:p>
+              <a:r>
+                <a:rPr lang="nn-NO" sz="1600" dirty="0">
+                  <a:latin typeface="Courier New" pitchFamily="49" charset="0"/>
+                  <a:cs typeface="Courier New" pitchFamily="49" charset="0"/>
+                </a:rPr>
+                <a:t>using namespace std;</a:t>
+              </a:r>
+            </a:p>
+            <a:p>
+              <a:endParaRPr lang="nn-NO" sz="1600" dirty="0">
+                <a:latin typeface="Courier New" pitchFamily="49" charset="0"/>
+                <a:cs typeface="Courier New" pitchFamily="49" charset="0"/>
+              </a:endParaRPr>
+            </a:p>
+            <a:p>
+              <a:r>
+                <a:rPr lang="nn-NO" sz="1600" dirty="0">
+                  <a:latin typeface="Courier New" pitchFamily="49" charset="0"/>
+                  <a:cs typeface="Courier New" pitchFamily="49" charset="0"/>
+                </a:rPr>
+                <a:t>int main(void) {</a:t>
+              </a:r>
+            </a:p>
+            <a:p>
+              <a:r>
+                <a:rPr lang="nn-NO" sz="1600" dirty="0">
+                  <a:latin typeface="Courier New" pitchFamily="49" charset="0"/>
+                  <a:cs typeface="Courier New" pitchFamily="49" charset="0"/>
+                </a:rPr>
+                <a:t>    StaticParticle p_s(0.0, 0.0, 1.0);</a:t>
+              </a:r>
+            </a:p>
+            <a:p>
+              <a:r>
+                <a:rPr lang="nn-NO" sz="1600" dirty="0">
+                  <a:latin typeface="Courier New" pitchFamily="49" charset="0"/>
+                  <a:cs typeface="Courier New" pitchFamily="49" charset="0"/>
+                </a:rPr>
+                <a:t>    cout &lt;&lt; </a:t>
+              </a:r>
+              <a:r>
+                <a:rPr lang="nn-NO" sz="1600" dirty="0" smtClean="0">
+                  <a:latin typeface="Courier New" pitchFamily="49" charset="0"/>
+                  <a:cs typeface="Courier New" pitchFamily="49" charset="0"/>
+                </a:rPr>
+                <a:t>p_s </a:t>
+              </a:r>
+              <a:r>
+                <a:rPr lang="nn-NO" sz="1600" dirty="0">
+                  <a:latin typeface="Courier New" pitchFamily="49" charset="0"/>
+                  <a:cs typeface="Courier New" pitchFamily="49" charset="0"/>
+                </a:rPr>
+                <a:t>&lt;&lt; endl;</a:t>
+              </a:r>
+            </a:p>
+            <a:p>
+              <a:r>
+                <a:rPr lang="nn-NO" sz="1600" dirty="0">
+                  <a:latin typeface="Courier New" pitchFamily="49" charset="0"/>
+                  <a:cs typeface="Courier New" pitchFamily="49" charset="0"/>
+                </a:rPr>
+                <a:t>    Particle p1(1.0, 0.0, 1.0, 0.5, 1.0);</a:t>
+              </a:r>
+            </a:p>
+            <a:p>
+              <a:r>
+                <a:rPr lang="nn-NO" sz="1600" dirty="0">
+                  <a:latin typeface="Courier New" pitchFamily="49" charset="0"/>
+                  <a:cs typeface="Courier New" pitchFamily="49" charset="0"/>
+                </a:rPr>
+                <a:t>    cout &lt;&lt; </a:t>
+              </a:r>
+              <a:r>
+                <a:rPr lang="nn-NO" sz="1600" dirty="0" smtClean="0">
+                  <a:latin typeface="Courier New" pitchFamily="49" charset="0"/>
+                  <a:cs typeface="Courier New" pitchFamily="49" charset="0"/>
+                </a:rPr>
+                <a:t>p1 </a:t>
+              </a:r>
+              <a:r>
+                <a:rPr lang="nn-NO" sz="1600" dirty="0">
+                  <a:latin typeface="Courier New" pitchFamily="49" charset="0"/>
+                  <a:cs typeface="Courier New" pitchFamily="49" charset="0"/>
+                </a:rPr>
+                <a:t>&lt;&lt; endl;</a:t>
+              </a:r>
+            </a:p>
+            <a:p>
+              <a:r>
+                <a:rPr lang="nn-NO" sz="1600" dirty="0">
+                  <a:latin typeface="Courier New" pitchFamily="49" charset="0"/>
+                  <a:cs typeface="Courier New" pitchFamily="49" charset="0"/>
+                </a:rPr>
+                <a:t>    Particle p2(0.0, 1.0, 0.0, 0.5, 2.0</a:t>
+              </a:r>
+              <a:r>
+                <a:rPr lang="nn-NO" sz="1600" dirty="0" smtClean="0">
+                  <a:latin typeface="Courier New" pitchFamily="49" charset="0"/>
+                  <a:cs typeface="Courier New" pitchFamily="49" charset="0"/>
+                </a:rPr>
+                <a:t>);</a:t>
+              </a:r>
+              <a:endParaRPr lang="nn-NO" sz="1600" dirty="0">
+                <a:latin typeface="Courier New" pitchFamily="49" charset="0"/>
+                <a:cs typeface="Courier New" pitchFamily="49" charset="0"/>
+              </a:endParaRPr>
+            </a:p>
+            <a:p>
+              <a:r>
+                <a:rPr lang="nn-NO" sz="1600" dirty="0">
+                  <a:latin typeface="Courier New" pitchFamily="49" charset="0"/>
+                  <a:cs typeface="Courier New" pitchFamily="49" charset="0"/>
+                </a:rPr>
+                <a:t>    cout &lt;&lt; </a:t>
+              </a:r>
+              <a:r>
+                <a:rPr lang="nn-NO" sz="1600" dirty="0" smtClean="0">
+                  <a:latin typeface="Courier New" pitchFamily="49" charset="0"/>
+                  <a:cs typeface="Courier New" pitchFamily="49" charset="0"/>
+                </a:rPr>
+                <a:t>p2 </a:t>
+              </a:r>
+              <a:r>
+                <a:rPr lang="nn-NO" sz="1600" dirty="0">
+                  <a:latin typeface="Courier New" pitchFamily="49" charset="0"/>
+                  <a:cs typeface="Courier New" pitchFamily="49" charset="0"/>
+                </a:rPr>
+                <a:t>&lt;&lt; endl;</a:t>
+              </a:r>
+            </a:p>
+            <a:p>
+              <a:r>
+                <a:rPr lang="nn-NO" sz="1600" dirty="0">
+                  <a:latin typeface="Courier New" pitchFamily="49" charset="0"/>
+                  <a:cs typeface="Courier New" pitchFamily="49" charset="0"/>
+                </a:rPr>
+                <a:t>    cout &lt;&lt; p1 &lt;&lt; endl;</a:t>
+              </a:r>
+            </a:p>
+            <a:p>
+              <a:r>
+                <a:rPr lang="nn-NO" sz="1600" dirty="0">
+                  <a:latin typeface="Courier New" pitchFamily="49" charset="0"/>
+                  <a:cs typeface="Courier New" pitchFamily="49" charset="0"/>
+                </a:rPr>
+                <a:t>    const double delta_t = 0.1;</a:t>
+              </a:r>
+            </a:p>
+            <a:p>
+              <a:r>
+                <a:rPr lang="nn-NO" sz="1600" dirty="0">
+                  <a:latin typeface="Courier New" pitchFamily="49" charset="0"/>
+                  <a:cs typeface="Courier New" pitchFamily="49" charset="0"/>
+                </a:rPr>
+                <a:t>    p1.move(delta_t);</a:t>
+              </a:r>
+            </a:p>
+            <a:p>
+              <a:r>
+                <a:rPr lang="nn-NO" sz="1600" dirty="0">
+                  <a:latin typeface="Courier New" pitchFamily="49" charset="0"/>
+                  <a:cs typeface="Courier New" pitchFamily="49" charset="0"/>
+                </a:rPr>
+                <a:t>    cout &lt;&lt; </a:t>
+              </a:r>
+              <a:r>
+                <a:rPr lang="nn-NO" sz="1600" dirty="0" smtClean="0">
+                  <a:latin typeface="Courier New" pitchFamily="49" charset="0"/>
+                  <a:cs typeface="Courier New" pitchFamily="49" charset="0"/>
+                </a:rPr>
+                <a:t>p1 </a:t>
+              </a:r>
+              <a:r>
+                <a:rPr lang="nn-NO" sz="1600" dirty="0">
+                  <a:latin typeface="Courier New" pitchFamily="49" charset="0"/>
+                  <a:cs typeface="Courier New" pitchFamily="49" charset="0"/>
+                </a:rPr>
+                <a:t>&lt;&lt;  endl;</a:t>
+              </a:r>
+            </a:p>
+            <a:p>
+              <a:r>
+                <a:rPr lang="nn-NO" sz="1600" dirty="0">
+                  <a:latin typeface="Courier New" pitchFamily="49" charset="0"/>
+                  <a:cs typeface="Courier New" pitchFamily="49" charset="0"/>
+                </a:rPr>
+                <a:t>    cout &lt;&lt; </a:t>
+              </a:r>
+              <a:r>
+                <a:rPr lang="nn-NO" sz="1600" dirty="0" smtClean="0">
+                  <a:latin typeface="Courier New" pitchFamily="49" charset="0"/>
+                  <a:cs typeface="Courier New" pitchFamily="49" charset="0"/>
+                </a:rPr>
+                <a:t>p1.dist(p_s</a:t>
+              </a:r>
+              <a:r>
+                <a:rPr lang="nn-NO" sz="1600" dirty="0">
+                  <a:latin typeface="Courier New" pitchFamily="49" charset="0"/>
+                  <a:cs typeface="Courier New" pitchFamily="49" charset="0"/>
+                </a:rPr>
+                <a:t>) &lt;&lt; endl</a:t>
+              </a:r>
+              <a:r>
+                <a:rPr lang="nn-NO" sz="1600" dirty="0" smtClean="0">
+                  <a:latin typeface="Courier New" pitchFamily="49" charset="0"/>
+                  <a:cs typeface="Courier New" pitchFamily="49" charset="0"/>
+                </a:rPr>
+                <a:t>;</a:t>
+              </a:r>
+            </a:p>
+            <a:p>
+              <a:r>
+                <a:rPr lang="nn-NO" sz="1600" dirty="0">
+                  <a:latin typeface="Courier New" pitchFamily="49" charset="0"/>
+                  <a:cs typeface="Courier New" pitchFamily="49" charset="0"/>
+                </a:rPr>
+                <a:t> </a:t>
+              </a:r>
+              <a:r>
+                <a:rPr lang="nn-NO" sz="1600" dirty="0" smtClean="0">
+                  <a:latin typeface="Courier New" pitchFamily="49" charset="0"/>
+                  <a:cs typeface="Courier New" pitchFamily="49" charset="0"/>
+                </a:rPr>
+                <a:t>   cout &lt;&lt; p1.dist(p2) &lt;&lt; endl;</a:t>
+              </a:r>
+              <a:endParaRPr lang="nn-NO" sz="1600" dirty="0">
+                <a:latin typeface="Courier New" pitchFamily="49" charset="0"/>
+                <a:cs typeface="Courier New" pitchFamily="49" charset="0"/>
+              </a:endParaRPr>
+            </a:p>
+            <a:p>
+              <a:r>
+                <a:rPr lang="nn-NO" sz="1600" dirty="0" smtClean="0">
+                  <a:latin typeface="Courier New" pitchFamily="49" charset="0"/>
+                  <a:cs typeface="Courier New" pitchFamily="49" charset="0"/>
+                </a:rPr>
+                <a:t>    return </a:t>
+              </a:r>
+              <a:r>
+                <a:rPr lang="nn-NO" sz="1600" dirty="0">
+                  <a:latin typeface="Courier New" pitchFamily="49" charset="0"/>
+                  <a:cs typeface="Courier New" pitchFamily="49" charset="0"/>
+                </a:rPr>
+                <a:t>0;</a:t>
+              </a:r>
+            </a:p>
+            <a:p>
+              <a:r>
+                <a:rPr lang="nn-NO" sz="1600" dirty="0">
+                  <a:latin typeface="Courier New" pitchFamily="49" charset="0"/>
+                  <a:cs typeface="Courier New" pitchFamily="49" charset="0"/>
+                </a:rPr>
+                <a:t>}</a:t>
+              </a:r>
+            </a:p>
+          </p:txBody>
+        </p:sp>
+        <p:sp>
+          <p:nvSpPr>
+            <p:cNvPr id="7" name="TextBox 6"/>
+            <p:cNvSpPr txBox="1"/>
+            <p:nvPr/>
+          </p:nvSpPr>
+          <p:spPr>
+            <a:xfrm>
+              <a:off x="5733585" y="1690689"/>
+              <a:ext cx="928459" cy="276999"/>
+            </a:xfrm>
+            <a:prstGeom prst="rect">
+              <a:avLst/>
+            </a:prstGeom>
+            <a:solidFill>
+              <a:schemeClr val="bg1"/>
+            </a:solidFill>
+            <a:ln>
+              <a:solidFill>
+                <a:schemeClr val="tx1"/>
+              </a:solidFill>
+            </a:ln>
+          </p:spPr>
+          <p:txBody>
+            <a:bodyPr wrap="none" rtlCol="0">
+              <a:spAutoFit/>
+            </a:bodyPr>
+            <a:lstStyle/>
+            <a:p>
+              <a:r>
+                <a:rPr lang="en-US" sz="1200" dirty="0" smtClean="0">
+                  <a:latin typeface="Courier New" panose="02070309020205020404" pitchFamily="49" charset="0"/>
+                  <a:cs typeface="Courier New" panose="02070309020205020404" pitchFamily="49" charset="0"/>
+                </a:rPr>
+                <a:t>main.cpp</a:t>
+              </a:r>
+              <a:endParaRPr lang="en-US" sz="1200" dirty="0">
+                <a:latin typeface="Courier New" panose="02070309020205020404" pitchFamily="49" charset="0"/>
+                <a:cs typeface="Courier New" panose="02070309020205020404" pitchFamily="49" charset="0"/>
+              </a:endParaRPr>
+            </a:p>
+          </p:txBody>
+        </p:sp>
+      </p:grpSp>
+      <p:grpSp>
+        <p:nvGrpSpPr>
+          <p:cNvPr id="8" name="Group 7"/>
+          <p:cNvGrpSpPr/>
+          <p:nvPr/>
+        </p:nvGrpSpPr>
+        <p:grpSpPr>
+          <a:xfrm>
+            <a:off x="5219361" y="4923923"/>
+            <a:ext cx="3528128" cy="1015663"/>
+            <a:chOff x="1563257" y="2838808"/>
+            <a:chExt cx="3528128" cy="1015663"/>
+          </a:xfrm>
+        </p:grpSpPr>
+        <p:sp>
+          <p:nvSpPr>
+            <p:cNvPr id="9" name="TextBox 8"/>
+            <p:cNvSpPr txBox="1"/>
+            <p:nvPr/>
+          </p:nvSpPr>
+          <p:spPr>
+            <a:xfrm>
+              <a:off x="2658149" y="2838808"/>
+              <a:ext cx="2433236" cy="1015663"/>
+            </a:xfrm>
+            <a:prstGeom prst="rect">
+              <a:avLst/>
+            </a:prstGeom>
+            <a:solidFill>
+              <a:schemeClr val="bg1"/>
+            </a:solidFill>
+            <a:ln w="19050">
+              <a:solidFill>
+                <a:schemeClr val="tx1"/>
+              </a:solidFill>
+            </a:ln>
+          </p:spPr>
+          <p:txBody>
+            <a:bodyPr wrap="square" rtlCol="0">
+              <a:spAutoFit/>
+            </a:bodyPr>
+            <a:lstStyle/>
+            <a:p>
+              <a:r>
+                <a:rPr lang="en-US" sz="2000" dirty="0" smtClean="0"/>
+                <a:t>calling inherited</a:t>
+              </a:r>
+              <a:br>
+                <a:rPr lang="en-US" sz="2000" dirty="0" smtClean="0"/>
+              </a:br>
+              <a:r>
+                <a:rPr lang="en-US" sz="2000" dirty="0" smtClean="0"/>
+                <a:t>method from</a:t>
+              </a:r>
+              <a:br>
+                <a:rPr lang="en-US" sz="2000" dirty="0" smtClean="0"/>
+              </a:br>
+              <a:r>
+                <a:rPr lang="en-US" sz="2000" dirty="0" err="1" smtClean="0">
+                  <a:latin typeface="Courier New" panose="02070309020205020404" pitchFamily="49" charset="0"/>
+                  <a:cs typeface="Courier New" panose="02070309020205020404" pitchFamily="49" charset="0"/>
+                </a:rPr>
+                <a:t>StaticParticle</a:t>
+              </a:r>
+              <a:endParaRPr lang="en-US" sz="2000" dirty="0">
+                <a:latin typeface="Courier New" panose="02070309020205020404" pitchFamily="49" charset="0"/>
+                <a:cs typeface="Courier New" panose="02070309020205020404" pitchFamily="49" charset="0"/>
+              </a:endParaRPr>
+            </a:p>
+          </p:txBody>
+        </p:sp>
+        <p:cxnSp>
+          <p:nvCxnSpPr>
+            <p:cNvPr id="10" name="Straight Arrow Connector 9"/>
+            <p:cNvCxnSpPr>
+              <a:stCxn id="9" idx="1"/>
+            </p:cNvCxnSpPr>
+            <p:nvPr/>
+          </p:nvCxnSpPr>
+          <p:spPr>
+            <a:xfrm flipH="1">
+              <a:off x="1563257" y="3346640"/>
+              <a:ext cx="1094892" cy="200054"/>
+            </a:xfrm>
+            <a:prstGeom prst="straightConnector1">
+              <a:avLst/>
+            </a:prstGeom>
+            <a:ln w="19050">
+              <a:solidFill>
+                <a:schemeClr val="tx1"/>
+              </a:solidFill>
+              <a:tailEnd type="stealth" w="lg" len="lg"/>
+            </a:ln>
+          </p:spPr>
+          <p:style>
+            <a:lnRef idx="1">
+              <a:schemeClr val="accent1"/>
+            </a:lnRef>
+            <a:fillRef idx="0">
+              <a:schemeClr val="accent1"/>
+            </a:fillRef>
+            <a:effectRef idx="0">
+              <a:schemeClr val="accent1"/>
+            </a:effectRef>
+            <a:fontRef idx="minor">
+              <a:schemeClr val="tx1"/>
+            </a:fontRef>
+          </p:style>
+        </p:cxnSp>
+      </p:grpSp>
+      <p:grpSp>
+        <p:nvGrpSpPr>
+          <p:cNvPr id="12" name="Group 11"/>
+          <p:cNvGrpSpPr/>
+          <p:nvPr/>
+        </p:nvGrpSpPr>
+        <p:grpSpPr>
+          <a:xfrm>
+            <a:off x="3932730" y="4007572"/>
+            <a:ext cx="4814759" cy="1035090"/>
+            <a:chOff x="276626" y="2823085"/>
+            <a:chExt cx="4814759" cy="1035090"/>
+          </a:xfrm>
+        </p:grpSpPr>
+        <p:sp>
+          <p:nvSpPr>
+            <p:cNvPr id="13" name="TextBox 12"/>
+            <p:cNvSpPr txBox="1"/>
+            <p:nvPr/>
+          </p:nvSpPr>
+          <p:spPr>
+            <a:xfrm>
+              <a:off x="2285916" y="2823085"/>
+              <a:ext cx="2805469" cy="707886"/>
+            </a:xfrm>
+            <a:prstGeom prst="rect">
+              <a:avLst/>
+            </a:prstGeom>
+            <a:solidFill>
+              <a:schemeClr val="bg1"/>
+            </a:solidFill>
+            <a:ln w="19050">
+              <a:solidFill>
+                <a:schemeClr val="tx1"/>
+              </a:solidFill>
+            </a:ln>
+          </p:spPr>
+          <p:txBody>
+            <a:bodyPr wrap="square" rtlCol="0">
+              <a:spAutoFit/>
+            </a:bodyPr>
+            <a:lstStyle/>
+            <a:p>
+              <a:r>
+                <a:rPr lang="en-US" sz="2000" dirty="0" smtClean="0"/>
+                <a:t>only for </a:t>
+              </a:r>
+              <a:r>
+                <a:rPr lang="en-US" sz="2000" dirty="0" smtClean="0">
+                  <a:latin typeface="Courier New" panose="02070309020205020404" pitchFamily="49" charset="0"/>
+                  <a:cs typeface="Courier New" panose="02070309020205020404" pitchFamily="49" charset="0"/>
+                </a:rPr>
+                <a:t>Particle</a:t>
+              </a:r>
+              <a:r>
+                <a:rPr lang="en-US" sz="2000" dirty="0" smtClean="0"/>
+                <a:t>,</a:t>
+              </a:r>
+              <a:br>
+                <a:rPr lang="en-US" sz="2000" dirty="0" smtClean="0"/>
+              </a:br>
+              <a:r>
+                <a:rPr lang="en-US" sz="2000" dirty="0" smtClean="0"/>
+                <a:t>not </a:t>
+              </a:r>
+              <a:r>
+                <a:rPr lang="en-US" sz="2000" dirty="0" err="1" smtClean="0">
+                  <a:latin typeface="Courier New" panose="02070309020205020404" pitchFamily="49" charset="0"/>
+                  <a:cs typeface="Courier New" panose="02070309020205020404" pitchFamily="49" charset="0"/>
+                </a:rPr>
+                <a:t>StaticParticle</a:t>
+              </a:r>
+              <a:endParaRPr lang="en-US" sz="2000" dirty="0">
+                <a:latin typeface="Courier New" panose="02070309020205020404" pitchFamily="49" charset="0"/>
+                <a:cs typeface="Courier New" panose="02070309020205020404" pitchFamily="49" charset="0"/>
+              </a:endParaRPr>
+            </a:p>
+          </p:txBody>
+        </p:sp>
+        <p:cxnSp>
+          <p:nvCxnSpPr>
+            <p:cNvPr id="14" name="Straight Arrow Connector 13"/>
+            <p:cNvCxnSpPr>
+              <a:stCxn id="13" idx="1"/>
+            </p:cNvCxnSpPr>
+            <p:nvPr/>
+          </p:nvCxnSpPr>
+          <p:spPr>
+            <a:xfrm flipH="1">
+              <a:off x="276626" y="3177028"/>
+              <a:ext cx="2009290" cy="681147"/>
+            </a:xfrm>
+            <a:prstGeom prst="straightConnector1">
+              <a:avLst/>
+            </a:prstGeom>
+            <a:ln w="19050">
+              <a:solidFill>
+                <a:schemeClr val="tx1"/>
+              </a:solidFill>
+              <a:tailEnd type="stealth" w="lg" len="lg"/>
+            </a:ln>
+          </p:spPr>
+          <p:style>
+            <a:lnRef idx="1">
+              <a:schemeClr val="accent1"/>
+            </a:lnRef>
+            <a:fillRef idx="0">
+              <a:schemeClr val="accent1"/>
+            </a:fillRef>
+            <a:effectRef idx="0">
+              <a:schemeClr val="accent1"/>
+            </a:effectRef>
+            <a:fontRef idx="minor">
+              <a:schemeClr val="tx1"/>
+            </a:fontRef>
+          </p:style>
+        </p:cxnSp>
+      </p:grpSp>
+    </p:spTree>
+    <p:extLst>
+      <p:ext uri="{BB962C8B-B14F-4D97-AF65-F5344CB8AC3E}">
+        <p14:creationId xmlns:p14="http://schemas.microsoft.com/office/powerpoint/2010/main" val="3442705385"/>
+      </p:ext>
+    </p:extLst>
+  </p:cSld>
+  <p:clrMapOvr>
+    <a:masterClrMapping/>
+  </p:clrMapOvr>
+  <p:timing>
+    <p:tnLst>
+      <p:par>
+        <p:cTn id="1" dur="indefinite" restart="never" nodeType="tmRoot">
+          <p:childTnLst>
+            <p:seq concurrent="1" nextAc="seek">
+              <p:cTn id="2" dur="indefinite" nodeType="mainSeq">
+                <p:childTnLst>
+                  <p:par>
+                    <p:cTn id="3" fill="hold">
+                      <p:stCondLst>
+                        <p:cond delay="indefinite"/>
+                      </p:stCondLst>
+                      <p:childTnLst>
+                        <p:par>
+                          <p:cTn id="4" fill="hold">
+                            <p:stCondLst>
+                              <p:cond delay="0"/>
+                            </p:stCondLst>
+                            <p:childTnLst>
+                              <p:par>
+                                <p:cTn id="5" presetID="1" presetClass="entr" presetSubtype="0" fill="hold" nodeType="clickEffect">
+                                  <p:stCondLst>
+                                    <p:cond delay="0"/>
+                                  </p:stCondLst>
+                                  <p:childTnLst>
+                                    <p:set>
+                                      <p:cBhvr>
+                                        <p:cTn id="6" dur="1" fill="hold">
+                                          <p:stCondLst>
+                                            <p:cond delay="0"/>
+                                          </p:stCondLst>
+                                        </p:cTn>
+                                        <p:tgtEl>
+                                          <p:spTgt spid="12"/>
+                                        </p:tgtEl>
+                                        <p:attrNameLst>
+                                          <p:attrName>style.visibility</p:attrName>
+                                        </p:attrNameLst>
+                                      </p:cBhvr>
+                                      <p:to>
+                                        <p:strVal val="visible"/>
+                                      </p:to>
+                                    </p:set>
+                                  </p:childTnLst>
+                                </p:cTn>
+                              </p:par>
+                            </p:childTnLst>
+                          </p:cTn>
+                        </p:par>
+                      </p:childTnLst>
+                    </p:cTn>
+                  </p:par>
+                  <p:par>
+                    <p:cTn id="7" fill="hold">
+                      <p:stCondLst>
+                        <p:cond delay="indefinite"/>
+                      </p:stCondLst>
+                      <p:childTnLst>
+                        <p:par>
+                          <p:cTn id="8" fill="hold">
+                            <p:stCondLst>
+                              <p:cond delay="0"/>
+                            </p:stCondLst>
+                            <p:childTnLst>
+                              <p:par>
+                                <p:cTn id="9" presetID="1" presetClass="entr" presetSubtype="0" fill="hold" nodeType="clickEffect">
+                                  <p:stCondLst>
+                                    <p:cond delay="0"/>
+                                  </p:stCondLst>
+                                  <p:childTnLst>
+                                    <p:set>
+                                      <p:cBhvr>
+                                        <p:cTn id="10" dur="1" fill="hold">
+                                          <p:stCondLst>
+                                            <p:cond delay="0"/>
+                                          </p:stCondLst>
+                                        </p:cTn>
+                                        <p:tgtEl>
+                                          <p:spTgt spid="8"/>
+                                        </p:tgtEl>
+                                        <p:attrNameLst>
+                                          <p:attrName>style.visibility</p:attrName>
+                                        </p:attrNameLst>
+                                      </p:cBhvr>
+                                      <p:to>
+                                        <p:strVal val="visible"/>
+                                      </p:to>
+                                    </p:set>
+                                  </p:childTnLst>
+                                </p:cTn>
+                              </p:par>
+                            </p:childTnLst>
+                          </p:cTn>
+                        </p:par>
+                      </p:childTnLst>
+                    </p:cTn>
+                  </p:par>
+                </p:childTnLst>
+              </p:cTn>
+              <p:prevCondLst>
+                <p:cond evt="onPrev" delay="0">
+                  <p:tgtEl>
+                    <p:sldTgt/>
+                  </p:tgtEl>
+                </p:cond>
+              </p:prevCondLst>
+              <p:nextCondLst>
+                <p:cond evt="onNext" delay="0">
+                  <p:tgtEl>
+                    <p:sldTgt/>
+                  </p:tgtEl>
+                </p:cond>
+              </p:nextCondLst>
+            </p:seq>
+          </p:childTnLst>
+        </p:cTn>
+      </p:par>
+    </p:tnLst>
   </p:timing>
 </p:sld>
 </file>

--- a/CPlusPlus/04_essential_cpp_classes.pptx
+++ b/CPlusPlus/04_essential_cpp_classes.pptx
@@ -5,7 +5,7 @@
     <p:sldMasterId id="2147483660" r:id="rId1"/>
   </p:sldMasterIdLst>
   <p:notesMasterIdLst>
-    <p:notesMasterId r:id="rId12"/>
+    <p:notesMasterId r:id="rId13"/>
   </p:notesMasterIdLst>
   <p:sldIdLst>
     <p:sldId id="257" r:id="rId2"/>
@@ -18,6 +18,7 @@
     <p:sldId id="264" r:id="rId9"/>
     <p:sldId id="265" r:id="rId10"/>
     <p:sldId id="266" r:id="rId11"/>
+    <p:sldId id="267" r:id="rId12"/>
   </p:sldIdLst>
   <p:sldSz cx="9144000" cy="6858000" type="screen4x3"/>
   <p:notesSz cx="6858000" cy="9144000"/>
@@ -4668,6 +4669,118 @@
       </p:par>
     </p:tnLst>
   </p:timing>
+</p:sld>
+</file>
+
+<file path=ppt/slides/slide11.xml><?xml version="1.0" encoding="utf-8"?>
+<p:sld xmlns:a="http://schemas.openxmlformats.org/drawingml/2006/main" xmlns:r="http://schemas.openxmlformats.org/officeDocument/2006/relationships" xmlns:p="http://schemas.openxmlformats.org/presentationml/2006/main">
+  <p:cSld>
+    <p:spTree>
+      <p:nvGrpSpPr>
+        <p:cNvPr id="1" name=""/>
+        <p:cNvGrpSpPr/>
+        <p:nvPr/>
+      </p:nvGrpSpPr>
+      <p:grpSpPr>
+        <a:xfrm>
+          <a:off x="0" y="0"/>
+          <a:ext cx="0" cy="0"/>
+          <a:chOff x="0" y="0"/>
+          <a:chExt cx="0" cy="0"/>
+        </a:xfrm>
+      </p:grpSpPr>
+      <p:sp>
+        <p:nvSpPr>
+          <p:cNvPr id="2" name="Title 1"/>
+          <p:cNvSpPr>
+            <a:spLocks noGrp="1"/>
+          </p:cNvSpPr>
+          <p:nvPr>
+            <p:ph type="title"/>
+          </p:nvPr>
+        </p:nvSpPr>
+        <p:spPr/>
+        <p:txBody>
+          <a:bodyPr/>
+          <a:lstStyle/>
+          <a:p>
+            <a:r>
+              <a:rPr lang="en-US" dirty="0" smtClean="0"/>
+              <a:t>What was left out?</a:t>
+            </a:r>
+            <a:endParaRPr lang="en-US" dirty="0"/>
+          </a:p>
+        </p:txBody>
+      </p:sp>
+      <p:sp>
+        <p:nvSpPr>
+          <p:cNvPr id="4" name="Content Placeholder 3"/>
+          <p:cNvSpPr>
+            <a:spLocks noGrp="1"/>
+          </p:cNvSpPr>
+          <p:nvPr>
+            <p:ph idx="1"/>
+          </p:nvPr>
+        </p:nvSpPr>
+        <p:spPr/>
+        <p:txBody>
+          <a:bodyPr/>
+          <a:lstStyle/>
+          <a:p>
+            <a:r>
+              <a:rPr lang="en-US" dirty="0" smtClean="0"/>
+              <a:t>Abstract classes</a:t>
+            </a:r>
+          </a:p>
+          <a:p>
+            <a:pPr lvl="1"/>
+            <a:r>
+              <a:rPr lang="en-US" dirty="0" smtClean="0"/>
+              <a:t>virtual functions</a:t>
+            </a:r>
+          </a:p>
+          <a:p>
+            <a:r>
+              <a:rPr lang="en-US" dirty="0" smtClean="0"/>
+              <a:t>Multiple inheritance</a:t>
+            </a:r>
+            <a:endParaRPr lang="en-US" dirty="0"/>
+          </a:p>
+        </p:txBody>
+      </p:sp>
+      <p:sp>
+        <p:nvSpPr>
+          <p:cNvPr id="3" name="Slide Number Placeholder 2"/>
+          <p:cNvSpPr>
+            <a:spLocks noGrp="1"/>
+          </p:cNvSpPr>
+          <p:nvPr>
+            <p:ph type="sldNum" sz="quarter" idx="12"/>
+          </p:nvPr>
+        </p:nvSpPr>
+        <p:spPr/>
+        <p:txBody>
+          <a:bodyPr/>
+          <a:lstStyle/>
+          <a:p>
+            <a:fld id="{9CEF4966-5219-4577-B301-14467D565841}" type="slidenum">
+              <a:rPr lang="en-US" smtClean="0"/>
+              <a:t>11</a:t>
+            </a:fld>
+            <a:endParaRPr lang="en-US"/>
+          </a:p>
+        </p:txBody>
+      </p:sp>
+    </p:spTree>
+    <p:extLst>
+      <p:ext uri="{BB962C8B-B14F-4D97-AF65-F5344CB8AC3E}">
+        <p14:creationId xmlns:p14="http://schemas.microsoft.com/office/powerpoint/2010/main" val="3275293651"/>
+      </p:ext>
+    </p:extLst>
+  </p:cSld>
+  <p:clrMapOvr>
+    <a:masterClrMapping/>
+  </p:clrMapOvr>
 </p:sld>
 </file>
 

--- a/CPlusPlus/04_essential_cpp_classes.pptx
+++ b/CPlusPlus/04_essential_cpp_classes.pptx
@@ -4742,7 +4742,21 @@
           <a:p>
             <a:r>
               <a:rPr lang="en-US" dirty="0" smtClean="0"/>
-              <a:t>Multiple inheritance</a:t>
+              <a:t>Multiple </a:t>
+            </a:r>
+            <a:r>
+              <a:rPr lang="en-US" dirty="0" smtClean="0"/>
+              <a:t>inheritance/class hierarchy</a:t>
+            </a:r>
+          </a:p>
+          <a:p>
+            <a:r>
+              <a:rPr lang="en-US" dirty="0" smtClean="0"/>
+              <a:t>Copy </a:t>
+            </a:r>
+            <a:r>
+              <a:rPr lang="en-US" smtClean="0"/>
+              <a:t>versus move</a:t>
             </a:r>
             <a:endParaRPr lang="en-US" dirty="0"/>
           </a:p>
